--- a/docs/Lectures/Week09/Week09_GeometryProcessing_part2.pptx
+++ b/docs/Lectures/Week09/Week09_GeometryProcessing_part2.pptx
@@ -5,15 +5,28 @@
     <p:sldMasterId id="2147483685" r:id="rId1"/>
   </p:sldMasterIdLst>
   <p:notesMasterIdLst>
-    <p:notesMasterId r:id="rId5"/>
+    <p:notesMasterId r:id="rId18"/>
   </p:notesMasterIdLst>
   <p:handoutMasterIdLst>
-    <p:handoutMasterId r:id="rId6"/>
+    <p:handoutMasterId r:id="rId19"/>
   </p:handoutMasterIdLst>
   <p:sldIdLst>
     <p:sldId id="256" r:id="rId2"/>
     <p:sldId id="286" r:id="rId3"/>
     <p:sldId id="353" r:id="rId4"/>
+    <p:sldId id="366" r:id="rId5"/>
+    <p:sldId id="355" r:id="rId6"/>
+    <p:sldId id="356" r:id="rId7"/>
+    <p:sldId id="357" r:id="rId8"/>
+    <p:sldId id="358" r:id="rId9"/>
+    <p:sldId id="359" r:id="rId10"/>
+    <p:sldId id="360" r:id="rId11"/>
+    <p:sldId id="361" r:id="rId12"/>
+    <p:sldId id="362" r:id="rId13"/>
+    <p:sldId id="363" r:id="rId14"/>
+    <p:sldId id="364" r:id="rId15"/>
+    <p:sldId id="365" r:id="rId16"/>
+    <p:sldId id="367" r:id="rId17"/>
   </p:sldIdLst>
   <p:sldSz cx="12192000" cy="6858000"/>
   <p:notesSz cx="6858000" cy="9144000"/>
@@ -120,6 +133,3476 @@
 </p:presentation>
 </file>
 
+<file path=ppt/diagrams/colors1.xml><?xml version="1.0" encoding="utf-8"?>
+<dgm:colorsDef xmlns:dgm="http://schemas.openxmlformats.org/drawingml/2006/diagram" xmlns:a="http://schemas.openxmlformats.org/drawingml/2006/main" uniqueId="urn:microsoft.com/office/officeart/2005/8/colors/accent1_2">
+  <dgm:title val=""/>
+  <dgm:desc val=""/>
+  <dgm:catLst>
+    <dgm:cat type="accent1" pri="11200"/>
+  </dgm:catLst>
+  <dgm:styleLbl name="node0">
+    <dgm:fillClrLst meth="repeat">
+      <a:schemeClr val="accent1"/>
+    </dgm:fillClrLst>
+    <dgm:linClrLst meth="repeat">
+      <a:schemeClr val="lt1"/>
+    </dgm:linClrLst>
+    <dgm:effectClrLst/>
+    <dgm:txLinClrLst/>
+    <dgm:txFillClrLst/>
+    <dgm:txEffectClrLst/>
+  </dgm:styleLbl>
+  <dgm:styleLbl name="alignNode1">
+    <dgm:fillClrLst meth="repeat">
+      <a:schemeClr val="accent1"/>
+    </dgm:fillClrLst>
+    <dgm:linClrLst meth="repeat">
+      <a:schemeClr val="accent1"/>
+    </dgm:linClrLst>
+    <dgm:effectClrLst/>
+    <dgm:txLinClrLst/>
+    <dgm:txFillClrLst/>
+    <dgm:txEffectClrLst/>
+  </dgm:styleLbl>
+  <dgm:styleLbl name="node1">
+    <dgm:fillClrLst meth="repeat">
+      <a:schemeClr val="accent1"/>
+    </dgm:fillClrLst>
+    <dgm:linClrLst meth="repeat">
+      <a:schemeClr val="lt1"/>
+    </dgm:linClrLst>
+    <dgm:effectClrLst/>
+    <dgm:txLinClrLst/>
+    <dgm:txFillClrLst/>
+    <dgm:txEffectClrLst/>
+  </dgm:styleLbl>
+  <dgm:styleLbl name="lnNode1">
+    <dgm:fillClrLst meth="repeat">
+      <a:schemeClr val="accent1"/>
+    </dgm:fillClrLst>
+    <dgm:linClrLst meth="repeat">
+      <a:schemeClr val="lt1"/>
+    </dgm:linClrLst>
+    <dgm:effectClrLst/>
+    <dgm:txLinClrLst/>
+    <dgm:txFillClrLst/>
+    <dgm:txEffectClrLst/>
+  </dgm:styleLbl>
+  <dgm:styleLbl name="vennNode1">
+    <dgm:fillClrLst meth="repeat">
+      <a:schemeClr val="accent1">
+        <a:alpha val="50000"/>
+      </a:schemeClr>
+    </dgm:fillClrLst>
+    <dgm:linClrLst meth="repeat">
+      <a:schemeClr val="lt1"/>
+    </dgm:linClrLst>
+    <dgm:effectClrLst/>
+    <dgm:txLinClrLst/>
+    <dgm:txFillClrLst/>
+    <dgm:txEffectClrLst/>
+  </dgm:styleLbl>
+  <dgm:styleLbl name="node2">
+    <dgm:fillClrLst meth="repeat">
+      <a:schemeClr val="accent1"/>
+    </dgm:fillClrLst>
+    <dgm:linClrLst meth="repeat">
+      <a:schemeClr val="lt1"/>
+    </dgm:linClrLst>
+    <dgm:effectClrLst/>
+    <dgm:txLinClrLst/>
+    <dgm:txFillClrLst/>
+    <dgm:txEffectClrLst/>
+  </dgm:styleLbl>
+  <dgm:styleLbl name="node3">
+    <dgm:fillClrLst meth="repeat">
+      <a:schemeClr val="accent1"/>
+    </dgm:fillClrLst>
+    <dgm:linClrLst meth="repeat">
+      <a:schemeClr val="lt1"/>
+    </dgm:linClrLst>
+    <dgm:effectClrLst/>
+    <dgm:txLinClrLst/>
+    <dgm:txFillClrLst/>
+    <dgm:txEffectClrLst/>
+  </dgm:styleLbl>
+  <dgm:styleLbl name="node4">
+    <dgm:fillClrLst meth="repeat">
+      <a:schemeClr val="accent1"/>
+    </dgm:fillClrLst>
+    <dgm:linClrLst meth="repeat">
+      <a:schemeClr val="lt1"/>
+    </dgm:linClrLst>
+    <dgm:effectClrLst/>
+    <dgm:txLinClrLst/>
+    <dgm:txFillClrLst/>
+    <dgm:txEffectClrLst/>
+  </dgm:styleLbl>
+  <dgm:styleLbl name="fgImgPlace1">
+    <dgm:fillClrLst meth="repeat">
+      <a:schemeClr val="accent1">
+        <a:tint val="50000"/>
+      </a:schemeClr>
+    </dgm:fillClrLst>
+    <dgm:linClrLst meth="repeat">
+      <a:schemeClr val="lt1"/>
+    </dgm:linClrLst>
+    <dgm:effectClrLst/>
+    <dgm:txLinClrLst/>
+    <dgm:txFillClrLst meth="repeat">
+      <a:schemeClr val="lt1"/>
+    </dgm:txFillClrLst>
+    <dgm:txEffectClrLst/>
+  </dgm:styleLbl>
+  <dgm:styleLbl name="alignImgPlace1">
+    <dgm:fillClrLst meth="repeat">
+      <a:schemeClr val="accent1">
+        <a:tint val="50000"/>
+      </a:schemeClr>
+    </dgm:fillClrLst>
+    <dgm:linClrLst meth="repeat">
+      <a:schemeClr val="lt1"/>
+    </dgm:linClrLst>
+    <dgm:effectClrLst/>
+    <dgm:txLinClrLst/>
+    <dgm:txFillClrLst meth="repeat">
+      <a:schemeClr val="lt1"/>
+    </dgm:txFillClrLst>
+    <dgm:txEffectClrLst/>
+  </dgm:styleLbl>
+  <dgm:styleLbl name="bgImgPlace1">
+    <dgm:fillClrLst meth="repeat">
+      <a:schemeClr val="accent1">
+        <a:tint val="50000"/>
+      </a:schemeClr>
+    </dgm:fillClrLst>
+    <dgm:linClrLst meth="repeat">
+      <a:schemeClr val="lt1"/>
+    </dgm:linClrLst>
+    <dgm:effectClrLst/>
+    <dgm:txLinClrLst/>
+    <dgm:txFillClrLst meth="repeat">
+      <a:schemeClr val="lt1"/>
+    </dgm:txFillClrLst>
+    <dgm:txEffectClrLst/>
+  </dgm:styleLbl>
+  <dgm:styleLbl name="sibTrans2D1">
+    <dgm:fillClrLst meth="repeat">
+      <a:schemeClr val="accent1">
+        <a:tint val="60000"/>
+      </a:schemeClr>
+    </dgm:fillClrLst>
+    <dgm:linClrLst meth="repeat">
+      <a:schemeClr val="accent1">
+        <a:tint val="60000"/>
+      </a:schemeClr>
+    </dgm:linClrLst>
+    <dgm:effectClrLst/>
+    <dgm:txLinClrLst/>
+    <dgm:txFillClrLst/>
+    <dgm:txEffectClrLst/>
+  </dgm:styleLbl>
+  <dgm:styleLbl name="fgSibTrans2D1">
+    <dgm:fillClrLst meth="repeat">
+      <a:schemeClr val="accent1">
+        <a:tint val="60000"/>
+      </a:schemeClr>
+    </dgm:fillClrLst>
+    <dgm:linClrLst meth="repeat">
+      <a:schemeClr val="accent1">
+        <a:tint val="60000"/>
+      </a:schemeClr>
+    </dgm:linClrLst>
+    <dgm:effectClrLst/>
+    <dgm:txLinClrLst/>
+    <dgm:txFillClrLst/>
+    <dgm:txEffectClrLst/>
+  </dgm:styleLbl>
+  <dgm:styleLbl name="bgSibTrans2D1">
+    <dgm:fillClrLst meth="repeat">
+      <a:schemeClr val="accent1">
+        <a:tint val="60000"/>
+      </a:schemeClr>
+    </dgm:fillClrLst>
+    <dgm:linClrLst meth="repeat">
+      <a:schemeClr val="accent1">
+        <a:tint val="60000"/>
+      </a:schemeClr>
+    </dgm:linClrLst>
+    <dgm:effectClrLst/>
+    <dgm:txLinClrLst/>
+    <dgm:txFillClrLst/>
+    <dgm:txEffectClrLst/>
+  </dgm:styleLbl>
+  <dgm:styleLbl name="sibTrans1D1">
+    <dgm:fillClrLst meth="repeat">
+      <a:schemeClr val="accent1"/>
+    </dgm:fillClrLst>
+    <dgm:linClrLst meth="repeat">
+      <a:schemeClr val="accent1"/>
+    </dgm:linClrLst>
+    <dgm:effectClrLst/>
+    <dgm:txLinClrLst/>
+    <dgm:txFillClrLst meth="repeat">
+      <a:schemeClr val="tx1"/>
+    </dgm:txFillClrLst>
+    <dgm:txEffectClrLst/>
+  </dgm:styleLbl>
+  <dgm:styleLbl name="callout">
+    <dgm:fillClrLst meth="repeat">
+      <a:schemeClr val="accent1"/>
+    </dgm:fillClrLst>
+    <dgm:linClrLst meth="repeat">
+      <a:schemeClr val="accent1">
+        <a:tint val="50000"/>
+      </a:schemeClr>
+    </dgm:linClrLst>
+    <dgm:effectClrLst/>
+    <dgm:txLinClrLst/>
+    <dgm:txFillClrLst meth="repeat">
+      <a:schemeClr val="tx1"/>
+    </dgm:txFillClrLst>
+    <dgm:txEffectClrLst/>
+  </dgm:styleLbl>
+  <dgm:styleLbl name="asst0">
+    <dgm:fillClrLst meth="repeat">
+      <a:schemeClr val="accent1"/>
+    </dgm:fillClrLst>
+    <dgm:linClrLst meth="repeat">
+      <a:schemeClr val="lt1"/>
+    </dgm:linClrLst>
+    <dgm:effectClrLst/>
+    <dgm:txLinClrLst/>
+    <dgm:txFillClrLst/>
+    <dgm:txEffectClrLst/>
+  </dgm:styleLbl>
+  <dgm:styleLbl name="asst1">
+    <dgm:fillClrLst meth="repeat">
+      <a:schemeClr val="accent1"/>
+    </dgm:fillClrLst>
+    <dgm:linClrLst meth="repeat">
+      <a:schemeClr val="lt1"/>
+    </dgm:linClrLst>
+    <dgm:effectClrLst/>
+    <dgm:txLinClrLst/>
+    <dgm:txFillClrLst/>
+    <dgm:txEffectClrLst/>
+  </dgm:styleLbl>
+  <dgm:styleLbl name="asst2">
+    <dgm:fillClrLst meth="repeat">
+      <a:schemeClr val="accent1"/>
+    </dgm:fillClrLst>
+    <dgm:linClrLst meth="repeat">
+      <a:schemeClr val="lt1"/>
+    </dgm:linClrLst>
+    <dgm:effectClrLst/>
+    <dgm:txLinClrLst/>
+    <dgm:txFillClrLst/>
+    <dgm:txEffectClrLst/>
+  </dgm:styleLbl>
+  <dgm:styleLbl name="asst3">
+    <dgm:fillClrLst meth="repeat">
+      <a:schemeClr val="accent1"/>
+    </dgm:fillClrLst>
+    <dgm:linClrLst meth="repeat">
+      <a:schemeClr val="lt1"/>
+    </dgm:linClrLst>
+    <dgm:effectClrLst/>
+    <dgm:txLinClrLst/>
+    <dgm:txFillClrLst/>
+    <dgm:txEffectClrLst/>
+  </dgm:styleLbl>
+  <dgm:styleLbl name="asst4">
+    <dgm:fillClrLst meth="repeat">
+      <a:schemeClr val="accent1"/>
+    </dgm:fillClrLst>
+    <dgm:linClrLst meth="repeat">
+      <a:schemeClr val="lt1"/>
+    </dgm:linClrLst>
+    <dgm:effectClrLst/>
+    <dgm:txLinClrLst/>
+    <dgm:txFillClrLst/>
+    <dgm:txEffectClrLst/>
+  </dgm:styleLbl>
+  <dgm:styleLbl name="parChTrans2D1">
+    <dgm:fillClrLst meth="repeat">
+      <a:schemeClr val="accent1">
+        <a:tint val="60000"/>
+      </a:schemeClr>
+    </dgm:fillClrLst>
+    <dgm:linClrLst meth="repeat">
+      <a:schemeClr val="accent1">
+        <a:tint val="60000"/>
+      </a:schemeClr>
+    </dgm:linClrLst>
+    <dgm:effectClrLst/>
+    <dgm:txLinClrLst/>
+    <dgm:txFillClrLst meth="repeat">
+      <a:schemeClr val="lt1"/>
+    </dgm:txFillClrLst>
+    <dgm:txEffectClrLst/>
+  </dgm:styleLbl>
+  <dgm:styleLbl name="parChTrans2D2">
+    <dgm:fillClrLst meth="repeat">
+      <a:schemeClr val="accent1"/>
+    </dgm:fillClrLst>
+    <dgm:linClrLst meth="repeat">
+      <a:schemeClr val="accent1"/>
+    </dgm:linClrLst>
+    <dgm:effectClrLst/>
+    <dgm:txLinClrLst/>
+    <dgm:txFillClrLst meth="repeat">
+      <a:schemeClr val="lt1"/>
+    </dgm:txFillClrLst>
+    <dgm:txEffectClrLst/>
+  </dgm:styleLbl>
+  <dgm:styleLbl name="parChTrans2D3">
+    <dgm:fillClrLst meth="repeat">
+      <a:schemeClr val="accent1"/>
+    </dgm:fillClrLst>
+    <dgm:linClrLst meth="repeat">
+      <a:schemeClr val="accent1"/>
+    </dgm:linClrLst>
+    <dgm:effectClrLst/>
+    <dgm:txLinClrLst/>
+    <dgm:txFillClrLst meth="repeat">
+      <a:schemeClr val="lt1"/>
+    </dgm:txFillClrLst>
+    <dgm:txEffectClrLst/>
+  </dgm:styleLbl>
+  <dgm:styleLbl name="parChTrans2D4">
+    <dgm:fillClrLst meth="repeat">
+      <a:schemeClr val="accent1"/>
+    </dgm:fillClrLst>
+    <dgm:linClrLst meth="repeat">
+      <a:schemeClr val="accent1"/>
+    </dgm:linClrLst>
+    <dgm:effectClrLst/>
+    <dgm:txLinClrLst/>
+    <dgm:txFillClrLst meth="repeat">
+      <a:schemeClr val="lt1"/>
+    </dgm:txFillClrLst>
+    <dgm:txEffectClrLst/>
+  </dgm:styleLbl>
+  <dgm:styleLbl name="parChTrans1D1">
+    <dgm:fillClrLst meth="repeat">
+      <a:schemeClr val="accent1"/>
+    </dgm:fillClrLst>
+    <dgm:linClrLst meth="repeat">
+      <a:schemeClr val="accent1">
+        <a:shade val="60000"/>
+      </a:schemeClr>
+    </dgm:linClrLst>
+    <dgm:effectClrLst/>
+    <dgm:txLinClrLst/>
+    <dgm:txFillClrLst meth="repeat">
+      <a:schemeClr val="tx1"/>
+    </dgm:txFillClrLst>
+    <dgm:txEffectClrLst/>
+  </dgm:styleLbl>
+  <dgm:styleLbl name="parChTrans1D2">
+    <dgm:fillClrLst meth="repeat">
+      <a:schemeClr val="accent1"/>
+    </dgm:fillClrLst>
+    <dgm:linClrLst meth="repeat">
+      <a:schemeClr val="accent1">
+        <a:shade val="60000"/>
+      </a:schemeClr>
+    </dgm:linClrLst>
+    <dgm:effectClrLst/>
+    <dgm:txLinClrLst/>
+    <dgm:txFillClrLst meth="repeat">
+      <a:schemeClr val="tx1"/>
+    </dgm:txFillClrLst>
+    <dgm:txEffectClrLst/>
+  </dgm:styleLbl>
+  <dgm:styleLbl name="parChTrans1D3">
+    <dgm:fillClrLst meth="repeat">
+      <a:schemeClr val="accent1"/>
+    </dgm:fillClrLst>
+    <dgm:linClrLst meth="repeat">
+      <a:schemeClr val="accent1">
+        <a:shade val="80000"/>
+      </a:schemeClr>
+    </dgm:linClrLst>
+    <dgm:effectClrLst/>
+    <dgm:txLinClrLst/>
+    <dgm:txFillClrLst meth="repeat">
+      <a:schemeClr val="tx1"/>
+    </dgm:txFillClrLst>
+    <dgm:txEffectClrLst/>
+  </dgm:styleLbl>
+  <dgm:styleLbl name="parChTrans1D4">
+    <dgm:fillClrLst meth="repeat">
+      <a:schemeClr val="accent1"/>
+    </dgm:fillClrLst>
+    <dgm:linClrLst meth="repeat">
+      <a:schemeClr val="accent1">
+        <a:shade val="80000"/>
+      </a:schemeClr>
+    </dgm:linClrLst>
+    <dgm:effectClrLst/>
+    <dgm:txLinClrLst/>
+    <dgm:txFillClrLst meth="repeat">
+      <a:schemeClr val="tx1"/>
+    </dgm:txFillClrLst>
+    <dgm:txEffectClrLst/>
+  </dgm:styleLbl>
+  <dgm:styleLbl name="fgAcc1">
+    <dgm:fillClrLst meth="repeat">
+      <a:schemeClr val="lt1">
+        <a:alpha val="90000"/>
+      </a:schemeClr>
+    </dgm:fillClrLst>
+    <dgm:linClrLst meth="repeat">
+      <a:schemeClr val="accent1"/>
+    </dgm:linClrLst>
+    <dgm:effectClrLst/>
+    <dgm:txLinClrLst/>
+    <dgm:txFillClrLst meth="repeat">
+      <a:schemeClr val="dk1"/>
+    </dgm:txFillClrLst>
+    <dgm:txEffectClrLst/>
+  </dgm:styleLbl>
+  <dgm:styleLbl name="conFgAcc1">
+    <dgm:fillClrLst meth="repeat">
+      <a:schemeClr val="lt1">
+        <a:alpha val="90000"/>
+      </a:schemeClr>
+    </dgm:fillClrLst>
+    <dgm:linClrLst meth="repeat">
+      <a:schemeClr val="accent1"/>
+    </dgm:linClrLst>
+    <dgm:effectClrLst/>
+    <dgm:txLinClrLst/>
+    <dgm:txFillClrLst meth="repeat">
+      <a:schemeClr val="dk1"/>
+    </dgm:txFillClrLst>
+    <dgm:txEffectClrLst/>
+  </dgm:styleLbl>
+  <dgm:styleLbl name="alignAcc1">
+    <dgm:fillClrLst meth="repeat">
+      <a:schemeClr val="lt1">
+        <a:alpha val="90000"/>
+      </a:schemeClr>
+    </dgm:fillClrLst>
+    <dgm:linClrLst meth="repeat">
+      <a:schemeClr val="accent1"/>
+    </dgm:linClrLst>
+    <dgm:effectClrLst/>
+    <dgm:txLinClrLst/>
+    <dgm:txFillClrLst meth="repeat">
+      <a:schemeClr val="dk1"/>
+    </dgm:txFillClrLst>
+    <dgm:txEffectClrLst/>
+  </dgm:styleLbl>
+  <dgm:styleLbl name="trAlignAcc1">
+    <dgm:fillClrLst meth="repeat">
+      <a:schemeClr val="lt1">
+        <a:alpha val="40000"/>
+      </a:schemeClr>
+    </dgm:fillClrLst>
+    <dgm:linClrLst meth="repeat">
+      <a:schemeClr val="accent1"/>
+    </dgm:linClrLst>
+    <dgm:effectClrLst/>
+    <dgm:txLinClrLst/>
+    <dgm:txFillClrLst meth="repeat">
+      <a:schemeClr val="dk1"/>
+    </dgm:txFillClrLst>
+    <dgm:txEffectClrLst/>
+  </dgm:styleLbl>
+  <dgm:styleLbl name="bgAcc1">
+    <dgm:fillClrLst meth="repeat">
+      <a:schemeClr val="lt1">
+        <a:alpha val="90000"/>
+      </a:schemeClr>
+    </dgm:fillClrLst>
+    <dgm:linClrLst meth="repeat">
+      <a:schemeClr val="accent1"/>
+    </dgm:linClrLst>
+    <dgm:effectClrLst/>
+    <dgm:txLinClrLst/>
+    <dgm:txFillClrLst meth="repeat">
+      <a:schemeClr val="dk1"/>
+    </dgm:txFillClrLst>
+    <dgm:txEffectClrLst/>
+  </dgm:styleLbl>
+  <dgm:styleLbl name="solidFgAcc1">
+    <dgm:fillClrLst meth="repeat">
+      <a:schemeClr val="lt1"/>
+    </dgm:fillClrLst>
+    <dgm:linClrLst meth="repeat">
+      <a:schemeClr val="accent1"/>
+    </dgm:linClrLst>
+    <dgm:effectClrLst/>
+    <dgm:txLinClrLst/>
+    <dgm:txFillClrLst meth="repeat">
+      <a:schemeClr val="dk1"/>
+    </dgm:txFillClrLst>
+    <dgm:txEffectClrLst/>
+  </dgm:styleLbl>
+  <dgm:styleLbl name="solidAlignAcc1">
+    <dgm:fillClrLst meth="repeat">
+      <a:schemeClr val="lt1"/>
+    </dgm:fillClrLst>
+    <dgm:linClrLst meth="repeat">
+      <a:schemeClr val="accent1"/>
+    </dgm:linClrLst>
+    <dgm:effectClrLst/>
+    <dgm:txLinClrLst/>
+    <dgm:txFillClrLst meth="repeat">
+      <a:schemeClr val="dk1"/>
+    </dgm:txFillClrLst>
+    <dgm:txEffectClrLst/>
+  </dgm:styleLbl>
+  <dgm:styleLbl name="solidBgAcc1">
+    <dgm:fillClrLst meth="repeat">
+      <a:schemeClr val="lt1"/>
+    </dgm:fillClrLst>
+    <dgm:linClrLst meth="repeat">
+      <a:schemeClr val="accent1"/>
+    </dgm:linClrLst>
+    <dgm:effectClrLst/>
+    <dgm:txLinClrLst/>
+    <dgm:txFillClrLst meth="repeat">
+      <a:schemeClr val="dk1"/>
+    </dgm:txFillClrLst>
+    <dgm:txEffectClrLst/>
+  </dgm:styleLbl>
+  <dgm:styleLbl name="fgAccFollowNode1">
+    <dgm:fillClrLst meth="repeat">
+      <a:schemeClr val="accent1">
+        <a:alpha val="90000"/>
+        <a:tint val="40000"/>
+      </a:schemeClr>
+    </dgm:fillClrLst>
+    <dgm:linClrLst meth="repeat">
+      <a:schemeClr val="accent1">
+        <a:alpha val="90000"/>
+        <a:tint val="40000"/>
+      </a:schemeClr>
+    </dgm:linClrLst>
+    <dgm:effectClrLst/>
+    <dgm:txLinClrLst/>
+    <dgm:txFillClrLst meth="repeat">
+      <a:schemeClr val="dk1"/>
+    </dgm:txFillClrLst>
+    <dgm:txEffectClrLst/>
+  </dgm:styleLbl>
+  <dgm:styleLbl name="alignAccFollowNode1">
+    <dgm:fillClrLst meth="repeat">
+      <a:schemeClr val="accent1">
+        <a:alpha val="90000"/>
+        <a:tint val="40000"/>
+      </a:schemeClr>
+    </dgm:fillClrLst>
+    <dgm:linClrLst meth="repeat">
+      <a:schemeClr val="accent1">
+        <a:alpha val="90000"/>
+        <a:tint val="40000"/>
+      </a:schemeClr>
+    </dgm:linClrLst>
+    <dgm:effectClrLst/>
+    <dgm:txLinClrLst/>
+    <dgm:txFillClrLst meth="repeat">
+      <a:schemeClr val="dk1"/>
+    </dgm:txFillClrLst>
+    <dgm:txEffectClrLst/>
+  </dgm:styleLbl>
+  <dgm:styleLbl name="bgAccFollowNode1">
+    <dgm:fillClrLst meth="repeat">
+      <a:schemeClr val="accent1">
+        <a:alpha val="90000"/>
+        <a:tint val="40000"/>
+      </a:schemeClr>
+    </dgm:fillClrLst>
+    <dgm:linClrLst meth="repeat">
+      <a:schemeClr val="accent1">
+        <a:alpha val="90000"/>
+        <a:tint val="40000"/>
+      </a:schemeClr>
+    </dgm:linClrLst>
+    <dgm:effectClrLst/>
+    <dgm:txLinClrLst/>
+    <dgm:txFillClrLst meth="repeat">
+      <a:schemeClr val="dk1"/>
+    </dgm:txFillClrLst>
+    <dgm:txEffectClrLst/>
+  </dgm:styleLbl>
+  <dgm:styleLbl name="fgAcc0">
+    <dgm:fillClrLst meth="repeat">
+      <a:schemeClr val="lt1">
+        <a:alpha val="90000"/>
+      </a:schemeClr>
+    </dgm:fillClrLst>
+    <dgm:linClrLst meth="repeat">
+      <a:schemeClr val="accent1"/>
+    </dgm:linClrLst>
+    <dgm:effectClrLst/>
+    <dgm:txLinClrLst/>
+    <dgm:txFillClrLst meth="repeat">
+      <a:schemeClr val="dk1"/>
+    </dgm:txFillClrLst>
+    <dgm:txEffectClrLst/>
+  </dgm:styleLbl>
+  <dgm:styleLbl name="fgAcc2">
+    <dgm:fillClrLst meth="repeat">
+      <a:schemeClr val="lt1">
+        <a:alpha val="90000"/>
+      </a:schemeClr>
+    </dgm:fillClrLst>
+    <dgm:linClrLst meth="repeat">
+      <a:schemeClr val="accent1"/>
+    </dgm:linClrLst>
+    <dgm:effectClrLst/>
+    <dgm:txLinClrLst/>
+    <dgm:txFillClrLst meth="repeat">
+      <a:schemeClr val="dk1"/>
+    </dgm:txFillClrLst>
+    <dgm:txEffectClrLst/>
+  </dgm:styleLbl>
+  <dgm:styleLbl name="fgAcc3">
+    <dgm:fillClrLst meth="repeat">
+      <a:schemeClr val="lt1">
+        <a:alpha val="90000"/>
+      </a:schemeClr>
+    </dgm:fillClrLst>
+    <dgm:linClrLst meth="repeat">
+      <a:schemeClr val="accent1"/>
+    </dgm:linClrLst>
+    <dgm:effectClrLst/>
+    <dgm:txLinClrLst/>
+    <dgm:txFillClrLst meth="repeat">
+      <a:schemeClr val="dk1"/>
+    </dgm:txFillClrLst>
+    <dgm:txEffectClrLst/>
+  </dgm:styleLbl>
+  <dgm:styleLbl name="fgAcc4">
+    <dgm:fillClrLst meth="repeat">
+      <a:schemeClr val="lt1">
+        <a:alpha val="90000"/>
+      </a:schemeClr>
+    </dgm:fillClrLst>
+    <dgm:linClrLst meth="repeat">
+      <a:schemeClr val="accent1"/>
+    </dgm:linClrLst>
+    <dgm:effectClrLst/>
+    <dgm:txLinClrLst/>
+    <dgm:txFillClrLst meth="repeat">
+      <a:schemeClr val="dk1"/>
+    </dgm:txFillClrLst>
+    <dgm:txEffectClrLst/>
+  </dgm:styleLbl>
+  <dgm:styleLbl name="bgShp">
+    <dgm:fillClrLst meth="repeat">
+      <a:schemeClr val="accent1">
+        <a:tint val="40000"/>
+      </a:schemeClr>
+    </dgm:fillClrLst>
+    <dgm:linClrLst meth="repeat">
+      <a:schemeClr val="accent1"/>
+    </dgm:linClrLst>
+    <dgm:effectClrLst/>
+    <dgm:txLinClrLst/>
+    <dgm:txFillClrLst meth="repeat">
+      <a:schemeClr val="dk1"/>
+    </dgm:txFillClrLst>
+    <dgm:txEffectClrLst/>
+  </dgm:styleLbl>
+  <dgm:styleLbl name="dkBgShp">
+    <dgm:fillClrLst meth="repeat">
+      <a:schemeClr val="accent1">
+        <a:shade val="80000"/>
+      </a:schemeClr>
+    </dgm:fillClrLst>
+    <dgm:linClrLst meth="repeat">
+      <a:schemeClr val="accent1"/>
+    </dgm:linClrLst>
+    <dgm:effectClrLst/>
+    <dgm:txLinClrLst/>
+    <dgm:txFillClrLst meth="repeat">
+      <a:schemeClr val="lt1"/>
+    </dgm:txFillClrLst>
+    <dgm:txEffectClrLst/>
+  </dgm:styleLbl>
+  <dgm:styleLbl name="trBgShp">
+    <dgm:fillClrLst meth="repeat">
+      <a:schemeClr val="accent1">
+        <a:tint val="50000"/>
+        <a:alpha val="40000"/>
+      </a:schemeClr>
+    </dgm:fillClrLst>
+    <dgm:linClrLst meth="repeat">
+      <a:schemeClr val="accent1"/>
+    </dgm:linClrLst>
+    <dgm:effectClrLst/>
+    <dgm:txLinClrLst/>
+    <dgm:txFillClrLst meth="repeat">
+      <a:schemeClr val="lt1"/>
+    </dgm:txFillClrLst>
+    <dgm:txEffectClrLst/>
+  </dgm:styleLbl>
+  <dgm:styleLbl name="fgShp">
+    <dgm:fillClrLst meth="repeat">
+      <a:schemeClr val="accent1">
+        <a:tint val="60000"/>
+      </a:schemeClr>
+    </dgm:fillClrLst>
+    <dgm:linClrLst meth="repeat">
+      <a:schemeClr val="lt1"/>
+    </dgm:linClrLst>
+    <dgm:effectClrLst/>
+    <dgm:txLinClrLst/>
+    <dgm:txFillClrLst meth="repeat">
+      <a:schemeClr val="dk1"/>
+    </dgm:txFillClrLst>
+    <dgm:txEffectClrLst/>
+  </dgm:styleLbl>
+  <dgm:styleLbl name="revTx">
+    <dgm:fillClrLst meth="repeat">
+      <a:schemeClr val="lt1">
+        <a:alpha val="0"/>
+      </a:schemeClr>
+    </dgm:fillClrLst>
+    <dgm:linClrLst meth="repeat">
+      <a:schemeClr val="dk1">
+        <a:alpha val="0"/>
+      </a:schemeClr>
+    </dgm:linClrLst>
+    <dgm:effectClrLst/>
+    <dgm:txLinClrLst/>
+    <dgm:txFillClrLst meth="repeat">
+      <a:schemeClr val="tx1"/>
+    </dgm:txFillClrLst>
+    <dgm:txEffectClrLst/>
+  </dgm:styleLbl>
+</dgm:colorsDef>
+</file>
+
+<file path=ppt/diagrams/data1.xml><?xml version="1.0" encoding="utf-8"?>
+<dgm:dataModel xmlns:dgm="http://schemas.openxmlformats.org/drawingml/2006/diagram" xmlns:a="http://schemas.openxmlformats.org/drawingml/2006/main">
+  <dgm:ptLst>
+    <dgm:pt modelId="{2995BFCA-3323-4FEF-8CCB-450E717B4C8E}" type="doc">
+      <dgm:prSet loTypeId="urn:microsoft.com/office/officeart/2005/8/layout/hierarchy5" loCatId="hierarchy" qsTypeId="urn:microsoft.com/office/officeart/2005/8/quickstyle/simple1" qsCatId="simple" csTypeId="urn:microsoft.com/office/officeart/2005/8/colors/accent1_2" csCatId="accent1" phldr="1"/>
+      <dgm:spPr/>
+      <dgm:t>
+        <a:bodyPr/>
+        <a:lstStyle/>
+        <a:p>
+          <a:endParaRPr lang="zh-CN" altLang="en-US"/>
+        </a:p>
+      </dgm:t>
+    </dgm:pt>
+    <dgm:pt modelId="{51EFCF66-1328-4D36-8EA5-601BEDE65C52}">
+      <dgm:prSet phldrT="[Text]"/>
+      <dgm:spPr/>
+      <dgm:t>
+        <a:bodyPr/>
+        <a:lstStyle/>
+        <a:p>
+          <a:r>
+            <a:rPr lang="en-US" altLang="zh-CN" dirty="0"/>
+            <a:t>GPS RAW DATA</a:t>
+          </a:r>
+          <a:endParaRPr lang="zh-CN" altLang="en-US" dirty="0"/>
+        </a:p>
+      </dgm:t>
+    </dgm:pt>
+    <dgm:pt modelId="{9A2D28A1-4C65-43C8-BB89-1D07ED3465FC}" type="parTrans" cxnId="{E38569F4-BBAD-4E34-BB8D-B29488AF4711}">
+      <dgm:prSet/>
+      <dgm:spPr/>
+      <dgm:t>
+        <a:bodyPr/>
+        <a:lstStyle/>
+        <a:p>
+          <a:endParaRPr lang="zh-CN" altLang="en-US"/>
+        </a:p>
+      </dgm:t>
+    </dgm:pt>
+    <dgm:pt modelId="{ED5821DF-DEC8-47D4-A44A-E23D38FC8A07}" type="sibTrans" cxnId="{E38569F4-BBAD-4E34-BB8D-B29488AF4711}">
+      <dgm:prSet/>
+      <dgm:spPr/>
+      <dgm:t>
+        <a:bodyPr/>
+        <a:lstStyle/>
+        <a:p>
+          <a:endParaRPr lang="zh-CN" altLang="en-US"/>
+        </a:p>
+      </dgm:t>
+    </dgm:pt>
+    <dgm:pt modelId="{734CB06E-0A6C-4CCE-A9EB-08BA1E73D314}">
+      <dgm:prSet phldrT="[Text]"/>
+      <dgm:spPr/>
+      <dgm:t>
+        <a:bodyPr/>
+        <a:lstStyle/>
+        <a:p>
+          <a:r>
+            <a:rPr lang="en-US" altLang="zh-CN" dirty="0"/>
+            <a:t>Grouping time into 15-mins intervals</a:t>
+          </a:r>
+          <a:endParaRPr lang="zh-CN" altLang="en-US" dirty="0"/>
+        </a:p>
+      </dgm:t>
+    </dgm:pt>
+    <dgm:pt modelId="{F02CD6B8-51DE-4619-889A-7243004CDED6}" type="parTrans" cxnId="{3A213CF4-49AD-482F-BDF5-BABBB4824BC1}">
+      <dgm:prSet/>
+      <dgm:spPr/>
+      <dgm:t>
+        <a:bodyPr/>
+        <a:lstStyle/>
+        <a:p>
+          <a:endParaRPr lang="zh-CN" altLang="en-US"/>
+        </a:p>
+      </dgm:t>
+    </dgm:pt>
+    <dgm:pt modelId="{1F2CC8F3-2A9B-41B6-B853-EE2AFB084AF7}" type="sibTrans" cxnId="{3A213CF4-49AD-482F-BDF5-BABBB4824BC1}">
+      <dgm:prSet/>
+      <dgm:spPr/>
+      <dgm:t>
+        <a:bodyPr/>
+        <a:lstStyle/>
+        <a:p>
+          <a:endParaRPr lang="zh-CN" altLang="en-US"/>
+        </a:p>
+      </dgm:t>
+    </dgm:pt>
+    <dgm:pt modelId="{94EA04C8-DEC1-4627-B27C-153611F155A4}">
+      <dgm:prSet phldrT="[Text]"/>
+      <dgm:spPr/>
+      <dgm:t>
+        <a:bodyPr/>
+        <a:lstStyle/>
+        <a:p>
+          <a:r>
+            <a:rPr lang="en-US" altLang="zh-CN" dirty="0"/>
+            <a:t>Find start and end time of interval</a:t>
+          </a:r>
+          <a:endParaRPr lang="zh-CN" altLang="en-US" dirty="0"/>
+        </a:p>
+      </dgm:t>
+    </dgm:pt>
+    <dgm:pt modelId="{160F1980-4431-409D-B4E0-9F6810922C89}" type="parTrans" cxnId="{C4011411-1916-4CC9-BD7B-926FDF2E8C57}">
+      <dgm:prSet/>
+      <dgm:spPr/>
+      <dgm:t>
+        <a:bodyPr/>
+        <a:lstStyle/>
+        <a:p>
+          <a:endParaRPr lang="zh-CN" altLang="en-US"/>
+        </a:p>
+      </dgm:t>
+    </dgm:pt>
+    <dgm:pt modelId="{A5B00FDC-8BEB-47AA-8773-EB33D4D48430}" type="sibTrans" cxnId="{C4011411-1916-4CC9-BD7B-926FDF2E8C57}">
+      <dgm:prSet/>
+      <dgm:spPr/>
+      <dgm:t>
+        <a:bodyPr/>
+        <a:lstStyle/>
+        <a:p>
+          <a:endParaRPr lang="zh-CN" altLang="en-US"/>
+        </a:p>
+      </dgm:t>
+    </dgm:pt>
+    <dgm:pt modelId="{8109EC7F-1671-4B9E-A037-A1255B33EBEE}">
+      <dgm:prSet/>
+      <dgm:spPr/>
+      <dgm:t>
+        <a:bodyPr/>
+        <a:lstStyle/>
+        <a:p>
+          <a:r>
+            <a:rPr lang="en-US" altLang="zh-CN" dirty="0"/>
+            <a:t>Create a line string</a:t>
+          </a:r>
+          <a:endParaRPr lang="zh-CN" altLang="en-US" dirty="0"/>
+        </a:p>
+      </dgm:t>
+    </dgm:pt>
+    <dgm:pt modelId="{ABD138AC-CC50-4572-BAB0-D2DCF788A18F}" type="parTrans" cxnId="{73D3E5ED-5BF1-40F9-9ECF-C05E9912A4E0}">
+      <dgm:prSet/>
+      <dgm:spPr/>
+      <dgm:t>
+        <a:bodyPr/>
+        <a:lstStyle/>
+        <a:p>
+          <a:endParaRPr lang="zh-CN" altLang="en-US"/>
+        </a:p>
+      </dgm:t>
+    </dgm:pt>
+    <dgm:pt modelId="{EE548966-7948-44B7-96E9-CE961195FEA3}" type="sibTrans" cxnId="{73D3E5ED-5BF1-40F9-9ECF-C05E9912A4E0}">
+      <dgm:prSet/>
+      <dgm:spPr/>
+      <dgm:t>
+        <a:bodyPr/>
+        <a:lstStyle/>
+        <a:p>
+          <a:endParaRPr lang="zh-CN" altLang="en-US"/>
+        </a:p>
+      </dgm:t>
+    </dgm:pt>
+    <dgm:pt modelId="{CD4F3B25-2BFE-46ED-B910-99B0A348A229}">
+      <dgm:prSet/>
+      <dgm:spPr/>
+      <dgm:t>
+        <a:bodyPr/>
+        <a:lstStyle/>
+        <a:p>
+          <a:r>
+            <a:rPr lang="en-US" altLang="zh-CN" dirty="0"/>
+            <a:t>Store results into a new table</a:t>
+          </a:r>
+          <a:endParaRPr lang="zh-CN" altLang="en-US" dirty="0"/>
+        </a:p>
+      </dgm:t>
+    </dgm:pt>
+    <dgm:pt modelId="{6D7AA1A9-E86D-4666-998E-C79A2AAD480B}" type="parTrans" cxnId="{05B11476-72E8-44F5-9C4E-DD3E8088A2FB}">
+      <dgm:prSet/>
+      <dgm:spPr/>
+      <dgm:t>
+        <a:bodyPr/>
+        <a:lstStyle/>
+        <a:p>
+          <a:endParaRPr lang="zh-CN" altLang="en-US"/>
+        </a:p>
+      </dgm:t>
+    </dgm:pt>
+    <dgm:pt modelId="{BD128E24-4F64-4551-B484-A3D159E4634C}" type="sibTrans" cxnId="{05B11476-72E8-44F5-9C4E-DD3E8088A2FB}">
+      <dgm:prSet/>
+      <dgm:spPr/>
+      <dgm:t>
+        <a:bodyPr/>
+        <a:lstStyle/>
+        <a:p>
+          <a:endParaRPr lang="zh-CN" altLang="en-US"/>
+        </a:p>
+      </dgm:t>
+    </dgm:pt>
+    <dgm:pt modelId="{97E0CC67-F0E1-401C-B581-65D0794172E6}" type="pres">
+      <dgm:prSet presAssocID="{2995BFCA-3323-4FEF-8CCB-450E717B4C8E}" presName="mainComposite" presStyleCnt="0">
+        <dgm:presLayoutVars>
+          <dgm:chPref val="1"/>
+          <dgm:dir/>
+          <dgm:animOne val="branch"/>
+          <dgm:animLvl val="lvl"/>
+          <dgm:resizeHandles val="exact"/>
+        </dgm:presLayoutVars>
+      </dgm:prSet>
+      <dgm:spPr/>
+    </dgm:pt>
+    <dgm:pt modelId="{3D140ACA-6DE7-4FE7-8396-EBC8422A529D}" type="pres">
+      <dgm:prSet presAssocID="{2995BFCA-3323-4FEF-8CCB-450E717B4C8E}" presName="hierFlow" presStyleCnt="0"/>
+      <dgm:spPr/>
+    </dgm:pt>
+    <dgm:pt modelId="{92BAEA38-C112-4B75-A3AD-A3B1D4A48917}" type="pres">
+      <dgm:prSet presAssocID="{2995BFCA-3323-4FEF-8CCB-450E717B4C8E}" presName="hierChild1" presStyleCnt="0">
+        <dgm:presLayoutVars>
+          <dgm:chPref val="1"/>
+          <dgm:animOne val="branch"/>
+          <dgm:animLvl val="lvl"/>
+        </dgm:presLayoutVars>
+      </dgm:prSet>
+      <dgm:spPr/>
+    </dgm:pt>
+    <dgm:pt modelId="{545F22B3-76CD-4586-8D95-EDD444243A1C}" type="pres">
+      <dgm:prSet presAssocID="{51EFCF66-1328-4D36-8EA5-601BEDE65C52}" presName="Name17" presStyleCnt="0"/>
+      <dgm:spPr/>
+    </dgm:pt>
+    <dgm:pt modelId="{2BE95873-FA32-43A2-B2AB-95FC8EA602DC}" type="pres">
+      <dgm:prSet presAssocID="{51EFCF66-1328-4D36-8EA5-601BEDE65C52}" presName="level1Shape" presStyleLbl="node0" presStyleIdx="0" presStyleCnt="1">
+        <dgm:presLayoutVars>
+          <dgm:chPref val="3"/>
+        </dgm:presLayoutVars>
+      </dgm:prSet>
+      <dgm:spPr/>
+    </dgm:pt>
+    <dgm:pt modelId="{9E23857D-DCD0-4D69-B721-4F2D47E8AA84}" type="pres">
+      <dgm:prSet presAssocID="{51EFCF66-1328-4D36-8EA5-601BEDE65C52}" presName="hierChild2" presStyleCnt="0"/>
+      <dgm:spPr/>
+    </dgm:pt>
+    <dgm:pt modelId="{B9EDEA13-2E60-4CAD-9302-4B7D3AEA9E0B}" type="pres">
+      <dgm:prSet presAssocID="{F02CD6B8-51DE-4619-889A-7243004CDED6}" presName="Name25" presStyleLbl="parChTrans1D2" presStyleIdx="0" presStyleCnt="1"/>
+      <dgm:spPr/>
+    </dgm:pt>
+    <dgm:pt modelId="{502220C1-57DD-403E-9FAD-24E5717DC444}" type="pres">
+      <dgm:prSet presAssocID="{F02CD6B8-51DE-4619-889A-7243004CDED6}" presName="connTx" presStyleLbl="parChTrans1D2" presStyleIdx="0" presStyleCnt="1"/>
+      <dgm:spPr/>
+    </dgm:pt>
+    <dgm:pt modelId="{2DA23D3E-E2D6-4013-AED2-C49D9B0A69CC}" type="pres">
+      <dgm:prSet presAssocID="{734CB06E-0A6C-4CCE-A9EB-08BA1E73D314}" presName="Name30" presStyleCnt="0"/>
+      <dgm:spPr/>
+    </dgm:pt>
+    <dgm:pt modelId="{DFDA6EB0-E97D-484F-9E19-4D628E26DA39}" type="pres">
+      <dgm:prSet presAssocID="{734CB06E-0A6C-4CCE-A9EB-08BA1E73D314}" presName="level2Shape" presStyleLbl="node2" presStyleIdx="0" presStyleCnt="1"/>
+      <dgm:spPr/>
+    </dgm:pt>
+    <dgm:pt modelId="{48F881E2-4F17-47D9-BA11-E10FA9DEE88B}" type="pres">
+      <dgm:prSet presAssocID="{734CB06E-0A6C-4CCE-A9EB-08BA1E73D314}" presName="hierChild3" presStyleCnt="0"/>
+      <dgm:spPr/>
+    </dgm:pt>
+    <dgm:pt modelId="{30EEE134-7F7F-4ACE-83FD-DBD3E3AA715C}" type="pres">
+      <dgm:prSet presAssocID="{160F1980-4431-409D-B4E0-9F6810922C89}" presName="Name25" presStyleLbl="parChTrans1D3" presStyleIdx="0" presStyleCnt="1"/>
+      <dgm:spPr/>
+    </dgm:pt>
+    <dgm:pt modelId="{1CA7C9E9-CA1B-4CF4-AB5D-F26FEC0E35E6}" type="pres">
+      <dgm:prSet presAssocID="{160F1980-4431-409D-B4E0-9F6810922C89}" presName="connTx" presStyleLbl="parChTrans1D3" presStyleIdx="0" presStyleCnt="1"/>
+      <dgm:spPr/>
+    </dgm:pt>
+    <dgm:pt modelId="{CCEDB4F9-5127-47E8-90C6-7992C84E4413}" type="pres">
+      <dgm:prSet presAssocID="{94EA04C8-DEC1-4627-B27C-153611F155A4}" presName="Name30" presStyleCnt="0"/>
+      <dgm:spPr/>
+    </dgm:pt>
+    <dgm:pt modelId="{83EB6D17-922B-461E-A6DE-45B42342AC05}" type="pres">
+      <dgm:prSet presAssocID="{94EA04C8-DEC1-4627-B27C-153611F155A4}" presName="level2Shape" presStyleLbl="node3" presStyleIdx="0" presStyleCnt="1"/>
+      <dgm:spPr/>
+    </dgm:pt>
+    <dgm:pt modelId="{4C2854BB-DCB7-4E48-8FE9-4BBA52A15FEA}" type="pres">
+      <dgm:prSet presAssocID="{94EA04C8-DEC1-4627-B27C-153611F155A4}" presName="hierChild3" presStyleCnt="0"/>
+      <dgm:spPr/>
+    </dgm:pt>
+    <dgm:pt modelId="{D5969930-5154-4ECA-A5BF-24AD00495F2C}" type="pres">
+      <dgm:prSet presAssocID="{ABD138AC-CC50-4572-BAB0-D2DCF788A18F}" presName="Name25" presStyleLbl="parChTrans1D4" presStyleIdx="0" presStyleCnt="2"/>
+      <dgm:spPr/>
+    </dgm:pt>
+    <dgm:pt modelId="{1F6EC6A7-E213-463C-9A34-86E7DD4CEC50}" type="pres">
+      <dgm:prSet presAssocID="{ABD138AC-CC50-4572-BAB0-D2DCF788A18F}" presName="connTx" presStyleLbl="parChTrans1D4" presStyleIdx="0" presStyleCnt="2"/>
+      <dgm:spPr/>
+    </dgm:pt>
+    <dgm:pt modelId="{48ECD878-9A59-4932-BB36-3D9FE0B47A9F}" type="pres">
+      <dgm:prSet presAssocID="{8109EC7F-1671-4B9E-A037-A1255B33EBEE}" presName="Name30" presStyleCnt="0"/>
+      <dgm:spPr/>
+    </dgm:pt>
+    <dgm:pt modelId="{D5FFB899-652A-4EC7-8AF7-CD148E56B63D}" type="pres">
+      <dgm:prSet presAssocID="{8109EC7F-1671-4B9E-A037-A1255B33EBEE}" presName="level2Shape" presStyleLbl="node4" presStyleIdx="0" presStyleCnt="2"/>
+      <dgm:spPr/>
+    </dgm:pt>
+    <dgm:pt modelId="{45F105F8-40C0-461F-9F6A-860AC4CCC029}" type="pres">
+      <dgm:prSet presAssocID="{8109EC7F-1671-4B9E-A037-A1255B33EBEE}" presName="hierChild3" presStyleCnt="0"/>
+      <dgm:spPr/>
+    </dgm:pt>
+    <dgm:pt modelId="{27295E51-7485-4230-8241-FAF7A0936F42}" type="pres">
+      <dgm:prSet presAssocID="{6D7AA1A9-E86D-4666-998E-C79A2AAD480B}" presName="Name25" presStyleLbl="parChTrans1D4" presStyleIdx="1" presStyleCnt="2"/>
+      <dgm:spPr/>
+    </dgm:pt>
+    <dgm:pt modelId="{73373617-C1D9-4D3B-9A7C-678F5D75741A}" type="pres">
+      <dgm:prSet presAssocID="{6D7AA1A9-E86D-4666-998E-C79A2AAD480B}" presName="connTx" presStyleLbl="parChTrans1D4" presStyleIdx="1" presStyleCnt="2"/>
+      <dgm:spPr/>
+    </dgm:pt>
+    <dgm:pt modelId="{D3BD396D-E8CC-4159-9CDA-820A03A417C8}" type="pres">
+      <dgm:prSet presAssocID="{CD4F3B25-2BFE-46ED-B910-99B0A348A229}" presName="Name30" presStyleCnt="0"/>
+      <dgm:spPr/>
+    </dgm:pt>
+    <dgm:pt modelId="{17AEB39D-8A46-46D0-B2B4-24C13D4CF2E0}" type="pres">
+      <dgm:prSet presAssocID="{CD4F3B25-2BFE-46ED-B910-99B0A348A229}" presName="level2Shape" presStyleLbl="node4" presStyleIdx="1" presStyleCnt="2"/>
+      <dgm:spPr/>
+    </dgm:pt>
+    <dgm:pt modelId="{03BA440B-03F7-44A7-9778-52C1DD9AB4C4}" type="pres">
+      <dgm:prSet presAssocID="{CD4F3B25-2BFE-46ED-B910-99B0A348A229}" presName="hierChild3" presStyleCnt="0"/>
+      <dgm:spPr/>
+    </dgm:pt>
+    <dgm:pt modelId="{8D757191-C9BB-4DC8-B3AB-7137BB88E590}" type="pres">
+      <dgm:prSet presAssocID="{2995BFCA-3323-4FEF-8CCB-450E717B4C8E}" presName="bgShapesFlow" presStyleCnt="0"/>
+      <dgm:spPr/>
+    </dgm:pt>
+  </dgm:ptLst>
+  <dgm:cxnLst>
+    <dgm:cxn modelId="{C4011411-1916-4CC9-BD7B-926FDF2E8C57}" srcId="{734CB06E-0A6C-4CCE-A9EB-08BA1E73D314}" destId="{94EA04C8-DEC1-4627-B27C-153611F155A4}" srcOrd="0" destOrd="0" parTransId="{160F1980-4431-409D-B4E0-9F6810922C89}" sibTransId="{A5B00FDC-8BEB-47AA-8773-EB33D4D48430}"/>
+    <dgm:cxn modelId="{13532020-9109-44B8-8AD8-4D225043E1CC}" type="presOf" srcId="{51EFCF66-1328-4D36-8EA5-601BEDE65C52}" destId="{2BE95873-FA32-43A2-B2AB-95FC8EA602DC}" srcOrd="0" destOrd="0" presId="urn:microsoft.com/office/officeart/2005/8/layout/hierarchy5"/>
+    <dgm:cxn modelId="{113CD533-EF41-463B-8C05-98A94B37DC6A}" type="presOf" srcId="{F02CD6B8-51DE-4619-889A-7243004CDED6}" destId="{B9EDEA13-2E60-4CAD-9302-4B7D3AEA9E0B}" srcOrd="0" destOrd="0" presId="urn:microsoft.com/office/officeart/2005/8/layout/hierarchy5"/>
+    <dgm:cxn modelId="{8377F35E-3576-4E92-AB98-E13A4C4BB593}" type="presOf" srcId="{6D7AA1A9-E86D-4666-998E-C79A2AAD480B}" destId="{27295E51-7485-4230-8241-FAF7A0936F42}" srcOrd="0" destOrd="0" presId="urn:microsoft.com/office/officeart/2005/8/layout/hierarchy5"/>
+    <dgm:cxn modelId="{04550F4E-44F7-471D-9DA5-A92EEF63B33A}" type="presOf" srcId="{6D7AA1A9-E86D-4666-998E-C79A2AAD480B}" destId="{73373617-C1D9-4D3B-9A7C-678F5D75741A}" srcOrd="1" destOrd="0" presId="urn:microsoft.com/office/officeart/2005/8/layout/hierarchy5"/>
+    <dgm:cxn modelId="{61D2344E-E650-4B5D-B567-FC6B78B12A04}" type="presOf" srcId="{ABD138AC-CC50-4572-BAB0-D2DCF788A18F}" destId="{D5969930-5154-4ECA-A5BF-24AD00495F2C}" srcOrd="0" destOrd="0" presId="urn:microsoft.com/office/officeart/2005/8/layout/hierarchy5"/>
+    <dgm:cxn modelId="{05B11476-72E8-44F5-9C4E-DD3E8088A2FB}" srcId="{8109EC7F-1671-4B9E-A037-A1255B33EBEE}" destId="{CD4F3B25-2BFE-46ED-B910-99B0A348A229}" srcOrd="0" destOrd="0" parTransId="{6D7AA1A9-E86D-4666-998E-C79A2AAD480B}" sibTransId="{BD128E24-4F64-4551-B484-A3D159E4634C}"/>
+    <dgm:cxn modelId="{62333DA7-76B5-463C-A507-504B7CE2F300}" type="presOf" srcId="{734CB06E-0A6C-4CCE-A9EB-08BA1E73D314}" destId="{DFDA6EB0-E97D-484F-9E19-4D628E26DA39}" srcOrd="0" destOrd="0" presId="urn:microsoft.com/office/officeart/2005/8/layout/hierarchy5"/>
+    <dgm:cxn modelId="{C344E8A8-21CF-47B1-96D0-8DE40A8AFA2A}" type="presOf" srcId="{160F1980-4431-409D-B4E0-9F6810922C89}" destId="{1CA7C9E9-CA1B-4CF4-AB5D-F26FEC0E35E6}" srcOrd="1" destOrd="0" presId="urn:microsoft.com/office/officeart/2005/8/layout/hierarchy5"/>
+    <dgm:cxn modelId="{1D1EEFB5-3AD8-4452-B736-64F2A1A94FC2}" type="presOf" srcId="{8109EC7F-1671-4B9E-A037-A1255B33EBEE}" destId="{D5FFB899-652A-4EC7-8AF7-CD148E56B63D}" srcOrd="0" destOrd="0" presId="urn:microsoft.com/office/officeart/2005/8/layout/hierarchy5"/>
+    <dgm:cxn modelId="{0C465BCA-5CA3-4E72-8B99-D690120028F9}" type="presOf" srcId="{2995BFCA-3323-4FEF-8CCB-450E717B4C8E}" destId="{97E0CC67-F0E1-401C-B581-65D0794172E6}" srcOrd="0" destOrd="0" presId="urn:microsoft.com/office/officeart/2005/8/layout/hierarchy5"/>
+    <dgm:cxn modelId="{1913E1D6-D48B-48C9-B903-88B721063561}" type="presOf" srcId="{CD4F3B25-2BFE-46ED-B910-99B0A348A229}" destId="{17AEB39D-8A46-46D0-B2B4-24C13D4CF2E0}" srcOrd="0" destOrd="0" presId="urn:microsoft.com/office/officeart/2005/8/layout/hierarchy5"/>
+    <dgm:cxn modelId="{2D69DEDB-AA2D-4B64-99FA-6211DBD75D7C}" type="presOf" srcId="{ABD138AC-CC50-4572-BAB0-D2DCF788A18F}" destId="{1F6EC6A7-E213-463C-9A34-86E7DD4CEC50}" srcOrd="1" destOrd="0" presId="urn:microsoft.com/office/officeart/2005/8/layout/hierarchy5"/>
+    <dgm:cxn modelId="{E72F61EB-79AD-4E97-A94C-49BC6259B3EC}" type="presOf" srcId="{F02CD6B8-51DE-4619-889A-7243004CDED6}" destId="{502220C1-57DD-403E-9FAD-24E5717DC444}" srcOrd="1" destOrd="0" presId="urn:microsoft.com/office/officeart/2005/8/layout/hierarchy5"/>
+    <dgm:cxn modelId="{2839C6ED-EDCC-4C8F-9FA2-AEE69CBF11ED}" type="presOf" srcId="{160F1980-4431-409D-B4E0-9F6810922C89}" destId="{30EEE134-7F7F-4ACE-83FD-DBD3E3AA715C}" srcOrd="0" destOrd="0" presId="urn:microsoft.com/office/officeart/2005/8/layout/hierarchy5"/>
+    <dgm:cxn modelId="{73D3E5ED-5BF1-40F9-9ECF-C05E9912A4E0}" srcId="{94EA04C8-DEC1-4627-B27C-153611F155A4}" destId="{8109EC7F-1671-4B9E-A037-A1255B33EBEE}" srcOrd="0" destOrd="0" parTransId="{ABD138AC-CC50-4572-BAB0-D2DCF788A18F}" sibTransId="{EE548966-7948-44B7-96E9-CE961195FEA3}"/>
+    <dgm:cxn modelId="{EDEEA0EF-9A59-4953-A21D-91586B41B143}" type="presOf" srcId="{94EA04C8-DEC1-4627-B27C-153611F155A4}" destId="{83EB6D17-922B-461E-A6DE-45B42342AC05}" srcOrd="0" destOrd="0" presId="urn:microsoft.com/office/officeart/2005/8/layout/hierarchy5"/>
+    <dgm:cxn modelId="{3A213CF4-49AD-482F-BDF5-BABBB4824BC1}" srcId="{51EFCF66-1328-4D36-8EA5-601BEDE65C52}" destId="{734CB06E-0A6C-4CCE-A9EB-08BA1E73D314}" srcOrd="0" destOrd="0" parTransId="{F02CD6B8-51DE-4619-889A-7243004CDED6}" sibTransId="{1F2CC8F3-2A9B-41B6-B853-EE2AFB084AF7}"/>
+    <dgm:cxn modelId="{E38569F4-BBAD-4E34-BB8D-B29488AF4711}" srcId="{2995BFCA-3323-4FEF-8CCB-450E717B4C8E}" destId="{51EFCF66-1328-4D36-8EA5-601BEDE65C52}" srcOrd="0" destOrd="0" parTransId="{9A2D28A1-4C65-43C8-BB89-1D07ED3465FC}" sibTransId="{ED5821DF-DEC8-47D4-A44A-E23D38FC8A07}"/>
+    <dgm:cxn modelId="{EDA8C6CB-2318-4CB3-9CF0-900D72D449FF}" type="presParOf" srcId="{97E0CC67-F0E1-401C-B581-65D0794172E6}" destId="{3D140ACA-6DE7-4FE7-8396-EBC8422A529D}" srcOrd="0" destOrd="0" presId="urn:microsoft.com/office/officeart/2005/8/layout/hierarchy5"/>
+    <dgm:cxn modelId="{A88A38E2-CDD8-40A2-BE3A-2F2F0BFDB3EF}" type="presParOf" srcId="{3D140ACA-6DE7-4FE7-8396-EBC8422A529D}" destId="{92BAEA38-C112-4B75-A3AD-A3B1D4A48917}" srcOrd="0" destOrd="0" presId="urn:microsoft.com/office/officeart/2005/8/layout/hierarchy5"/>
+    <dgm:cxn modelId="{411223A0-149E-4A65-A1EF-AE7B84B1BBF6}" type="presParOf" srcId="{92BAEA38-C112-4B75-A3AD-A3B1D4A48917}" destId="{545F22B3-76CD-4586-8D95-EDD444243A1C}" srcOrd="0" destOrd="0" presId="urn:microsoft.com/office/officeart/2005/8/layout/hierarchy5"/>
+    <dgm:cxn modelId="{13841A1E-918B-4DD7-9969-9A8218E57D15}" type="presParOf" srcId="{545F22B3-76CD-4586-8D95-EDD444243A1C}" destId="{2BE95873-FA32-43A2-B2AB-95FC8EA602DC}" srcOrd="0" destOrd="0" presId="urn:microsoft.com/office/officeart/2005/8/layout/hierarchy5"/>
+    <dgm:cxn modelId="{3208F5F8-3817-41D3-B9F3-9C30A8D17D0C}" type="presParOf" srcId="{545F22B3-76CD-4586-8D95-EDD444243A1C}" destId="{9E23857D-DCD0-4D69-B721-4F2D47E8AA84}" srcOrd="1" destOrd="0" presId="urn:microsoft.com/office/officeart/2005/8/layout/hierarchy5"/>
+    <dgm:cxn modelId="{D8598B42-9BD3-498F-AEF7-78AFF468E1C7}" type="presParOf" srcId="{9E23857D-DCD0-4D69-B721-4F2D47E8AA84}" destId="{B9EDEA13-2E60-4CAD-9302-4B7D3AEA9E0B}" srcOrd="0" destOrd="0" presId="urn:microsoft.com/office/officeart/2005/8/layout/hierarchy5"/>
+    <dgm:cxn modelId="{42DFCBD8-837D-4F0B-B268-DC16132B9B2B}" type="presParOf" srcId="{B9EDEA13-2E60-4CAD-9302-4B7D3AEA9E0B}" destId="{502220C1-57DD-403E-9FAD-24E5717DC444}" srcOrd="0" destOrd="0" presId="urn:microsoft.com/office/officeart/2005/8/layout/hierarchy5"/>
+    <dgm:cxn modelId="{0548DFB6-FEF3-4605-BBEC-3F3C28D79D26}" type="presParOf" srcId="{9E23857D-DCD0-4D69-B721-4F2D47E8AA84}" destId="{2DA23D3E-E2D6-4013-AED2-C49D9B0A69CC}" srcOrd="1" destOrd="0" presId="urn:microsoft.com/office/officeart/2005/8/layout/hierarchy5"/>
+    <dgm:cxn modelId="{E4AF2A56-DE17-4E80-B6A5-264069CAD482}" type="presParOf" srcId="{2DA23D3E-E2D6-4013-AED2-C49D9B0A69CC}" destId="{DFDA6EB0-E97D-484F-9E19-4D628E26DA39}" srcOrd="0" destOrd="0" presId="urn:microsoft.com/office/officeart/2005/8/layout/hierarchy5"/>
+    <dgm:cxn modelId="{80AA0FB0-3531-49D9-A9D8-DAE733A60F25}" type="presParOf" srcId="{2DA23D3E-E2D6-4013-AED2-C49D9B0A69CC}" destId="{48F881E2-4F17-47D9-BA11-E10FA9DEE88B}" srcOrd="1" destOrd="0" presId="urn:microsoft.com/office/officeart/2005/8/layout/hierarchy5"/>
+    <dgm:cxn modelId="{2059C483-545E-4DE3-B48A-EEFC59827217}" type="presParOf" srcId="{48F881E2-4F17-47D9-BA11-E10FA9DEE88B}" destId="{30EEE134-7F7F-4ACE-83FD-DBD3E3AA715C}" srcOrd="0" destOrd="0" presId="urn:microsoft.com/office/officeart/2005/8/layout/hierarchy5"/>
+    <dgm:cxn modelId="{5866911B-F74C-4029-93BB-EF287AC00CD2}" type="presParOf" srcId="{30EEE134-7F7F-4ACE-83FD-DBD3E3AA715C}" destId="{1CA7C9E9-CA1B-4CF4-AB5D-F26FEC0E35E6}" srcOrd="0" destOrd="0" presId="urn:microsoft.com/office/officeart/2005/8/layout/hierarchy5"/>
+    <dgm:cxn modelId="{C5FCF17F-48FA-4F38-A7A1-E75C20C34678}" type="presParOf" srcId="{48F881E2-4F17-47D9-BA11-E10FA9DEE88B}" destId="{CCEDB4F9-5127-47E8-90C6-7992C84E4413}" srcOrd="1" destOrd="0" presId="urn:microsoft.com/office/officeart/2005/8/layout/hierarchy5"/>
+    <dgm:cxn modelId="{7D749E64-266B-44D5-9008-4C4B62A91E72}" type="presParOf" srcId="{CCEDB4F9-5127-47E8-90C6-7992C84E4413}" destId="{83EB6D17-922B-461E-A6DE-45B42342AC05}" srcOrd="0" destOrd="0" presId="urn:microsoft.com/office/officeart/2005/8/layout/hierarchy5"/>
+    <dgm:cxn modelId="{EAF4C36E-D7ED-451F-B2FA-0891C8C11DD3}" type="presParOf" srcId="{CCEDB4F9-5127-47E8-90C6-7992C84E4413}" destId="{4C2854BB-DCB7-4E48-8FE9-4BBA52A15FEA}" srcOrd="1" destOrd="0" presId="urn:microsoft.com/office/officeart/2005/8/layout/hierarchy5"/>
+    <dgm:cxn modelId="{0ABD0EF7-5B31-4D9E-8A8A-5291EA380FDB}" type="presParOf" srcId="{4C2854BB-DCB7-4E48-8FE9-4BBA52A15FEA}" destId="{D5969930-5154-4ECA-A5BF-24AD00495F2C}" srcOrd="0" destOrd="0" presId="urn:microsoft.com/office/officeart/2005/8/layout/hierarchy5"/>
+    <dgm:cxn modelId="{1B69A024-2955-4D71-BEDF-E9C4D8CA5A4B}" type="presParOf" srcId="{D5969930-5154-4ECA-A5BF-24AD00495F2C}" destId="{1F6EC6A7-E213-463C-9A34-86E7DD4CEC50}" srcOrd="0" destOrd="0" presId="urn:microsoft.com/office/officeart/2005/8/layout/hierarchy5"/>
+    <dgm:cxn modelId="{5ADCE939-9590-49C5-8CBD-3D591A8FEB82}" type="presParOf" srcId="{4C2854BB-DCB7-4E48-8FE9-4BBA52A15FEA}" destId="{48ECD878-9A59-4932-BB36-3D9FE0B47A9F}" srcOrd="1" destOrd="0" presId="urn:microsoft.com/office/officeart/2005/8/layout/hierarchy5"/>
+    <dgm:cxn modelId="{2AEB16E9-785E-45BE-89DE-2F4E4CB45528}" type="presParOf" srcId="{48ECD878-9A59-4932-BB36-3D9FE0B47A9F}" destId="{D5FFB899-652A-4EC7-8AF7-CD148E56B63D}" srcOrd="0" destOrd="0" presId="urn:microsoft.com/office/officeart/2005/8/layout/hierarchy5"/>
+    <dgm:cxn modelId="{D53F0E7D-62C2-499D-B6E1-996B60AF4E22}" type="presParOf" srcId="{48ECD878-9A59-4932-BB36-3D9FE0B47A9F}" destId="{45F105F8-40C0-461F-9F6A-860AC4CCC029}" srcOrd="1" destOrd="0" presId="urn:microsoft.com/office/officeart/2005/8/layout/hierarchy5"/>
+    <dgm:cxn modelId="{82A5142C-8848-4BEF-BCF5-601A6B78D075}" type="presParOf" srcId="{45F105F8-40C0-461F-9F6A-860AC4CCC029}" destId="{27295E51-7485-4230-8241-FAF7A0936F42}" srcOrd="0" destOrd="0" presId="urn:microsoft.com/office/officeart/2005/8/layout/hierarchy5"/>
+    <dgm:cxn modelId="{6194A7D5-DDB5-4381-B713-EF735BCD779F}" type="presParOf" srcId="{27295E51-7485-4230-8241-FAF7A0936F42}" destId="{73373617-C1D9-4D3B-9A7C-678F5D75741A}" srcOrd="0" destOrd="0" presId="urn:microsoft.com/office/officeart/2005/8/layout/hierarchy5"/>
+    <dgm:cxn modelId="{6BE2232C-69DF-4F3F-AB5B-7F3DF38A83C2}" type="presParOf" srcId="{45F105F8-40C0-461F-9F6A-860AC4CCC029}" destId="{D3BD396D-E8CC-4159-9CDA-820A03A417C8}" srcOrd="1" destOrd="0" presId="urn:microsoft.com/office/officeart/2005/8/layout/hierarchy5"/>
+    <dgm:cxn modelId="{B99DDD37-6C8C-4282-9EEE-D6D1CEBFA0FA}" type="presParOf" srcId="{D3BD396D-E8CC-4159-9CDA-820A03A417C8}" destId="{17AEB39D-8A46-46D0-B2B4-24C13D4CF2E0}" srcOrd="0" destOrd="0" presId="urn:microsoft.com/office/officeart/2005/8/layout/hierarchy5"/>
+    <dgm:cxn modelId="{19D6BA61-25C1-40E4-A18E-42A2EC09AA59}" type="presParOf" srcId="{D3BD396D-E8CC-4159-9CDA-820A03A417C8}" destId="{03BA440B-03F7-44A7-9778-52C1DD9AB4C4}" srcOrd="1" destOrd="0" presId="urn:microsoft.com/office/officeart/2005/8/layout/hierarchy5"/>
+    <dgm:cxn modelId="{2781C2DA-3898-43AD-AF4E-4A6BE0AEC09C}" type="presParOf" srcId="{97E0CC67-F0E1-401C-B581-65D0794172E6}" destId="{8D757191-C9BB-4DC8-B3AB-7137BB88E590}" srcOrd="1" destOrd="0" presId="urn:microsoft.com/office/officeart/2005/8/layout/hierarchy5"/>
+  </dgm:cxnLst>
+  <dgm:bg/>
+  <dgm:whole/>
+  <dgm:extLst>
+    <a:ext uri="http://schemas.microsoft.com/office/drawing/2008/diagram">
+      <dsp:dataModelExt xmlns:dsp="http://schemas.microsoft.com/office/drawing/2008/diagram" relId="rId6" minVer="http://schemas.openxmlformats.org/drawingml/2006/diagram"/>
+    </a:ext>
+  </dgm:extLst>
+</dgm:dataModel>
+</file>
+
+<file path=ppt/diagrams/drawing1.xml><?xml version="1.0" encoding="utf-8"?>
+<dsp:drawing xmlns:dgm="http://schemas.openxmlformats.org/drawingml/2006/diagram" xmlns:dsp="http://schemas.microsoft.com/office/drawing/2008/diagram" xmlns:a="http://schemas.openxmlformats.org/drawingml/2006/main">
+  <dsp:spTree>
+    <dsp:nvGrpSpPr>
+      <dsp:cNvPr id="0" name=""/>
+      <dsp:cNvGrpSpPr/>
+    </dsp:nvGrpSpPr>
+    <dsp:grpSpPr/>
+    <dsp:sp modelId="{2BE95873-FA32-43A2-B2AB-95FC8EA602DC}">
+      <dsp:nvSpPr>
+        <dsp:cNvPr id="0" name=""/>
+        <dsp:cNvSpPr/>
+      </dsp:nvSpPr>
+      <dsp:spPr>
+        <a:xfrm>
+          <a:off x="5209" y="1399487"/>
+          <a:ext cx="1669625" cy="834812"/>
+        </a:xfrm>
+        <a:prstGeom prst="roundRect">
+          <a:avLst>
+            <a:gd name="adj" fmla="val 10000"/>
+          </a:avLst>
+        </a:prstGeom>
+        <a:solidFill>
+          <a:schemeClr val="accent1">
+            <a:hueOff val="0"/>
+            <a:satOff val="0"/>
+            <a:lumOff val="0"/>
+            <a:alphaOff val="0"/>
+          </a:schemeClr>
+        </a:solidFill>
+        <a:ln w="22225" cap="rnd" cmpd="sng" algn="ctr">
+          <a:solidFill>
+            <a:schemeClr val="lt1">
+              <a:hueOff val="0"/>
+              <a:satOff val="0"/>
+              <a:lumOff val="0"/>
+              <a:alphaOff val="0"/>
+            </a:schemeClr>
+          </a:solidFill>
+          <a:prstDash val="solid"/>
+        </a:ln>
+        <a:effectLst/>
+      </dsp:spPr>
+      <dsp:style>
+        <a:lnRef idx="2">
+          <a:scrgbClr r="0" g="0" b="0"/>
+        </a:lnRef>
+        <a:fillRef idx="1">
+          <a:scrgbClr r="0" g="0" b="0"/>
+        </a:fillRef>
+        <a:effectRef idx="0">
+          <a:scrgbClr r="0" g="0" b="0"/>
+        </a:effectRef>
+        <a:fontRef idx="minor">
+          <a:schemeClr val="lt1"/>
+        </a:fontRef>
+      </dsp:style>
+      <dsp:txBody>
+        <a:bodyPr spcFirstLastPara="0" vert="horz" wrap="square" lIns="11430" tIns="11430" rIns="11430" bIns="11430" numCol="1" spcCol="1270" anchor="ctr" anchorCtr="0">
+          <a:noAutofit/>
+        </a:bodyPr>
+        <a:lstStyle/>
+        <a:p>
+          <a:pPr marL="0" lvl="0" indent="0" algn="ctr" defTabSz="800100">
+            <a:lnSpc>
+              <a:spcPct val="90000"/>
+            </a:lnSpc>
+            <a:spcBef>
+              <a:spcPct val="0"/>
+            </a:spcBef>
+            <a:spcAft>
+              <a:spcPct val="35000"/>
+            </a:spcAft>
+            <a:buNone/>
+          </a:pPr>
+          <a:r>
+            <a:rPr lang="en-US" altLang="zh-CN" sz="1800" kern="1200" dirty="0"/>
+            <a:t>GPS RAW DATA</a:t>
+          </a:r>
+          <a:endParaRPr lang="zh-CN" altLang="en-US" sz="1800" kern="1200" dirty="0"/>
+        </a:p>
+      </dsp:txBody>
+      <dsp:txXfrm>
+        <a:off x="29660" y="1423938"/>
+        <a:ext cx="1620723" cy="785910"/>
+      </dsp:txXfrm>
+    </dsp:sp>
+    <dsp:sp modelId="{B9EDEA13-2E60-4CAD-9302-4B7D3AEA9E0B}">
+      <dsp:nvSpPr>
+        <dsp:cNvPr id="0" name=""/>
+        <dsp:cNvSpPr/>
+      </dsp:nvSpPr>
+      <dsp:spPr>
+        <a:xfrm>
+          <a:off x="1674835" y="1796217"/>
+          <a:ext cx="667850" cy="41352"/>
+        </a:xfrm>
+        <a:custGeom>
+          <a:avLst/>
+          <a:gdLst/>
+          <a:ahLst/>
+          <a:cxnLst/>
+          <a:rect l="0" t="0" r="0" b="0"/>
+          <a:pathLst>
+            <a:path>
+              <a:moveTo>
+                <a:pt x="0" y="20676"/>
+              </a:moveTo>
+              <a:lnTo>
+                <a:pt x="667850" y="20676"/>
+              </a:lnTo>
+            </a:path>
+          </a:pathLst>
+        </a:custGeom>
+        <a:noFill/>
+        <a:ln w="22225" cap="rnd" cmpd="sng" algn="ctr">
+          <a:solidFill>
+            <a:schemeClr val="accent1">
+              <a:shade val="60000"/>
+              <a:hueOff val="0"/>
+              <a:satOff val="0"/>
+              <a:lumOff val="0"/>
+              <a:alphaOff val="0"/>
+            </a:schemeClr>
+          </a:solidFill>
+          <a:prstDash val="solid"/>
+        </a:ln>
+        <a:effectLst/>
+      </dsp:spPr>
+      <dsp:style>
+        <a:lnRef idx="2">
+          <a:scrgbClr r="0" g="0" b="0"/>
+        </a:lnRef>
+        <a:fillRef idx="0">
+          <a:scrgbClr r="0" g="0" b="0"/>
+        </a:fillRef>
+        <a:effectRef idx="0">
+          <a:scrgbClr r="0" g="0" b="0"/>
+        </a:effectRef>
+        <a:fontRef idx="minor"/>
+      </dsp:style>
+      <dsp:txBody>
+        <a:bodyPr spcFirstLastPara="0" vert="horz" wrap="square" lIns="12700" tIns="0" rIns="12700" bIns="0" numCol="1" spcCol="1270" anchor="ctr" anchorCtr="0">
+          <a:noAutofit/>
+        </a:bodyPr>
+        <a:lstStyle/>
+        <a:p>
+          <a:pPr marL="0" lvl="0" indent="0" algn="ctr" defTabSz="222250">
+            <a:lnSpc>
+              <a:spcPct val="90000"/>
+            </a:lnSpc>
+            <a:spcBef>
+              <a:spcPct val="0"/>
+            </a:spcBef>
+            <a:spcAft>
+              <a:spcPct val="35000"/>
+            </a:spcAft>
+            <a:buNone/>
+          </a:pPr>
+          <a:endParaRPr lang="zh-CN" altLang="en-US" sz="500" kern="1200"/>
+        </a:p>
+      </dsp:txBody>
+      <dsp:txXfrm>
+        <a:off x="1992064" y="1800197"/>
+        <a:ext cx="33392" cy="33392"/>
+      </dsp:txXfrm>
+    </dsp:sp>
+    <dsp:sp modelId="{DFDA6EB0-E97D-484F-9E19-4D628E26DA39}">
+      <dsp:nvSpPr>
+        <dsp:cNvPr id="0" name=""/>
+        <dsp:cNvSpPr/>
+      </dsp:nvSpPr>
+      <dsp:spPr>
+        <a:xfrm>
+          <a:off x="2342686" y="1399487"/>
+          <a:ext cx="1669625" cy="834812"/>
+        </a:xfrm>
+        <a:prstGeom prst="roundRect">
+          <a:avLst>
+            <a:gd name="adj" fmla="val 10000"/>
+          </a:avLst>
+        </a:prstGeom>
+        <a:solidFill>
+          <a:schemeClr val="accent1">
+            <a:hueOff val="0"/>
+            <a:satOff val="0"/>
+            <a:lumOff val="0"/>
+            <a:alphaOff val="0"/>
+          </a:schemeClr>
+        </a:solidFill>
+        <a:ln w="22225" cap="rnd" cmpd="sng" algn="ctr">
+          <a:solidFill>
+            <a:schemeClr val="lt1">
+              <a:hueOff val="0"/>
+              <a:satOff val="0"/>
+              <a:lumOff val="0"/>
+              <a:alphaOff val="0"/>
+            </a:schemeClr>
+          </a:solidFill>
+          <a:prstDash val="solid"/>
+        </a:ln>
+        <a:effectLst/>
+      </dsp:spPr>
+      <dsp:style>
+        <a:lnRef idx="2">
+          <a:scrgbClr r="0" g="0" b="0"/>
+        </a:lnRef>
+        <a:fillRef idx="1">
+          <a:scrgbClr r="0" g="0" b="0"/>
+        </a:fillRef>
+        <a:effectRef idx="0">
+          <a:scrgbClr r="0" g="0" b="0"/>
+        </a:effectRef>
+        <a:fontRef idx="minor">
+          <a:schemeClr val="lt1"/>
+        </a:fontRef>
+      </dsp:style>
+      <dsp:txBody>
+        <a:bodyPr spcFirstLastPara="0" vert="horz" wrap="square" lIns="11430" tIns="11430" rIns="11430" bIns="11430" numCol="1" spcCol="1270" anchor="ctr" anchorCtr="0">
+          <a:noAutofit/>
+        </a:bodyPr>
+        <a:lstStyle/>
+        <a:p>
+          <a:pPr marL="0" lvl="0" indent="0" algn="ctr" defTabSz="800100">
+            <a:lnSpc>
+              <a:spcPct val="90000"/>
+            </a:lnSpc>
+            <a:spcBef>
+              <a:spcPct val="0"/>
+            </a:spcBef>
+            <a:spcAft>
+              <a:spcPct val="35000"/>
+            </a:spcAft>
+            <a:buNone/>
+          </a:pPr>
+          <a:r>
+            <a:rPr lang="en-US" altLang="zh-CN" sz="1800" kern="1200" dirty="0"/>
+            <a:t>Grouping time into 15-mins intervals</a:t>
+          </a:r>
+          <a:endParaRPr lang="zh-CN" altLang="en-US" sz="1800" kern="1200" dirty="0"/>
+        </a:p>
+      </dsp:txBody>
+      <dsp:txXfrm>
+        <a:off x="2367137" y="1423938"/>
+        <a:ext cx="1620723" cy="785910"/>
+      </dsp:txXfrm>
+    </dsp:sp>
+    <dsp:sp modelId="{30EEE134-7F7F-4ACE-83FD-DBD3E3AA715C}">
+      <dsp:nvSpPr>
+        <dsp:cNvPr id="0" name=""/>
+        <dsp:cNvSpPr/>
+      </dsp:nvSpPr>
+      <dsp:spPr>
+        <a:xfrm>
+          <a:off x="4012311" y="1796217"/>
+          <a:ext cx="667850" cy="41352"/>
+        </a:xfrm>
+        <a:custGeom>
+          <a:avLst/>
+          <a:gdLst/>
+          <a:ahLst/>
+          <a:cxnLst/>
+          <a:rect l="0" t="0" r="0" b="0"/>
+          <a:pathLst>
+            <a:path>
+              <a:moveTo>
+                <a:pt x="0" y="20676"/>
+              </a:moveTo>
+              <a:lnTo>
+                <a:pt x="667850" y="20676"/>
+              </a:lnTo>
+            </a:path>
+          </a:pathLst>
+        </a:custGeom>
+        <a:noFill/>
+        <a:ln w="22225" cap="rnd" cmpd="sng" algn="ctr">
+          <a:solidFill>
+            <a:schemeClr val="accent1">
+              <a:shade val="80000"/>
+              <a:hueOff val="0"/>
+              <a:satOff val="0"/>
+              <a:lumOff val="0"/>
+              <a:alphaOff val="0"/>
+            </a:schemeClr>
+          </a:solidFill>
+          <a:prstDash val="solid"/>
+        </a:ln>
+        <a:effectLst/>
+      </dsp:spPr>
+      <dsp:style>
+        <a:lnRef idx="2">
+          <a:scrgbClr r="0" g="0" b="0"/>
+        </a:lnRef>
+        <a:fillRef idx="0">
+          <a:scrgbClr r="0" g="0" b="0"/>
+        </a:fillRef>
+        <a:effectRef idx="0">
+          <a:scrgbClr r="0" g="0" b="0"/>
+        </a:effectRef>
+        <a:fontRef idx="minor"/>
+      </dsp:style>
+      <dsp:txBody>
+        <a:bodyPr spcFirstLastPara="0" vert="horz" wrap="square" lIns="12700" tIns="0" rIns="12700" bIns="0" numCol="1" spcCol="1270" anchor="ctr" anchorCtr="0">
+          <a:noAutofit/>
+        </a:bodyPr>
+        <a:lstStyle/>
+        <a:p>
+          <a:pPr marL="0" lvl="0" indent="0" algn="ctr" defTabSz="222250">
+            <a:lnSpc>
+              <a:spcPct val="90000"/>
+            </a:lnSpc>
+            <a:spcBef>
+              <a:spcPct val="0"/>
+            </a:spcBef>
+            <a:spcAft>
+              <a:spcPct val="35000"/>
+            </a:spcAft>
+            <a:buNone/>
+          </a:pPr>
+          <a:endParaRPr lang="zh-CN" altLang="en-US" sz="500" kern="1200"/>
+        </a:p>
+      </dsp:txBody>
+      <dsp:txXfrm>
+        <a:off x="4329540" y="1800197"/>
+        <a:ext cx="33392" cy="33392"/>
+      </dsp:txXfrm>
+    </dsp:sp>
+    <dsp:sp modelId="{83EB6D17-922B-461E-A6DE-45B42342AC05}">
+      <dsp:nvSpPr>
+        <dsp:cNvPr id="0" name=""/>
+        <dsp:cNvSpPr/>
+      </dsp:nvSpPr>
+      <dsp:spPr>
+        <a:xfrm>
+          <a:off x="4680162" y="1399487"/>
+          <a:ext cx="1669625" cy="834812"/>
+        </a:xfrm>
+        <a:prstGeom prst="roundRect">
+          <a:avLst>
+            <a:gd name="adj" fmla="val 10000"/>
+          </a:avLst>
+        </a:prstGeom>
+        <a:solidFill>
+          <a:schemeClr val="accent1">
+            <a:hueOff val="0"/>
+            <a:satOff val="0"/>
+            <a:lumOff val="0"/>
+            <a:alphaOff val="0"/>
+          </a:schemeClr>
+        </a:solidFill>
+        <a:ln w="22225" cap="rnd" cmpd="sng" algn="ctr">
+          <a:solidFill>
+            <a:schemeClr val="lt1">
+              <a:hueOff val="0"/>
+              <a:satOff val="0"/>
+              <a:lumOff val="0"/>
+              <a:alphaOff val="0"/>
+            </a:schemeClr>
+          </a:solidFill>
+          <a:prstDash val="solid"/>
+        </a:ln>
+        <a:effectLst/>
+      </dsp:spPr>
+      <dsp:style>
+        <a:lnRef idx="2">
+          <a:scrgbClr r="0" g="0" b="0"/>
+        </a:lnRef>
+        <a:fillRef idx="1">
+          <a:scrgbClr r="0" g="0" b="0"/>
+        </a:fillRef>
+        <a:effectRef idx="0">
+          <a:scrgbClr r="0" g="0" b="0"/>
+        </a:effectRef>
+        <a:fontRef idx="minor">
+          <a:schemeClr val="lt1"/>
+        </a:fontRef>
+      </dsp:style>
+      <dsp:txBody>
+        <a:bodyPr spcFirstLastPara="0" vert="horz" wrap="square" lIns="11430" tIns="11430" rIns="11430" bIns="11430" numCol="1" spcCol="1270" anchor="ctr" anchorCtr="0">
+          <a:noAutofit/>
+        </a:bodyPr>
+        <a:lstStyle/>
+        <a:p>
+          <a:pPr marL="0" lvl="0" indent="0" algn="ctr" defTabSz="800100">
+            <a:lnSpc>
+              <a:spcPct val="90000"/>
+            </a:lnSpc>
+            <a:spcBef>
+              <a:spcPct val="0"/>
+            </a:spcBef>
+            <a:spcAft>
+              <a:spcPct val="35000"/>
+            </a:spcAft>
+            <a:buNone/>
+          </a:pPr>
+          <a:r>
+            <a:rPr lang="en-US" altLang="zh-CN" sz="1800" kern="1200" dirty="0"/>
+            <a:t>Find start and end time of interval</a:t>
+          </a:r>
+          <a:endParaRPr lang="zh-CN" altLang="en-US" sz="1800" kern="1200" dirty="0"/>
+        </a:p>
+      </dsp:txBody>
+      <dsp:txXfrm>
+        <a:off x="4704613" y="1423938"/>
+        <a:ext cx="1620723" cy="785910"/>
+      </dsp:txXfrm>
+    </dsp:sp>
+    <dsp:sp modelId="{D5969930-5154-4ECA-A5BF-24AD00495F2C}">
+      <dsp:nvSpPr>
+        <dsp:cNvPr id="0" name=""/>
+        <dsp:cNvSpPr/>
+      </dsp:nvSpPr>
+      <dsp:spPr>
+        <a:xfrm>
+          <a:off x="6349787" y="1796217"/>
+          <a:ext cx="667850" cy="41352"/>
+        </a:xfrm>
+        <a:custGeom>
+          <a:avLst/>
+          <a:gdLst/>
+          <a:ahLst/>
+          <a:cxnLst/>
+          <a:rect l="0" t="0" r="0" b="0"/>
+          <a:pathLst>
+            <a:path>
+              <a:moveTo>
+                <a:pt x="0" y="20676"/>
+              </a:moveTo>
+              <a:lnTo>
+                <a:pt x="667850" y="20676"/>
+              </a:lnTo>
+            </a:path>
+          </a:pathLst>
+        </a:custGeom>
+        <a:noFill/>
+        <a:ln w="22225" cap="rnd" cmpd="sng" algn="ctr">
+          <a:solidFill>
+            <a:schemeClr val="accent1">
+              <a:shade val="80000"/>
+              <a:hueOff val="0"/>
+              <a:satOff val="0"/>
+              <a:lumOff val="0"/>
+              <a:alphaOff val="0"/>
+            </a:schemeClr>
+          </a:solidFill>
+          <a:prstDash val="solid"/>
+        </a:ln>
+        <a:effectLst/>
+      </dsp:spPr>
+      <dsp:style>
+        <a:lnRef idx="2">
+          <a:scrgbClr r="0" g="0" b="0"/>
+        </a:lnRef>
+        <a:fillRef idx="0">
+          <a:scrgbClr r="0" g="0" b="0"/>
+        </a:fillRef>
+        <a:effectRef idx="0">
+          <a:scrgbClr r="0" g="0" b="0"/>
+        </a:effectRef>
+        <a:fontRef idx="minor"/>
+      </dsp:style>
+      <dsp:txBody>
+        <a:bodyPr spcFirstLastPara="0" vert="horz" wrap="square" lIns="12700" tIns="0" rIns="12700" bIns="0" numCol="1" spcCol="1270" anchor="ctr" anchorCtr="0">
+          <a:noAutofit/>
+        </a:bodyPr>
+        <a:lstStyle/>
+        <a:p>
+          <a:pPr marL="0" lvl="0" indent="0" algn="ctr" defTabSz="222250">
+            <a:lnSpc>
+              <a:spcPct val="90000"/>
+            </a:lnSpc>
+            <a:spcBef>
+              <a:spcPct val="0"/>
+            </a:spcBef>
+            <a:spcAft>
+              <a:spcPct val="35000"/>
+            </a:spcAft>
+            <a:buNone/>
+          </a:pPr>
+          <a:endParaRPr lang="zh-CN" altLang="en-US" sz="500" kern="1200"/>
+        </a:p>
+      </dsp:txBody>
+      <dsp:txXfrm>
+        <a:off x="6667016" y="1800197"/>
+        <a:ext cx="33392" cy="33392"/>
+      </dsp:txXfrm>
+    </dsp:sp>
+    <dsp:sp modelId="{D5FFB899-652A-4EC7-8AF7-CD148E56B63D}">
+      <dsp:nvSpPr>
+        <dsp:cNvPr id="0" name=""/>
+        <dsp:cNvSpPr/>
+      </dsp:nvSpPr>
+      <dsp:spPr>
+        <a:xfrm>
+          <a:off x="7017638" y="1399487"/>
+          <a:ext cx="1669625" cy="834812"/>
+        </a:xfrm>
+        <a:prstGeom prst="roundRect">
+          <a:avLst>
+            <a:gd name="adj" fmla="val 10000"/>
+          </a:avLst>
+        </a:prstGeom>
+        <a:solidFill>
+          <a:schemeClr val="accent1">
+            <a:hueOff val="0"/>
+            <a:satOff val="0"/>
+            <a:lumOff val="0"/>
+            <a:alphaOff val="0"/>
+          </a:schemeClr>
+        </a:solidFill>
+        <a:ln w="22225" cap="rnd" cmpd="sng" algn="ctr">
+          <a:solidFill>
+            <a:schemeClr val="lt1">
+              <a:hueOff val="0"/>
+              <a:satOff val="0"/>
+              <a:lumOff val="0"/>
+              <a:alphaOff val="0"/>
+            </a:schemeClr>
+          </a:solidFill>
+          <a:prstDash val="solid"/>
+        </a:ln>
+        <a:effectLst/>
+      </dsp:spPr>
+      <dsp:style>
+        <a:lnRef idx="2">
+          <a:scrgbClr r="0" g="0" b="0"/>
+        </a:lnRef>
+        <a:fillRef idx="1">
+          <a:scrgbClr r="0" g="0" b="0"/>
+        </a:fillRef>
+        <a:effectRef idx="0">
+          <a:scrgbClr r="0" g="0" b="0"/>
+        </a:effectRef>
+        <a:fontRef idx="minor">
+          <a:schemeClr val="lt1"/>
+        </a:fontRef>
+      </dsp:style>
+      <dsp:txBody>
+        <a:bodyPr spcFirstLastPara="0" vert="horz" wrap="square" lIns="11430" tIns="11430" rIns="11430" bIns="11430" numCol="1" spcCol="1270" anchor="ctr" anchorCtr="0">
+          <a:noAutofit/>
+        </a:bodyPr>
+        <a:lstStyle/>
+        <a:p>
+          <a:pPr marL="0" lvl="0" indent="0" algn="ctr" defTabSz="800100">
+            <a:lnSpc>
+              <a:spcPct val="90000"/>
+            </a:lnSpc>
+            <a:spcBef>
+              <a:spcPct val="0"/>
+            </a:spcBef>
+            <a:spcAft>
+              <a:spcPct val="35000"/>
+            </a:spcAft>
+            <a:buNone/>
+          </a:pPr>
+          <a:r>
+            <a:rPr lang="en-US" altLang="zh-CN" sz="1800" kern="1200" dirty="0"/>
+            <a:t>Create a line string</a:t>
+          </a:r>
+          <a:endParaRPr lang="zh-CN" altLang="en-US" sz="1800" kern="1200" dirty="0"/>
+        </a:p>
+      </dsp:txBody>
+      <dsp:txXfrm>
+        <a:off x="7042089" y="1423938"/>
+        <a:ext cx="1620723" cy="785910"/>
+      </dsp:txXfrm>
+    </dsp:sp>
+    <dsp:sp modelId="{27295E51-7485-4230-8241-FAF7A0936F42}">
+      <dsp:nvSpPr>
+        <dsp:cNvPr id="0" name=""/>
+        <dsp:cNvSpPr/>
+      </dsp:nvSpPr>
+      <dsp:spPr>
+        <a:xfrm>
+          <a:off x="8687263" y="1796217"/>
+          <a:ext cx="667850" cy="41352"/>
+        </a:xfrm>
+        <a:custGeom>
+          <a:avLst/>
+          <a:gdLst/>
+          <a:ahLst/>
+          <a:cxnLst/>
+          <a:rect l="0" t="0" r="0" b="0"/>
+          <a:pathLst>
+            <a:path>
+              <a:moveTo>
+                <a:pt x="0" y="20676"/>
+              </a:moveTo>
+              <a:lnTo>
+                <a:pt x="667850" y="20676"/>
+              </a:lnTo>
+            </a:path>
+          </a:pathLst>
+        </a:custGeom>
+        <a:noFill/>
+        <a:ln w="22225" cap="rnd" cmpd="sng" algn="ctr">
+          <a:solidFill>
+            <a:schemeClr val="accent1">
+              <a:shade val="80000"/>
+              <a:hueOff val="0"/>
+              <a:satOff val="0"/>
+              <a:lumOff val="0"/>
+              <a:alphaOff val="0"/>
+            </a:schemeClr>
+          </a:solidFill>
+          <a:prstDash val="solid"/>
+        </a:ln>
+        <a:effectLst/>
+      </dsp:spPr>
+      <dsp:style>
+        <a:lnRef idx="2">
+          <a:scrgbClr r="0" g="0" b="0"/>
+        </a:lnRef>
+        <a:fillRef idx="0">
+          <a:scrgbClr r="0" g="0" b="0"/>
+        </a:fillRef>
+        <a:effectRef idx="0">
+          <a:scrgbClr r="0" g="0" b="0"/>
+        </a:effectRef>
+        <a:fontRef idx="minor"/>
+      </dsp:style>
+      <dsp:txBody>
+        <a:bodyPr spcFirstLastPara="0" vert="horz" wrap="square" lIns="12700" tIns="0" rIns="12700" bIns="0" numCol="1" spcCol="1270" anchor="ctr" anchorCtr="0">
+          <a:noAutofit/>
+        </a:bodyPr>
+        <a:lstStyle/>
+        <a:p>
+          <a:pPr marL="0" lvl="0" indent="0" algn="ctr" defTabSz="222250">
+            <a:lnSpc>
+              <a:spcPct val="90000"/>
+            </a:lnSpc>
+            <a:spcBef>
+              <a:spcPct val="0"/>
+            </a:spcBef>
+            <a:spcAft>
+              <a:spcPct val="35000"/>
+            </a:spcAft>
+            <a:buNone/>
+          </a:pPr>
+          <a:endParaRPr lang="zh-CN" altLang="en-US" sz="500" kern="1200"/>
+        </a:p>
+      </dsp:txBody>
+      <dsp:txXfrm>
+        <a:off x="9004492" y="1800197"/>
+        <a:ext cx="33392" cy="33392"/>
+      </dsp:txXfrm>
+    </dsp:sp>
+    <dsp:sp modelId="{17AEB39D-8A46-46D0-B2B4-24C13D4CF2E0}">
+      <dsp:nvSpPr>
+        <dsp:cNvPr id="0" name=""/>
+        <dsp:cNvSpPr/>
+      </dsp:nvSpPr>
+      <dsp:spPr>
+        <a:xfrm>
+          <a:off x="9355114" y="1399487"/>
+          <a:ext cx="1669625" cy="834812"/>
+        </a:xfrm>
+        <a:prstGeom prst="roundRect">
+          <a:avLst>
+            <a:gd name="adj" fmla="val 10000"/>
+          </a:avLst>
+        </a:prstGeom>
+        <a:solidFill>
+          <a:schemeClr val="accent1">
+            <a:hueOff val="0"/>
+            <a:satOff val="0"/>
+            <a:lumOff val="0"/>
+            <a:alphaOff val="0"/>
+          </a:schemeClr>
+        </a:solidFill>
+        <a:ln w="22225" cap="rnd" cmpd="sng" algn="ctr">
+          <a:solidFill>
+            <a:schemeClr val="lt1">
+              <a:hueOff val="0"/>
+              <a:satOff val="0"/>
+              <a:lumOff val="0"/>
+              <a:alphaOff val="0"/>
+            </a:schemeClr>
+          </a:solidFill>
+          <a:prstDash val="solid"/>
+        </a:ln>
+        <a:effectLst/>
+      </dsp:spPr>
+      <dsp:style>
+        <a:lnRef idx="2">
+          <a:scrgbClr r="0" g="0" b="0"/>
+        </a:lnRef>
+        <a:fillRef idx="1">
+          <a:scrgbClr r="0" g="0" b="0"/>
+        </a:fillRef>
+        <a:effectRef idx="0">
+          <a:scrgbClr r="0" g="0" b="0"/>
+        </a:effectRef>
+        <a:fontRef idx="minor">
+          <a:schemeClr val="lt1"/>
+        </a:fontRef>
+      </dsp:style>
+      <dsp:txBody>
+        <a:bodyPr spcFirstLastPara="0" vert="horz" wrap="square" lIns="11430" tIns="11430" rIns="11430" bIns="11430" numCol="1" spcCol="1270" anchor="ctr" anchorCtr="0">
+          <a:noAutofit/>
+        </a:bodyPr>
+        <a:lstStyle/>
+        <a:p>
+          <a:pPr marL="0" lvl="0" indent="0" algn="ctr" defTabSz="800100">
+            <a:lnSpc>
+              <a:spcPct val="90000"/>
+            </a:lnSpc>
+            <a:spcBef>
+              <a:spcPct val="0"/>
+            </a:spcBef>
+            <a:spcAft>
+              <a:spcPct val="35000"/>
+            </a:spcAft>
+            <a:buNone/>
+          </a:pPr>
+          <a:r>
+            <a:rPr lang="en-US" altLang="zh-CN" sz="1800" kern="1200" dirty="0"/>
+            <a:t>Store results into a new table</a:t>
+          </a:r>
+          <a:endParaRPr lang="zh-CN" altLang="en-US" sz="1800" kern="1200" dirty="0"/>
+        </a:p>
+      </dsp:txBody>
+      <dsp:txXfrm>
+        <a:off x="9379565" y="1423938"/>
+        <a:ext cx="1620723" cy="785910"/>
+      </dsp:txXfrm>
+    </dsp:sp>
+  </dsp:spTree>
+</dsp:drawing>
+</file>
+
+<file path=ppt/diagrams/layout1.xml><?xml version="1.0" encoding="utf-8"?>
+<dgm:layoutDef xmlns:dgm="http://schemas.openxmlformats.org/drawingml/2006/diagram" xmlns:a="http://schemas.openxmlformats.org/drawingml/2006/main" uniqueId="urn:microsoft.com/office/officeart/2005/8/layout/hierarchy5">
+  <dgm:title val=""/>
+  <dgm:desc val=""/>
+  <dgm:catLst>
+    <dgm:cat type="hierarchy" pri="6000"/>
+  </dgm:catLst>
+  <dgm:sampData>
+    <dgm:dataModel>
+      <dgm:ptLst>
+        <dgm:pt modelId="0" type="doc"/>
+        <dgm:pt modelId="1">
+          <dgm:prSet phldr="1"/>
+        </dgm:pt>
+        <dgm:pt modelId="2">
+          <dgm:prSet phldr="1"/>
+        </dgm:pt>
+        <dgm:pt modelId="21">
+          <dgm:prSet phldr="1"/>
+        </dgm:pt>
+        <dgm:pt modelId="22">
+          <dgm:prSet phldr="1"/>
+        </dgm:pt>
+        <dgm:pt modelId="3">
+          <dgm:prSet phldr="1"/>
+        </dgm:pt>
+        <dgm:pt modelId="31">
+          <dgm:prSet phldr="1"/>
+        </dgm:pt>
+        <dgm:pt modelId="4">
+          <dgm:prSet phldr="1"/>
+        </dgm:pt>
+        <dgm:pt modelId="5">
+          <dgm:prSet phldr="1"/>
+        </dgm:pt>
+        <dgm:pt modelId="6">
+          <dgm:prSet phldr="1"/>
+        </dgm:pt>
+      </dgm:ptLst>
+      <dgm:cxnLst>
+        <dgm:cxn modelId="7" srcId="0" destId="1" srcOrd="0" destOrd="0"/>
+        <dgm:cxn modelId="8" srcId="1" destId="2" srcOrd="0" destOrd="0"/>
+        <dgm:cxn modelId="9" srcId="1" destId="3" srcOrd="1" destOrd="0"/>
+        <dgm:cxn modelId="23" srcId="2" destId="21" srcOrd="0" destOrd="0"/>
+        <dgm:cxn modelId="24" srcId="2" destId="22" srcOrd="1" destOrd="0"/>
+        <dgm:cxn modelId="33" srcId="3" destId="31" srcOrd="0" destOrd="0"/>
+        <dgm:cxn modelId="10" srcId="0" destId="4" srcOrd="1" destOrd="0"/>
+        <dgm:cxn modelId="11" srcId="0" destId="5" srcOrd="2" destOrd="0"/>
+        <dgm:cxn modelId="12" srcId="0" destId="6" srcOrd="3" destOrd="0"/>
+      </dgm:cxnLst>
+      <dgm:bg/>
+      <dgm:whole/>
+    </dgm:dataModel>
+  </dgm:sampData>
+  <dgm:styleData>
+    <dgm:dataModel>
+      <dgm:ptLst>
+        <dgm:pt modelId="0" type="doc"/>
+        <dgm:pt modelId="1"/>
+        <dgm:pt modelId="11"/>
+        <dgm:pt modelId="12"/>
+        <dgm:pt modelId="2"/>
+        <dgm:pt modelId="3"/>
+      </dgm:ptLst>
+      <dgm:cxnLst>
+        <dgm:cxn modelId="4" srcId="0" destId="1" srcOrd="0" destOrd="0"/>
+        <dgm:cxn modelId="13" srcId="1" destId="11" srcOrd="0" destOrd="0"/>
+        <dgm:cxn modelId="14" srcId="1" destId="12" srcOrd="1" destOrd="0"/>
+        <dgm:cxn modelId="5" srcId="0" destId="2" srcOrd="1" destOrd="0"/>
+        <dgm:cxn modelId="6" srcId="0" destId="3" srcOrd="2" destOrd="0"/>
+      </dgm:cxnLst>
+      <dgm:bg/>
+      <dgm:whole/>
+    </dgm:dataModel>
+  </dgm:styleData>
+  <dgm:clrData>
+    <dgm:dataModel>
+      <dgm:ptLst>
+        <dgm:pt modelId="0" type="doc"/>
+        <dgm:pt modelId="1"/>
+        <dgm:pt modelId="2"/>
+        <dgm:pt modelId="21"/>
+        <dgm:pt modelId="211"/>
+        <dgm:pt modelId="3"/>
+        <dgm:pt modelId="31"/>
+        <dgm:pt modelId="311"/>
+        <dgm:pt modelId="4"/>
+        <dgm:pt modelId="5"/>
+        <dgm:pt modelId="6"/>
+        <dgm:pt modelId="7"/>
+      </dgm:ptLst>
+      <dgm:cxnLst>
+        <dgm:cxn modelId="8" srcId="0" destId="1" srcOrd="0" destOrd="0"/>
+        <dgm:cxn modelId="9" srcId="1" destId="2" srcOrd="0" destOrd="0"/>
+        <dgm:cxn modelId="10" srcId="1" destId="3" srcOrd="1" destOrd="0"/>
+        <dgm:cxn modelId="23" srcId="2" destId="21" srcOrd="0" destOrd="0"/>
+        <dgm:cxn modelId="24" srcId="21" destId="211" srcOrd="0" destOrd="0"/>
+        <dgm:cxn modelId="33" srcId="3" destId="31" srcOrd="0" destOrd="0"/>
+        <dgm:cxn modelId="34" srcId="31" destId="311" srcOrd="0" destOrd="0"/>
+        <dgm:cxn modelId="11" srcId="0" destId="4" srcOrd="1" destOrd="0"/>
+        <dgm:cxn modelId="12" srcId="0" destId="5" srcOrd="2" destOrd="0"/>
+        <dgm:cxn modelId="13" srcId="0" destId="6" srcOrd="3" destOrd="0"/>
+        <dgm:cxn modelId="14" srcId="0" destId="7" srcOrd="4" destOrd="0"/>
+      </dgm:cxnLst>
+      <dgm:bg/>
+      <dgm:whole/>
+    </dgm:dataModel>
+  </dgm:clrData>
+  <dgm:layoutNode name="mainComposite">
+    <dgm:varLst>
+      <dgm:chPref val="1"/>
+      <dgm:dir/>
+      <dgm:animOne val="branch"/>
+      <dgm:animLvl val="lvl"/>
+      <dgm:resizeHandles val="exact"/>
+    </dgm:varLst>
+    <dgm:alg type="composite"/>
+    <dgm:presOf/>
+    <dgm:shape xmlns:r="http://schemas.openxmlformats.org/officeDocument/2006/relationships" r:blip="">
+      <dgm:adjLst/>
+    </dgm:shape>
+    <dgm:choose name="Name0">
+      <dgm:if name="Name1" axis="ch" ptType="node" func="cnt" op="gte" val="2">
+        <dgm:choose name="Name2">
+          <dgm:if name="Name3" func="var" arg="dir" op="equ" val="norm">
+            <dgm:constrLst>
+              <dgm:constr type="l" for="ch" forName="hierFlow"/>
+              <dgm:constr type="t" for="ch" forName="hierFlow" refType="h" fact="0.3"/>
+              <dgm:constr type="r" for="ch" forName="hierFlow" refType="w" fact="0.98"/>
+              <dgm:constr type="b" for="ch" forName="hierFlow" refType="h" fact="0.96"/>
+              <dgm:constr type="l" for="ch" forName="bgShapesFlow"/>
+              <dgm:constr type="t" for="ch" forName="bgShapesFlow"/>
+              <dgm:constr type="r" for="ch" forName="bgShapesFlow" refType="w"/>
+              <dgm:constr type="b" for="ch" forName="bgShapesFlow" refType="h"/>
+              <dgm:constr type="h" for="des" forName="level1Shape" refType="h"/>
+              <dgm:constr type="w" for="des" forName="level1Shape" refType="h" refFor="des" refForName="level1Shape" fact="2"/>
+              <dgm:constr type="w" for="des" forName="level2Shape" refType="w" refFor="des" refForName="level1Shape" op="equ"/>
+              <dgm:constr type="h" for="des" forName="level2Shape" refType="h" refFor="des" refForName="level1Shape" op="equ"/>
+              <dgm:constr type="sp" for="des" refType="w" refFor="des" refForName="level1Shape" op="equ" fact="0.4"/>
+              <dgm:constr type="sibSp" for="des" forName="hierChild1" refType="h" refFor="des" refForName="level1Shape" op="equ" fact="0.15"/>
+              <dgm:constr type="sibSp" for="des" forName="hierChild2" refType="sibSp" refFor="des" refForName="hierChild1" op="equ"/>
+              <dgm:constr type="sibSp" for="des" forName="hierChild3" refType="sibSp" refFor="des" refForName="hierChild1" op="equ"/>
+              <dgm:constr type="userA" for="des" refType="w" refFor="des" refForName="level1Shape" op="equ"/>
+              <dgm:constr type="userB" for="des" refType="sp" refFor="des" op="equ"/>
+              <dgm:constr type="w" for="des" forName="firstBuf" refType="w" refFor="des" refForName="level1Shape" fact="0.1"/>
+            </dgm:constrLst>
+          </dgm:if>
+          <dgm:else name="Name4">
+            <dgm:constrLst>
+              <dgm:constr type="l" for="ch" forName="hierFlow" refType="w" fact="0.02"/>
+              <dgm:constr type="t" for="ch" forName="hierFlow" refType="h" fact="0.3"/>
+              <dgm:constr type="r" for="ch" forName="hierFlow" refType="w"/>
+              <dgm:constr type="b" for="ch" forName="hierFlow" refType="h" fact="0.96"/>
+              <dgm:constr type="l" for="ch" forName="bgShapesFlow"/>
+              <dgm:constr type="t" for="ch" forName="bgShapesFlow"/>
+              <dgm:constr type="r" for="ch" forName="bgShapesFlow" refType="w"/>
+              <dgm:constr type="b" for="ch" forName="bgShapesFlow" refType="h"/>
+              <dgm:constr type="h" for="des" forName="level1Shape" refType="h"/>
+              <dgm:constr type="w" for="des" forName="level1Shape" refType="h" refFor="des" refForName="level1Shape" fact="2"/>
+              <dgm:constr type="w" for="des" forName="level2Shape" refType="w" refFor="des" refForName="level1Shape" op="equ"/>
+              <dgm:constr type="h" for="des" forName="level2Shape" refType="h" refFor="des" refForName="level1Shape" op="equ"/>
+              <dgm:constr type="sp" for="des" refType="w" refFor="des" refForName="level1Shape" op="equ" fact="0.4"/>
+              <dgm:constr type="sibSp" for="des" forName="hierChild1" refType="h" refFor="des" refForName="level1Shape" op="equ" fact="0.15"/>
+              <dgm:constr type="sibSp" for="des" forName="hierChild2" refType="sibSp" refFor="des" refForName="hierChild1" op="equ"/>
+              <dgm:constr type="sibSp" for="des" forName="hierChild3" refType="sibSp" refFor="des" refForName="hierChild1" op="equ"/>
+              <dgm:constr type="userA" for="des" refType="w" refFor="des" refForName="level1Shape" op="equ"/>
+              <dgm:constr type="userB" for="des" refType="sp" refFor="des" op="equ"/>
+              <dgm:constr type="w" for="des" forName="firstBuf" refType="w" refFor="des" refForName="level1Shape" fact="0.1"/>
+            </dgm:constrLst>
+          </dgm:else>
+        </dgm:choose>
+      </dgm:if>
+      <dgm:else name="Name5">
+        <dgm:constrLst>
+          <dgm:constr type="l" for="ch" forName="hierFlow"/>
+          <dgm:constr type="t" for="ch" forName="hierFlow"/>
+          <dgm:constr type="r" for="ch" forName="hierFlow" refType="w"/>
+          <dgm:constr type="b" for="ch" forName="hierFlow" refType="h"/>
+          <dgm:constr type="l" for="ch" forName="bgShapesFlow"/>
+          <dgm:constr type="t" for="ch" forName="bgShapesFlow"/>
+          <dgm:constr type="r" for="ch" forName="bgShapesFlow" refType="w"/>
+          <dgm:constr type="b" for="ch" forName="bgShapesFlow" refType="h"/>
+          <dgm:constr type="h" for="des" forName="level1Shape" refType="h"/>
+          <dgm:constr type="w" for="des" forName="level1Shape" refType="h" refFor="des" refForName="level1Shape" fact="2"/>
+          <dgm:constr type="w" for="des" forName="level2Shape" refType="w" refFor="des" refForName="level1Shape" op="equ"/>
+          <dgm:constr type="h" for="des" forName="level2Shape" refType="h" refFor="des" refForName="level1Shape" op="equ"/>
+          <dgm:constr type="sp" for="des" refType="w" refFor="des" refForName="level1Shape" op="equ" fact="0.4"/>
+          <dgm:constr type="sibSp" for="des" forName="hierChild1" refType="h" refFor="des" refForName="level1Shape" op="equ" fact="0.15"/>
+          <dgm:constr type="sibSp" for="des" forName="hierChild2" refType="sibSp" refFor="des" refForName="hierChild1" op="equ"/>
+          <dgm:constr type="sibSp" for="des" forName="hierChild3" refType="sibSp" refFor="des" refForName="hierChild1" op="equ"/>
+          <dgm:constr type="userA" for="des" refType="w" refFor="des" refForName="level1Shape" op="equ"/>
+          <dgm:constr type="userB" for="des" refType="sp" refFor="des" op="equ"/>
+          <dgm:constr type="w" for="des" forName="firstBuf" refType="w" refFor="des" refForName="level1Shape" fact="0.1"/>
+        </dgm:constrLst>
+      </dgm:else>
+    </dgm:choose>
+    <dgm:ruleLst/>
+    <dgm:layoutNode name="hierFlow">
+      <dgm:choose name="Name6">
+        <dgm:if name="Name7" func="var" arg="dir" op="equ" val="norm">
+          <dgm:alg type="lin">
+            <dgm:param type="linDir" val="fromL"/>
+            <dgm:param type="nodeVertAlign" val="mid"/>
+            <dgm:param type="vertAlign" val="mid"/>
+            <dgm:param type="nodeHorzAlign" val="l"/>
+            <dgm:param type="horzAlign" val="l"/>
+            <dgm:param type="fallback" val="2D"/>
+          </dgm:alg>
+        </dgm:if>
+        <dgm:else name="Name8">
+          <dgm:alg type="lin">
+            <dgm:param type="linDir" val="fromR"/>
+            <dgm:param type="nodeVertAlign" val="mid"/>
+            <dgm:param type="vertAlign" val="mid"/>
+            <dgm:param type="nodeHorzAlign" val="r"/>
+            <dgm:param type="horzAlign" val="r"/>
+            <dgm:param type="fallback" val="2D"/>
+          </dgm:alg>
+        </dgm:else>
+      </dgm:choose>
+      <dgm:shape xmlns:r="http://schemas.openxmlformats.org/officeDocument/2006/relationships" r:blip="">
+        <dgm:adjLst/>
+      </dgm:shape>
+      <dgm:presOf/>
+      <dgm:constrLst>
+        <dgm:constr type="primFontSz" for="des" ptType="node" op="equ" val="65"/>
+        <dgm:constr type="primFontSz" for="des" forName="connTx" op="equ" val="55"/>
+        <dgm:constr type="primFontSz" for="des" forName="connTx" refType="primFontSz" refFor="des" refPtType="node" op="lte" fact="0.8"/>
+      </dgm:constrLst>
+      <dgm:ruleLst/>
+      <dgm:choose name="Name9">
+        <dgm:if name="Name10" axis="ch" ptType="node" func="cnt" op="gte" val="2">
+          <dgm:layoutNode name="firstBuf">
+            <dgm:alg type="sp"/>
+            <dgm:shape xmlns:r="http://schemas.openxmlformats.org/officeDocument/2006/relationships" r:blip="">
+              <dgm:adjLst/>
+            </dgm:shape>
+            <dgm:presOf/>
+            <dgm:constrLst/>
+            <dgm:ruleLst/>
+          </dgm:layoutNode>
+        </dgm:if>
+        <dgm:else name="Name11"/>
+      </dgm:choose>
+      <dgm:layoutNode name="hierChild1">
+        <dgm:varLst>
+          <dgm:chPref val="1"/>
+          <dgm:animOne val="branch"/>
+          <dgm:animLvl val="lvl"/>
+        </dgm:varLst>
+        <dgm:choose name="Name12">
+          <dgm:if name="Name13" func="var" arg="dir" op="equ" val="norm">
+            <dgm:alg type="hierChild">
+              <dgm:param type="linDir" val="fromT"/>
+              <dgm:param type="chAlign" val="l"/>
+            </dgm:alg>
+          </dgm:if>
+          <dgm:else name="Name14">
+            <dgm:alg type="hierChild">
+              <dgm:param type="linDir" val="fromT"/>
+              <dgm:param type="chAlign" val="r"/>
+            </dgm:alg>
+          </dgm:else>
+        </dgm:choose>
+        <dgm:shape xmlns:r="http://schemas.openxmlformats.org/officeDocument/2006/relationships" r:blip="">
+          <dgm:adjLst/>
+        </dgm:shape>
+        <dgm:presOf/>
+        <dgm:constrLst/>
+        <dgm:ruleLst/>
+        <dgm:forEach name="Name15" axis="ch" cnt="3">
+          <dgm:forEach name="Name16" axis="self" ptType="node">
+            <dgm:layoutNode name="Name17">
+              <dgm:choose name="Name18">
+                <dgm:if name="Name19" func="var" arg="dir" op="equ" val="norm">
+                  <dgm:alg type="hierRoot">
+                    <dgm:param type="hierAlign" val="lCtrCh"/>
+                  </dgm:alg>
+                </dgm:if>
+                <dgm:else name="Name20">
+                  <dgm:alg type="hierRoot">
+                    <dgm:param type="hierAlign" val="rCtrCh"/>
+                  </dgm:alg>
+                </dgm:else>
+              </dgm:choose>
+              <dgm:shape xmlns:r="http://schemas.openxmlformats.org/officeDocument/2006/relationships" r:blip="">
+                <dgm:adjLst/>
+              </dgm:shape>
+              <dgm:presOf/>
+              <dgm:constrLst/>
+              <dgm:ruleLst/>
+              <dgm:layoutNode name="level1Shape" styleLbl="node0">
+                <dgm:varLst>
+                  <dgm:chPref val="3"/>
+                </dgm:varLst>
+                <dgm:alg type="tx"/>
+                <dgm:shape xmlns:r="http://schemas.openxmlformats.org/officeDocument/2006/relationships" type="roundRect" r:blip="">
+                  <dgm:adjLst>
+                    <dgm:adj idx="1" val="0.1"/>
+                  </dgm:adjLst>
+                </dgm:shape>
+                <dgm:presOf axis="self"/>
+                <dgm:constrLst>
+                  <dgm:constr type="tMarg" refType="primFontSz" fact="0.05"/>
+                  <dgm:constr type="bMarg" refType="primFontSz" fact="0.05"/>
+                  <dgm:constr type="lMarg" refType="primFontSz" fact="0.05"/>
+                  <dgm:constr type="rMarg" refType="primFontSz" fact="0.05"/>
+                </dgm:constrLst>
+                <dgm:ruleLst>
+                  <dgm:rule type="primFontSz" val="5" fact="NaN" max="NaN"/>
+                </dgm:ruleLst>
+              </dgm:layoutNode>
+              <dgm:layoutNode name="hierChild2">
+                <dgm:choose name="Name21">
+                  <dgm:if name="Name22" func="var" arg="dir" op="equ" val="norm">
+                    <dgm:alg type="hierChild">
+                      <dgm:param type="linDir" val="fromT"/>
+                      <dgm:param type="chAlign" val="l"/>
+                    </dgm:alg>
+                  </dgm:if>
+                  <dgm:else name="Name23">
+                    <dgm:alg type="hierChild">
+                      <dgm:param type="linDir" val="fromT"/>
+                      <dgm:param type="chAlign" val="r"/>
+                    </dgm:alg>
+                  </dgm:else>
+                </dgm:choose>
+                <dgm:shape xmlns:r="http://schemas.openxmlformats.org/officeDocument/2006/relationships" r:blip="">
+                  <dgm:adjLst/>
+                </dgm:shape>
+                <dgm:presOf/>
+                <dgm:constrLst/>
+                <dgm:ruleLst/>
+                <dgm:forEach name="repeat" axis="ch">
+                  <dgm:forEach name="Name24" axis="self" ptType="parTrans" cnt="1">
+                    <dgm:layoutNode name="Name25">
+                      <dgm:choose name="Name26">
+                        <dgm:if name="Name27" func="var" arg="dir" op="equ" val="norm">
+                          <dgm:alg type="conn">
+                            <dgm:param type="dim" val="1D"/>
+                            <dgm:param type="begPts" val="midR"/>
+                            <dgm:param type="endPts" val="midL"/>
+                            <dgm:param type="endSty" val="noArr"/>
+                          </dgm:alg>
+                        </dgm:if>
+                        <dgm:else name="Name28">
+                          <dgm:alg type="conn">
+                            <dgm:param type="dim" val="1D"/>
+                            <dgm:param type="begPts" val="midL"/>
+                            <dgm:param type="endPts" val="midR"/>
+                            <dgm:param type="endSty" val="noArr"/>
+                          </dgm:alg>
+                        </dgm:else>
+                      </dgm:choose>
+                      <dgm:shape xmlns:r="http://schemas.openxmlformats.org/officeDocument/2006/relationships" type="conn" r:blip="">
+                        <dgm:adjLst/>
+                      </dgm:shape>
+                      <dgm:presOf axis="self"/>
+                      <dgm:constrLst>
+                        <dgm:constr type="w" val="1"/>
+                        <dgm:constr type="h" val="5"/>
+                        <dgm:constr type="connDist"/>
+                        <dgm:constr type="begPad"/>
+                        <dgm:constr type="endPad"/>
+                        <dgm:constr type="userA" for="ch" refType="connDist"/>
+                      </dgm:constrLst>
+                      <dgm:ruleLst/>
+                      <dgm:layoutNode name="connTx">
+                        <dgm:alg type="tx">
+                          <dgm:param type="autoTxRot" val="grav"/>
+                        </dgm:alg>
+                        <dgm:shape xmlns:r="http://schemas.openxmlformats.org/officeDocument/2006/relationships" type="rect" r:blip="" hideGeom="1">
+                          <dgm:adjLst/>
+                        </dgm:shape>
+                        <dgm:presOf axis="self"/>
+                        <dgm:constrLst>
+                          <dgm:constr type="userA"/>
+                          <dgm:constr type="w" refType="userA" fact="0.05"/>
+                          <dgm:constr type="h" refType="userA" fact="0.05"/>
+                          <dgm:constr type="lMarg" val="1"/>
+                          <dgm:constr type="rMarg" val="1"/>
+                          <dgm:constr type="tMarg"/>
+                          <dgm:constr type="bMarg"/>
+                        </dgm:constrLst>
+                        <dgm:ruleLst>
+                          <dgm:rule type="h" val="NaN" fact="0.25" max="NaN"/>
+                          <dgm:rule type="w" val="NaN" fact="0.8" max="NaN"/>
+                          <dgm:rule type="primFontSz" val="5" fact="NaN" max="NaN"/>
+                        </dgm:ruleLst>
+                      </dgm:layoutNode>
+                    </dgm:layoutNode>
+                  </dgm:forEach>
+                  <dgm:forEach name="Name29" axis="self" ptType="node">
+                    <dgm:layoutNode name="Name30">
+                      <dgm:choose name="Name31">
+                        <dgm:if name="Name32" func="var" arg="dir" op="equ" val="norm">
+                          <dgm:alg type="hierRoot">
+                            <dgm:param type="hierAlign" val="lCtrCh"/>
+                          </dgm:alg>
+                        </dgm:if>
+                        <dgm:else name="Name33">
+                          <dgm:alg type="hierRoot">
+                            <dgm:param type="hierAlign" val="rCtrCh"/>
+                          </dgm:alg>
+                        </dgm:else>
+                      </dgm:choose>
+                      <dgm:shape xmlns:r="http://schemas.openxmlformats.org/officeDocument/2006/relationships" r:blip="">
+                        <dgm:adjLst/>
+                      </dgm:shape>
+                      <dgm:presOf/>
+                      <dgm:constrLst/>
+                      <dgm:ruleLst/>
+                      <dgm:layoutNode name="level2Shape">
+                        <dgm:alg type="tx"/>
+                        <dgm:shape xmlns:r="http://schemas.openxmlformats.org/officeDocument/2006/relationships" type="roundRect" r:blip="">
+                          <dgm:adjLst>
+                            <dgm:adj idx="1" val="0.1"/>
+                          </dgm:adjLst>
+                        </dgm:shape>
+                        <dgm:presOf axis="self"/>
+                        <dgm:constrLst>
+                          <dgm:constr type="tMarg" refType="primFontSz" fact="0.05"/>
+                          <dgm:constr type="bMarg" refType="primFontSz" fact="0.05"/>
+                          <dgm:constr type="lMarg" refType="primFontSz" fact="0.05"/>
+                          <dgm:constr type="rMarg" refType="primFontSz" fact="0.05"/>
+                        </dgm:constrLst>
+                        <dgm:ruleLst>
+                          <dgm:rule type="primFontSz" val="5" fact="NaN" max="NaN"/>
+                        </dgm:ruleLst>
+                      </dgm:layoutNode>
+                      <dgm:layoutNode name="hierChild3">
+                        <dgm:choose name="Name34">
+                          <dgm:if name="Name35" func="var" arg="dir" op="equ" val="norm">
+                            <dgm:alg type="hierChild">
+                              <dgm:param type="linDir" val="fromT"/>
+                              <dgm:param type="chAlign" val="l"/>
+                            </dgm:alg>
+                          </dgm:if>
+                          <dgm:else name="Name36">
+                            <dgm:alg type="hierChild">
+                              <dgm:param type="linDir" val="fromT"/>
+                              <dgm:param type="chAlign" val="r"/>
+                            </dgm:alg>
+                          </dgm:else>
+                        </dgm:choose>
+                        <dgm:shape xmlns:r="http://schemas.openxmlformats.org/officeDocument/2006/relationships" r:blip="">
+                          <dgm:adjLst/>
+                        </dgm:shape>
+                        <dgm:presOf/>
+                        <dgm:constrLst/>
+                        <dgm:ruleLst/>
+                        <dgm:forEach name="Name37" ref="repeat"/>
+                      </dgm:layoutNode>
+                    </dgm:layoutNode>
+                  </dgm:forEach>
+                </dgm:forEach>
+              </dgm:layoutNode>
+            </dgm:layoutNode>
+          </dgm:forEach>
+        </dgm:forEach>
+      </dgm:layoutNode>
+    </dgm:layoutNode>
+    <dgm:layoutNode name="bgShapesFlow">
+      <dgm:choose name="Name38">
+        <dgm:if name="Name39" func="var" arg="dir" op="equ" val="norm">
+          <dgm:alg type="lin">
+            <dgm:param type="linDir" val="fromL"/>
+            <dgm:param type="nodeVertAlign" val="mid"/>
+            <dgm:param type="vertAlign" val="mid"/>
+            <dgm:param type="nodeHorzAlign" val="l"/>
+            <dgm:param type="horzAlign" val="l"/>
+          </dgm:alg>
+        </dgm:if>
+        <dgm:else name="Name40">
+          <dgm:alg type="lin">
+            <dgm:param type="linDir" val="fromR"/>
+            <dgm:param type="nodeVertAlign" val="mid"/>
+            <dgm:param type="vertAlign" val="mid"/>
+            <dgm:param type="nodeHorzAlign" val="r"/>
+            <dgm:param type="horzAlign" val="r"/>
+          </dgm:alg>
+        </dgm:else>
+      </dgm:choose>
+      <dgm:shape xmlns:r="http://schemas.openxmlformats.org/officeDocument/2006/relationships" r:blip="">
+        <dgm:adjLst/>
+      </dgm:shape>
+      <dgm:presOf/>
+      <dgm:constrLst>
+        <dgm:constr type="w" for="ch" forName="rectComp" refType="w"/>
+        <dgm:constr type="h" for="ch" forName="rectComp" refType="h"/>
+        <dgm:constr type="h" for="des" forName="bgRect" refType="h"/>
+        <dgm:constr type="primFontSz" for="des" forName="bgRectTx" op="equ" val="65"/>
+      </dgm:constrLst>
+      <dgm:ruleLst/>
+      <dgm:forEach name="Name41" axis="ch" ptType="node" st="2">
+        <dgm:layoutNode name="rectComp">
+          <dgm:alg type="composite"/>
+          <dgm:shape xmlns:r="http://schemas.openxmlformats.org/officeDocument/2006/relationships" r:blip="">
+            <dgm:adjLst/>
+          </dgm:shape>
+          <dgm:presOf/>
+          <dgm:constrLst>
+            <dgm:constr type="userA"/>
+            <dgm:constr type="l" for="ch" forName="bgRect"/>
+            <dgm:constr type="t" for="ch" forName="bgRect"/>
+            <dgm:constr type="w" for="ch" forName="bgRect" refType="userA" fact="1.2"/>
+            <dgm:constr type="l" for="ch" forName="bgRectTx"/>
+            <dgm:constr type="t" for="ch" forName="bgRectTx"/>
+            <dgm:constr type="h" for="ch" forName="bgRectTx" refType="h" refFor="ch" refForName="bgRect" fact="0.3"/>
+            <dgm:constr type="w" for="ch" forName="bgRectTx" refType="w" refFor="ch" refForName="bgRect" op="equ"/>
+          </dgm:constrLst>
+          <dgm:ruleLst/>
+          <dgm:layoutNode name="bgRect" styleLbl="bgShp">
+            <dgm:alg type="sp"/>
+            <dgm:shape xmlns:r="http://schemas.openxmlformats.org/officeDocument/2006/relationships" type="roundRect" r:blip="" zOrderOff="-999">
+              <dgm:adjLst>
+                <dgm:adj idx="1" val="0.1"/>
+              </dgm:adjLst>
+            </dgm:shape>
+            <dgm:presOf axis="desOrSelf" ptType="node"/>
+            <dgm:constrLst/>
+            <dgm:ruleLst/>
+          </dgm:layoutNode>
+          <dgm:layoutNode name="bgRectTx" styleLbl="bgShp">
+            <dgm:varLst>
+              <dgm:bulletEnabled val="1"/>
+            </dgm:varLst>
+            <dgm:alg type="tx"/>
+            <dgm:shape xmlns:r="http://schemas.openxmlformats.org/officeDocument/2006/relationships" type="rect" r:blip="" zOrderOff="-999" hideGeom="1">
+              <dgm:adjLst/>
+            </dgm:shape>
+            <dgm:presOf axis="desOrSelf" ptType="node"/>
+            <dgm:constrLst/>
+            <dgm:ruleLst>
+              <dgm:rule type="primFontSz" val="5" fact="NaN" max="NaN"/>
+            </dgm:ruleLst>
+          </dgm:layoutNode>
+        </dgm:layoutNode>
+        <dgm:choose name="Name42">
+          <dgm:if name="Name43" axis="self" ptType="node" func="revPos" op="gte" val="2">
+            <dgm:layoutNode name="spComp">
+              <dgm:alg type="composite"/>
+              <dgm:shape xmlns:r="http://schemas.openxmlformats.org/officeDocument/2006/relationships" r:blip="">
+                <dgm:adjLst/>
+              </dgm:shape>
+              <dgm:presOf/>
+              <dgm:constrLst>
+                <dgm:constr type="userA"/>
+                <dgm:constr type="userB"/>
+                <dgm:constr type="l" for="ch" forName="hSp"/>
+                <dgm:constr type="t" for="ch" forName="hSp"/>
+                <dgm:constr type="w" for="ch" forName="hSp" refType="userB"/>
+                <dgm:constr type="wOff" for="ch" forName="hSp" refType="userA" fact="-0.2"/>
+              </dgm:constrLst>
+              <dgm:ruleLst/>
+              <dgm:layoutNode name="hSp">
+                <dgm:alg type="sp"/>
+                <dgm:shape xmlns:r="http://schemas.openxmlformats.org/officeDocument/2006/relationships" r:blip="">
+                  <dgm:adjLst/>
+                </dgm:shape>
+                <dgm:presOf/>
+                <dgm:constrLst/>
+                <dgm:ruleLst/>
+              </dgm:layoutNode>
+            </dgm:layoutNode>
+          </dgm:if>
+          <dgm:else name="Name44"/>
+        </dgm:choose>
+      </dgm:forEach>
+    </dgm:layoutNode>
+  </dgm:layoutNode>
+</dgm:layoutDef>
+</file>
+
+<file path=ppt/diagrams/quickStyle1.xml><?xml version="1.0" encoding="utf-8"?>
+<dgm:styleDef xmlns:dgm="http://schemas.openxmlformats.org/drawingml/2006/diagram" xmlns:a="http://schemas.openxmlformats.org/drawingml/2006/main" uniqueId="urn:microsoft.com/office/officeart/2005/8/quickstyle/simple1">
+  <dgm:title val=""/>
+  <dgm:desc val=""/>
+  <dgm:catLst>
+    <dgm:cat type="simple" pri="10100"/>
+  </dgm:catLst>
+  <dgm:scene3d>
+    <a:camera prst="orthographicFront"/>
+    <a:lightRig rig="threePt" dir="t"/>
+  </dgm:scene3d>
+  <dgm:styleLbl name="node0">
+    <dgm:scene3d>
+      <a:camera prst="orthographicFront"/>
+      <a:lightRig rig="threePt" dir="t"/>
+    </dgm:scene3d>
+    <dgm:sp3d/>
+    <dgm:txPr/>
+    <dgm:style>
+      <a:lnRef idx="2">
+        <a:scrgbClr r="0" g="0" b="0"/>
+      </a:lnRef>
+      <a:fillRef idx="1">
+        <a:scrgbClr r="0" g="0" b="0"/>
+      </a:fillRef>
+      <a:effectRef idx="0">
+        <a:scrgbClr r="0" g="0" b="0"/>
+      </a:effectRef>
+      <a:fontRef idx="minor">
+        <a:schemeClr val="lt1"/>
+      </a:fontRef>
+    </dgm:style>
+  </dgm:styleLbl>
+  <dgm:styleLbl name="lnNode1">
+    <dgm:scene3d>
+      <a:camera prst="orthographicFront"/>
+      <a:lightRig rig="threePt" dir="t"/>
+    </dgm:scene3d>
+    <dgm:sp3d/>
+    <dgm:txPr/>
+    <dgm:style>
+      <a:lnRef idx="2">
+        <a:scrgbClr r="0" g="0" b="0"/>
+      </a:lnRef>
+      <a:fillRef idx="1">
+        <a:scrgbClr r="0" g="0" b="0"/>
+      </a:fillRef>
+      <a:effectRef idx="0">
+        <a:scrgbClr r="0" g="0" b="0"/>
+      </a:effectRef>
+      <a:fontRef idx="minor">
+        <a:schemeClr val="lt1"/>
+      </a:fontRef>
+    </dgm:style>
+  </dgm:styleLbl>
+  <dgm:styleLbl name="vennNode1">
+    <dgm:scene3d>
+      <a:camera prst="orthographicFront"/>
+      <a:lightRig rig="threePt" dir="t"/>
+    </dgm:scene3d>
+    <dgm:sp3d/>
+    <dgm:txPr/>
+    <dgm:style>
+      <a:lnRef idx="2">
+        <a:scrgbClr r="0" g="0" b="0"/>
+      </a:lnRef>
+      <a:fillRef idx="1">
+        <a:scrgbClr r="0" g="0" b="0"/>
+      </a:fillRef>
+      <a:effectRef idx="0">
+        <a:scrgbClr r="0" g="0" b="0"/>
+      </a:effectRef>
+      <a:fontRef idx="minor">
+        <a:schemeClr val="tx1"/>
+      </a:fontRef>
+    </dgm:style>
+  </dgm:styleLbl>
+  <dgm:styleLbl name="alignNode1">
+    <dgm:scene3d>
+      <a:camera prst="orthographicFront"/>
+      <a:lightRig rig="threePt" dir="t"/>
+    </dgm:scene3d>
+    <dgm:sp3d/>
+    <dgm:txPr/>
+    <dgm:style>
+      <a:lnRef idx="2">
+        <a:scrgbClr r="0" g="0" b="0"/>
+      </a:lnRef>
+      <a:fillRef idx="1">
+        <a:scrgbClr r="0" g="0" b="0"/>
+      </a:fillRef>
+      <a:effectRef idx="0">
+        <a:scrgbClr r="0" g="0" b="0"/>
+      </a:effectRef>
+      <a:fontRef idx="minor">
+        <a:schemeClr val="lt1"/>
+      </a:fontRef>
+    </dgm:style>
+  </dgm:styleLbl>
+  <dgm:styleLbl name="node1">
+    <dgm:scene3d>
+      <a:camera prst="orthographicFront"/>
+      <a:lightRig rig="threePt" dir="t"/>
+    </dgm:scene3d>
+    <dgm:sp3d/>
+    <dgm:txPr/>
+    <dgm:style>
+      <a:lnRef idx="2">
+        <a:scrgbClr r="0" g="0" b="0"/>
+      </a:lnRef>
+      <a:fillRef idx="1">
+        <a:scrgbClr r="0" g="0" b="0"/>
+      </a:fillRef>
+      <a:effectRef idx="0">
+        <a:scrgbClr r="0" g="0" b="0"/>
+      </a:effectRef>
+      <a:fontRef idx="minor">
+        <a:schemeClr val="lt1"/>
+      </a:fontRef>
+    </dgm:style>
+  </dgm:styleLbl>
+  <dgm:styleLbl name="node2">
+    <dgm:scene3d>
+      <a:camera prst="orthographicFront"/>
+      <a:lightRig rig="threePt" dir="t"/>
+    </dgm:scene3d>
+    <dgm:sp3d/>
+    <dgm:txPr/>
+    <dgm:style>
+      <a:lnRef idx="2">
+        <a:scrgbClr r="0" g="0" b="0"/>
+      </a:lnRef>
+      <a:fillRef idx="1">
+        <a:scrgbClr r="0" g="0" b="0"/>
+      </a:fillRef>
+      <a:effectRef idx="0">
+        <a:scrgbClr r="0" g="0" b="0"/>
+      </a:effectRef>
+      <a:fontRef idx="minor">
+        <a:schemeClr val="lt1"/>
+      </a:fontRef>
+    </dgm:style>
+  </dgm:styleLbl>
+  <dgm:styleLbl name="node3">
+    <dgm:scene3d>
+      <a:camera prst="orthographicFront"/>
+      <a:lightRig rig="threePt" dir="t"/>
+    </dgm:scene3d>
+    <dgm:sp3d/>
+    <dgm:txPr/>
+    <dgm:style>
+      <a:lnRef idx="2">
+        <a:scrgbClr r="0" g="0" b="0"/>
+      </a:lnRef>
+      <a:fillRef idx="1">
+        <a:scrgbClr r="0" g="0" b="0"/>
+      </a:fillRef>
+      <a:effectRef idx="0">
+        <a:scrgbClr r="0" g="0" b="0"/>
+      </a:effectRef>
+      <a:fontRef idx="minor">
+        <a:schemeClr val="lt1"/>
+      </a:fontRef>
+    </dgm:style>
+  </dgm:styleLbl>
+  <dgm:styleLbl name="node4">
+    <dgm:scene3d>
+      <a:camera prst="orthographicFront"/>
+      <a:lightRig rig="threePt" dir="t"/>
+    </dgm:scene3d>
+    <dgm:sp3d/>
+    <dgm:txPr/>
+    <dgm:style>
+      <a:lnRef idx="2">
+        <a:scrgbClr r="0" g="0" b="0"/>
+      </a:lnRef>
+      <a:fillRef idx="1">
+        <a:scrgbClr r="0" g="0" b="0"/>
+      </a:fillRef>
+      <a:effectRef idx="0">
+        <a:scrgbClr r="0" g="0" b="0"/>
+      </a:effectRef>
+      <a:fontRef idx="minor">
+        <a:schemeClr val="lt1"/>
+      </a:fontRef>
+    </dgm:style>
+  </dgm:styleLbl>
+  <dgm:styleLbl name="fgImgPlace1">
+    <dgm:scene3d>
+      <a:camera prst="orthographicFront"/>
+      <a:lightRig rig="threePt" dir="t"/>
+    </dgm:scene3d>
+    <dgm:sp3d/>
+    <dgm:txPr/>
+    <dgm:style>
+      <a:lnRef idx="2">
+        <a:scrgbClr r="0" g="0" b="0"/>
+      </a:lnRef>
+      <a:fillRef idx="1">
+        <a:scrgbClr r="0" g="0" b="0"/>
+      </a:fillRef>
+      <a:effectRef idx="0">
+        <a:scrgbClr r="0" g="0" b="0"/>
+      </a:effectRef>
+      <a:fontRef idx="minor"/>
+    </dgm:style>
+  </dgm:styleLbl>
+  <dgm:styleLbl name="alignImgPlace1">
+    <dgm:scene3d>
+      <a:camera prst="orthographicFront"/>
+      <a:lightRig rig="threePt" dir="t"/>
+    </dgm:scene3d>
+    <dgm:sp3d/>
+    <dgm:txPr/>
+    <dgm:style>
+      <a:lnRef idx="2">
+        <a:scrgbClr r="0" g="0" b="0"/>
+      </a:lnRef>
+      <a:fillRef idx="1">
+        <a:scrgbClr r="0" g="0" b="0"/>
+      </a:fillRef>
+      <a:effectRef idx="0">
+        <a:scrgbClr r="0" g="0" b="0"/>
+      </a:effectRef>
+      <a:fontRef idx="minor"/>
+    </dgm:style>
+  </dgm:styleLbl>
+  <dgm:styleLbl name="bgImgPlace1">
+    <dgm:scene3d>
+      <a:camera prst="orthographicFront"/>
+      <a:lightRig rig="threePt" dir="t"/>
+    </dgm:scene3d>
+    <dgm:sp3d/>
+    <dgm:txPr/>
+    <dgm:style>
+      <a:lnRef idx="2">
+        <a:scrgbClr r="0" g="0" b="0"/>
+      </a:lnRef>
+      <a:fillRef idx="1">
+        <a:scrgbClr r="0" g="0" b="0"/>
+      </a:fillRef>
+      <a:effectRef idx="0">
+        <a:scrgbClr r="0" g="0" b="0"/>
+      </a:effectRef>
+      <a:fontRef idx="minor"/>
+    </dgm:style>
+  </dgm:styleLbl>
+  <dgm:styleLbl name="sibTrans2D1">
+    <dgm:scene3d>
+      <a:camera prst="orthographicFront"/>
+      <a:lightRig rig="threePt" dir="t"/>
+    </dgm:scene3d>
+    <dgm:sp3d/>
+    <dgm:txPr/>
+    <dgm:style>
+      <a:lnRef idx="0">
+        <a:scrgbClr r="0" g="0" b="0"/>
+      </a:lnRef>
+      <a:fillRef idx="1">
+        <a:scrgbClr r="0" g="0" b="0"/>
+      </a:fillRef>
+      <a:effectRef idx="0">
+        <a:scrgbClr r="0" g="0" b="0"/>
+      </a:effectRef>
+      <a:fontRef idx="minor">
+        <a:schemeClr val="lt1"/>
+      </a:fontRef>
+    </dgm:style>
+  </dgm:styleLbl>
+  <dgm:styleLbl name="fgSibTrans2D1">
+    <dgm:scene3d>
+      <a:camera prst="orthographicFront"/>
+      <a:lightRig rig="threePt" dir="t"/>
+    </dgm:scene3d>
+    <dgm:sp3d/>
+    <dgm:txPr/>
+    <dgm:style>
+      <a:lnRef idx="0">
+        <a:scrgbClr r="0" g="0" b="0"/>
+      </a:lnRef>
+      <a:fillRef idx="1">
+        <a:scrgbClr r="0" g="0" b="0"/>
+      </a:fillRef>
+      <a:effectRef idx="0">
+        <a:scrgbClr r="0" g="0" b="0"/>
+      </a:effectRef>
+      <a:fontRef idx="minor">
+        <a:schemeClr val="lt1"/>
+      </a:fontRef>
+    </dgm:style>
+  </dgm:styleLbl>
+  <dgm:styleLbl name="bgSibTrans2D1">
+    <dgm:scene3d>
+      <a:camera prst="orthographicFront"/>
+      <a:lightRig rig="threePt" dir="t"/>
+    </dgm:scene3d>
+    <dgm:sp3d/>
+    <dgm:txPr/>
+    <dgm:style>
+      <a:lnRef idx="0">
+        <a:scrgbClr r="0" g="0" b="0"/>
+      </a:lnRef>
+      <a:fillRef idx="1">
+        <a:scrgbClr r="0" g="0" b="0"/>
+      </a:fillRef>
+      <a:effectRef idx="0">
+        <a:scrgbClr r="0" g="0" b="0"/>
+      </a:effectRef>
+      <a:fontRef idx="minor">
+        <a:schemeClr val="lt1"/>
+      </a:fontRef>
+    </dgm:style>
+  </dgm:styleLbl>
+  <dgm:styleLbl name="sibTrans1D1">
+    <dgm:scene3d>
+      <a:camera prst="orthographicFront"/>
+      <a:lightRig rig="threePt" dir="t"/>
+    </dgm:scene3d>
+    <dgm:sp3d/>
+    <dgm:txPr/>
+    <dgm:style>
+      <a:lnRef idx="1">
+        <a:scrgbClr r="0" g="0" b="0"/>
+      </a:lnRef>
+      <a:fillRef idx="0">
+        <a:scrgbClr r="0" g="0" b="0"/>
+      </a:fillRef>
+      <a:effectRef idx="0">
+        <a:scrgbClr r="0" g="0" b="0"/>
+      </a:effectRef>
+      <a:fontRef idx="minor"/>
+    </dgm:style>
+  </dgm:styleLbl>
+  <dgm:styleLbl name="callout">
+    <dgm:scene3d>
+      <a:camera prst="orthographicFront"/>
+      <a:lightRig rig="threePt" dir="t"/>
+    </dgm:scene3d>
+    <dgm:sp3d/>
+    <dgm:txPr/>
+    <dgm:style>
+      <a:lnRef idx="2">
+        <a:scrgbClr r="0" g="0" b="0"/>
+      </a:lnRef>
+      <a:fillRef idx="1">
+        <a:scrgbClr r="0" g="0" b="0"/>
+      </a:fillRef>
+      <a:effectRef idx="0">
+        <a:scrgbClr r="0" g="0" b="0"/>
+      </a:effectRef>
+      <a:fontRef idx="minor"/>
+    </dgm:style>
+  </dgm:styleLbl>
+  <dgm:styleLbl name="asst0">
+    <dgm:scene3d>
+      <a:camera prst="orthographicFront"/>
+      <a:lightRig rig="threePt" dir="t"/>
+    </dgm:scene3d>
+    <dgm:sp3d/>
+    <dgm:txPr/>
+    <dgm:style>
+      <a:lnRef idx="2">
+        <a:scrgbClr r="0" g="0" b="0"/>
+      </a:lnRef>
+      <a:fillRef idx="1">
+        <a:scrgbClr r="0" g="0" b="0"/>
+      </a:fillRef>
+      <a:effectRef idx="0">
+        <a:scrgbClr r="0" g="0" b="0"/>
+      </a:effectRef>
+      <a:fontRef idx="minor">
+        <a:schemeClr val="lt1"/>
+      </a:fontRef>
+    </dgm:style>
+  </dgm:styleLbl>
+  <dgm:styleLbl name="asst1">
+    <dgm:scene3d>
+      <a:camera prst="orthographicFront"/>
+      <a:lightRig rig="threePt" dir="t"/>
+    </dgm:scene3d>
+    <dgm:sp3d/>
+    <dgm:txPr/>
+    <dgm:style>
+      <a:lnRef idx="2">
+        <a:scrgbClr r="0" g="0" b="0"/>
+      </a:lnRef>
+      <a:fillRef idx="1">
+        <a:scrgbClr r="0" g="0" b="0"/>
+      </a:fillRef>
+      <a:effectRef idx="0">
+        <a:scrgbClr r="0" g="0" b="0"/>
+      </a:effectRef>
+      <a:fontRef idx="minor">
+        <a:schemeClr val="lt1"/>
+      </a:fontRef>
+    </dgm:style>
+  </dgm:styleLbl>
+  <dgm:styleLbl name="asst2">
+    <dgm:scene3d>
+      <a:camera prst="orthographicFront"/>
+      <a:lightRig rig="threePt" dir="t"/>
+    </dgm:scene3d>
+    <dgm:sp3d/>
+    <dgm:txPr/>
+    <dgm:style>
+      <a:lnRef idx="2">
+        <a:scrgbClr r="0" g="0" b="0"/>
+      </a:lnRef>
+      <a:fillRef idx="1">
+        <a:scrgbClr r="0" g="0" b="0"/>
+      </a:fillRef>
+      <a:effectRef idx="0">
+        <a:scrgbClr r="0" g="0" b="0"/>
+      </a:effectRef>
+      <a:fontRef idx="minor">
+        <a:schemeClr val="lt1"/>
+      </a:fontRef>
+    </dgm:style>
+  </dgm:styleLbl>
+  <dgm:styleLbl name="asst3">
+    <dgm:scene3d>
+      <a:camera prst="orthographicFront"/>
+      <a:lightRig rig="threePt" dir="t"/>
+    </dgm:scene3d>
+    <dgm:sp3d/>
+    <dgm:txPr/>
+    <dgm:style>
+      <a:lnRef idx="2">
+        <a:scrgbClr r="0" g="0" b="0"/>
+      </a:lnRef>
+      <a:fillRef idx="1">
+        <a:scrgbClr r="0" g="0" b="0"/>
+      </a:fillRef>
+      <a:effectRef idx="0">
+        <a:scrgbClr r="0" g="0" b="0"/>
+      </a:effectRef>
+      <a:fontRef idx="minor">
+        <a:schemeClr val="lt1"/>
+      </a:fontRef>
+    </dgm:style>
+  </dgm:styleLbl>
+  <dgm:styleLbl name="asst4">
+    <dgm:scene3d>
+      <a:camera prst="orthographicFront"/>
+      <a:lightRig rig="threePt" dir="t"/>
+    </dgm:scene3d>
+    <dgm:sp3d/>
+    <dgm:txPr/>
+    <dgm:style>
+      <a:lnRef idx="2">
+        <a:scrgbClr r="0" g="0" b="0"/>
+      </a:lnRef>
+      <a:fillRef idx="1">
+        <a:scrgbClr r="0" g="0" b="0"/>
+      </a:fillRef>
+      <a:effectRef idx="0">
+        <a:scrgbClr r="0" g="0" b="0"/>
+      </a:effectRef>
+      <a:fontRef idx="minor">
+        <a:schemeClr val="lt1"/>
+      </a:fontRef>
+    </dgm:style>
+  </dgm:styleLbl>
+  <dgm:styleLbl name="parChTrans2D1">
+    <dgm:scene3d>
+      <a:camera prst="orthographicFront"/>
+      <a:lightRig rig="threePt" dir="t"/>
+    </dgm:scene3d>
+    <dgm:sp3d/>
+    <dgm:txPr/>
+    <dgm:style>
+      <a:lnRef idx="2">
+        <a:scrgbClr r="0" g="0" b="0"/>
+      </a:lnRef>
+      <a:fillRef idx="1">
+        <a:scrgbClr r="0" g="0" b="0"/>
+      </a:fillRef>
+      <a:effectRef idx="0">
+        <a:scrgbClr r="0" g="0" b="0"/>
+      </a:effectRef>
+      <a:fontRef idx="minor">
+        <a:schemeClr val="lt1"/>
+      </a:fontRef>
+    </dgm:style>
+  </dgm:styleLbl>
+  <dgm:styleLbl name="parChTrans2D2">
+    <dgm:scene3d>
+      <a:camera prst="orthographicFront"/>
+      <a:lightRig rig="threePt" dir="t"/>
+    </dgm:scene3d>
+    <dgm:sp3d/>
+    <dgm:txPr/>
+    <dgm:style>
+      <a:lnRef idx="2">
+        <a:scrgbClr r="0" g="0" b="0"/>
+      </a:lnRef>
+      <a:fillRef idx="1">
+        <a:scrgbClr r="0" g="0" b="0"/>
+      </a:fillRef>
+      <a:effectRef idx="0">
+        <a:scrgbClr r="0" g="0" b="0"/>
+      </a:effectRef>
+      <a:fontRef idx="minor">
+        <a:schemeClr val="lt1"/>
+      </a:fontRef>
+    </dgm:style>
+  </dgm:styleLbl>
+  <dgm:styleLbl name="parChTrans2D3">
+    <dgm:scene3d>
+      <a:camera prst="orthographicFront"/>
+      <a:lightRig rig="threePt" dir="t"/>
+    </dgm:scene3d>
+    <dgm:sp3d/>
+    <dgm:txPr/>
+    <dgm:style>
+      <a:lnRef idx="2">
+        <a:scrgbClr r="0" g="0" b="0"/>
+      </a:lnRef>
+      <a:fillRef idx="1">
+        <a:scrgbClr r="0" g="0" b="0"/>
+      </a:fillRef>
+      <a:effectRef idx="0">
+        <a:scrgbClr r="0" g="0" b="0"/>
+      </a:effectRef>
+      <a:fontRef idx="minor">
+        <a:schemeClr val="lt1"/>
+      </a:fontRef>
+    </dgm:style>
+  </dgm:styleLbl>
+  <dgm:styleLbl name="parChTrans2D4">
+    <dgm:scene3d>
+      <a:camera prst="orthographicFront"/>
+      <a:lightRig rig="threePt" dir="t"/>
+    </dgm:scene3d>
+    <dgm:sp3d/>
+    <dgm:txPr/>
+    <dgm:style>
+      <a:lnRef idx="2">
+        <a:scrgbClr r="0" g="0" b="0"/>
+      </a:lnRef>
+      <a:fillRef idx="1">
+        <a:scrgbClr r="0" g="0" b="0"/>
+      </a:fillRef>
+      <a:effectRef idx="0">
+        <a:scrgbClr r="0" g="0" b="0"/>
+      </a:effectRef>
+      <a:fontRef idx="minor">
+        <a:schemeClr val="lt1"/>
+      </a:fontRef>
+    </dgm:style>
+  </dgm:styleLbl>
+  <dgm:styleLbl name="parChTrans1D1">
+    <dgm:scene3d>
+      <a:camera prst="orthographicFront"/>
+      <a:lightRig rig="threePt" dir="t"/>
+    </dgm:scene3d>
+    <dgm:sp3d/>
+    <dgm:txPr/>
+    <dgm:style>
+      <a:lnRef idx="2">
+        <a:scrgbClr r="0" g="0" b="0"/>
+      </a:lnRef>
+      <a:fillRef idx="0">
+        <a:scrgbClr r="0" g="0" b="0"/>
+      </a:fillRef>
+      <a:effectRef idx="0">
+        <a:scrgbClr r="0" g="0" b="0"/>
+      </a:effectRef>
+      <a:fontRef idx="minor"/>
+    </dgm:style>
+  </dgm:styleLbl>
+  <dgm:styleLbl name="parChTrans1D2">
+    <dgm:scene3d>
+      <a:camera prst="orthographicFront"/>
+      <a:lightRig rig="threePt" dir="t"/>
+    </dgm:scene3d>
+    <dgm:sp3d/>
+    <dgm:txPr/>
+    <dgm:style>
+      <a:lnRef idx="2">
+        <a:scrgbClr r="0" g="0" b="0"/>
+      </a:lnRef>
+      <a:fillRef idx="0">
+        <a:scrgbClr r="0" g="0" b="0"/>
+      </a:fillRef>
+      <a:effectRef idx="0">
+        <a:scrgbClr r="0" g="0" b="0"/>
+      </a:effectRef>
+      <a:fontRef idx="minor"/>
+    </dgm:style>
+  </dgm:styleLbl>
+  <dgm:styleLbl name="parChTrans1D3">
+    <dgm:scene3d>
+      <a:camera prst="orthographicFront"/>
+      <a:lightRig rig="threePt" dir="t"/>
+    </dgm:scene3d>
+    <dgm:sp3d/>
+    <dgm:txPr/>
+    <dgm:style>
+      <a:lnRef idx="2">
+        <a:scrgbClr r="0" g="0" b="0"/>
+      </a:lnRef>
+      <a:fillRef idx="0">
+        <a:scrgbClr r="0" g="0" b="0"/>
+      </a:fillRef>
+      <a:effectRef idx="0">
+        <a:scrgbClr r="0" g="0" b="0"/>
+      </a:effectRef>
+      <a:fontRef idx="minor"/>
+    </dgm:style>
+  </dgm:styleLbl>
+  <dgm:styleLbl name="parChTrans1D4">
+    <dgm:scene3d>
+      <a:camera prst="orthographicFront"/>
+      <a:lightRig rig="threePt" dir="t"/>
+    </dgm:scene3d>
+    <dgm:sp3d/>
+    <dgm:txPr/>
+    <dgm:style>
+      <a:lnRef idx="2">
+        <a:scrgbClr r="0" g="0" b="0"/>
+      </a:lnRef>
+      <a:fillRef idx="0">
+        <a:scrgbClr r="0" g="0" b="0"/>
+      </a:fillRef>
+      <a:effectRef idx="0">
+        <a:scrgbClr r="0" g="0" b="0"/>
+      </a:effectRef>
+      <a:fontRef idx="minor"/>
+    </dgm:style>
+  </dgm:styleLbl>
+  <dgm:styleLbl name="fgAcc1">
+    <dgm:scene3d>
+      <a:camera prst="orthographicFront"/>
+      <a:lightRig rig="threePt" dir="t"/>
+    </dgm:scene3d>
+    <dgm:sp3d/>
+    <dgm:txPr/>
+    <dgm:style>
+      <a:lnRef idx="2">
+        <a:scrgbClr r="0" g="0" b="0"/>
+      </a:lnRef>
+      <a:fillRef idx="1">
+        <a:scrgbClr r="0" g="0" b="0"/>
+      </a:fillRef>
+      <a:effectRef idx="0">
+        <a:scrgbClr r="0" g="0" b="0"/>
+      </a:effectRef>
+      <a:fontRef idx="minor"/>
+    </dgm:style>
+  </dgm:styleLbl>
+  <dgm:styleLbl name="conFgAcc1">
+    <dgm:scene3d>
+      <a:camera prst="orthographicFront"/>
+      <a:lightRig rig="threePt" dir="t"/>
+    </dgm:scene3d>
+    <dgm:sp3d/>
+    <dgm:txPr/>
+    <dgm:style>
+      <a:lnRef idx="2">
+        <a:scrgbClr r="0" g="0" b="0"/>
+      </a:lnRef>
+      <a:fillRef idx="1">
+        <a:scrgbClr r="0" g="0" b="0"/>
+      </a:fillRef>
+      <a:effectRef idx="0">
+        <a:scrgbClr r="0" g="0" b="0"/>
+      </a:effectRef>
+      <a:fontRef idx="minor"/>
+    </dgm:style>
+  </dgm:styleLbl>
+  <dgm:styleLbl name="alignAcc1">
+    <dgm:scene3d>
+      <a:camera prst="orthographicFront"/>
+      <a:lightRig rig="threePt" dir="t"/>
+    </dgm:scene3d>
+    <dgm:sp3d/>
+    <dgm:txPr/>
+    <dgm:style>
+      <a:lnRef idx="2">
+        <a:scrgbClr r="0" g="0" b="0"/>
+      </a:lnRef>
+      <a:fillRef idx="1">
+        <a:scrgbClr r="0" g="0" b="0"/>
+      </a:fillRef>
+      <a:effectRef idx="0">
+        <a:scrgbClr r="0" g="0" b="0"/>
+      </a:effectRef>
+      <a:fontRef idx="minor"/>
+    </dgm:style>
+  </dgm:styleLbl>
+  <dgm:styleLbl name="trAlignAcc1">
+    <dgm:scene3d>
+      <a:camera prst="orthographicFront"/>
+      <a:lightRig rig="threePt" dir="t"/>
+    </dgm:scene3d>
+    <dgm:sp3d/>
+    <dgm:txPr/>
+    <dgm:style>
+      <a:lnRef idx="1">
+        <a:scrgbClr r="0" g="0" b="0"/>
+      </a:lnRef>
+      <a:fillRef idx="1">
+        <a:scrgbClr r="0" g="0" b="0"/>
+      </a:fillRef>
+      <a:effectRef idx="0">
+        <a:scrgbClr r="0" g="0" b="0"/>
+      </a:effectRef>
+      <a:fontRef idx="minor"/>
+    </dgm:style>
+  </dgm:styleLbl>
+  <dgm:styleLbl name="bgAcc1">
+    <dgm:scene3d>
+      <a:camera prst="orthographicFront"/>
+      <a:lightRig rig="threePt" dir="t"/>
+    </dgm:scene3d>
+    <dgm:sp3d/>
+    <dgm:txPr/>
+    <dgm:style>
+      <a:lnRef idx="2">
+        <a:scrgbClr r="0" g="0" b="0"/>
+      </a:lnRef>
+      <a:fillRef idx="1">
+        <a:scrgbClr r="0" g="0" b="0"/>
+      </a:fillRef>
+      <a:effectRef idx="0">
+        <a:scrgbClr r="0" g="0" b="0"/>
+      </a:effectRef>
+      <a:fontRef idx="minor"/>
+    </dgm:style>
+  </dgm:styleLbl>
+  <dgm:styleLbl name="solidFgAcc1">
+    <dgm:scene3d>
+      <a:camera prst="orthographicFront"/>
+      <a:lightRig rig="threePt" dir="t"/>
+    </dgm:scene3d>
+    <dgm:sp3d/>
+    <dgm:txPr/>
+    <dgm:style>
+      <a:lnRef idx="2">
+        <a:scrgbClr r="0" g="0" b="0"/>
+      </a:lnRef>
+      <a:fillRef idx="1">
+        <a:scrgbClr r="0" g="0" b="0"/>
+      </a:fillRef>
+      <a:effectRef idx="0">
+        <a:scrgbClr r="0" g="0" b="0"/>
+      </a:effectRef>
+      <a:fontRef idx="minor"/>
+    </dgm:style>
+  </dgm:styleLbl>
+  <dgm:styleLbl name="solidAlignAcc1">
+    <dgm:scene3d>
+      <a:camera prst="orthographicFront"/>
+      <a:lightRig rig="threePt" dir="t"/>
+    </dgm:scene3d>
+    <dgm:sp3d/>
+    <dgm:txPr/>
+    <dgm:style>
+      <a:lnRef idx="2">
+        <a:scrgbClr r="0" g="0" b="0"/>
+      </a:lnRef>
+      <a:fillRef idx="1">
+        <a:scrgbClr r="0" g="0" b="0"/>
+      </a:fillRef>
+      <a:effectRef idx="0">
+        <a:scrgbClr r="0" g="0" b="0"/>
+      </a:effectRef>
+      <a:fontRef idx="minor"/>
+    </dgm:style>
+  </dgm:styleLbl>
+  <dgm:styleLbl name="solidBgAcc1">
+    <dgm:scene3d>
+      <a:camera prst="orthographicFront"/>
+      <a:lightRig rig="threePt" dir="t"/>
+    </dgm:scene3d>
+    <dgm:sp3d/>
+    <dgm:txPr/>
+    <dgm:style>
+      <a:lnRef idx="2">
+        <a:scrgbClr r="0" g="0" b="0"/>
+      </a:lnRef>
+      <a:fillRef idx="1">
+        <a:scrgbClr r="0" g="0" b="0"/>
+      </a:fillRef>
+      <a:effectRef idx="0">
+        <a:scrgbClr r="0" g="0" b="0"/>
+      </a:effectRef>
+      <a:fontRef idx="minor"/>
+    </dgm:style>
+  </dgm:styleLbl>
+  <dgm:styleLbl name="fgAccFollowNode1">
+    <dgm:scene3d>
+      <a:camera prst="orthographicFront"/>
+      <a:lightRig rig="threePt" dir="t"/>
+    </dgm:scene3d>
+    <dgm:sp3d/>
+    <dgm:txPr/>
+    <dgm:style>
+      <a:lnRef idx="2">
+        <a:scrgbClr r="0" g="0" b="0"/>
+      </a:lnRef>
+      <a:fillRef idx="1">
+        <a:scrgbClr r="0" g="0" b="0"/>
+      </a:fillRef>
+      <a:effectRef idx="0">
+        <a:scrgbClr r="0" g="0" b="0"/>
+      </a:effectRef>
+      <a:fontRef idx="minor"/>
+    </dgm:style>
+  </dgm:styleLbl>
+  <dgm:styleLbl name="alignAccFollowNode1">
+    <dgm:scene3d>
+      <a:camera prst="orthographicFront"/>
+      <a:lightRig rig="threePt" dir="t"/>
+    </dgm:scene3d>
+    <dgm:sp3d/>
+    <dgm:txPr/>
+    <dgm:style>
+      <a:lnRef idx="2">
+        <a:scrgbClr r="0" g="0" b="0"/>
+      </a:lnRef>
+      <a:fillRef idx="1">
+        <a:scrgbClr r="0" g="0" b="0"/>
+      </a:fillRef>
+      <a:effectRef idx="0">
+        <a:scrgbClr r="0" g="0" b="0"/>
+      </a:effectRef>
+      <a:fontRef idx="minor"/>
+    </dgm:style>
+  </dgm:styleLbl>
+  <dgm:styleLbl name="bgAccFollowNode1">
+    <dgm:scene3d>
+      <a:camera prst="orthographicFront"/>
+      <a:lightRig rig="threePt" dir="t"/>
+    </dgm:scene3d>
+    <dgm:sp3d/>
+    <dgm:txPr/>
+    <dgm:style>
+      <a:lnRef idx="2">
+        <a:scrgbClr r="0" g="0" b="0"/>
+      </a:lnRef>
+      <a:fillRef idx="1">
+        <a:scrgbClr r="0" g="0" b="0"/>
+      </a:fillRef>
+      <a:effectRef idx="0">
+        <a:scrgbClr r="0" g="0" b="0"/>
+      </a:effectRef>
+      <a:fontRef idx="minor"/>
+    </dgm:style>
+  </dgm:styleLbl>
+  <dgm:styleLbl name="fgAcc0">
+    <dgm:scene3d>
+      <a:camera prst="orthographicFront"/>
+      <a:lightRig rig="threePt" dir="t"/>
+    </dgm:scene3d>
+    <dgm:sp3d/>
+    <dgm:txPr/>
+    <dgm:style>
+      <a:lnRef idx="2">
+        <a:scrgbClr r="0" g="0" b="0"/>
+      </a:lnRef>
+      <a:fillRef idx="1">
+        <a:scrgbClr r="0" g="0" b="0"/>
+      </a:fillRef>
+      <a:effectRef idx="0">
+        <a:scrgbClr r="0" g="0" b="0"/>
+      </a:effectRef>
+      <a:fontRef idx="minor"/>
+    </dgm:style>
+  </dgm:styleLbl>
+  <dgm:styleLbl name="fgAcc2">
+    <dgm:scene3d>
+      <a:camera prst="orthographicFront"/>
+      <a:lightRig rig="threePt" dir="t"/>
+    </dgm:scene3d>
+    <dgm:sp3d/>
+    <dgm:txPr/>
+    <dgm:style>
+      <a:lnRef idx="2">
+        <a:scrgbClr r="0" g="0" b="0"/>
+      </a:lnRef>
+      <a:fillRef idx="1">
+        <a:scrgbClr r="0" g="0" b="0"/>
+      </a:fillRef>
+      <a:effectRef idx="0">
+        <a:scrgbClr r="0" g="0" b="0"/>
+      </a:effectRef>
+      <a:fontRef idx="minor"/>
+    </dgm:style>
+  </dgm:styleLbl>
+  <dgm:styleLbl name="fgAcc3">
+    <dgm:scene3d>
+      <a:camera prst="orthographicFront"/>
+      <a:lightRig rig="threePt" dir="t"/>
+    </dgm:scene3d>
+    <dgm:sp3d/>
+    <dgm:txPr/>
+    <dgm:style>
+      <a:lnRef idx="2">
+        <a:scrgbClr r="0" g="0" b="0"/>
+      </a:lnRef>
+      <a:fillRef idx="1">
+        <a:scrgbClr r="0" g="0" b="0"/>
+      </a:fillRef>
+      <a:effectRef idx="0">
+        <a:scrgbClr r="0" g="0" b="0"/>
+      </a:effectRef>
+      <a:fontRef idx="minor"/>
+    </dgm:style>
+  </dgm:styleLbl>
+  <dgm:styleLbl name="fgAcc4">
+    <dgm:scene3d>
+      <a:camera prst="orthographicFront"/>
+      <a:lightRig rig="threePt" dir="t"/>
+    </dgm:scene3d>
+    <dgm:sp3d/>
+    <dgm:txPr/>
+    <dgm:style>
+      <a:lnRef idx="2">
+        <a:scrgbClr r="0" g="0" b="0"/>
+      </a:lnRef>
+      <a:fillRef idx="1">
+        <a:scrgbClr r="0" g="0" b="0"/>
+      </a:fillRef>
+      <a:effectRef idx="0">
+        <a:scrgbClr r="0" g="0" b="0"/>
+      </a:effectRef>
+      <a:fontRef idx="minor"/>
+    </dgm:style>
+  </dgm:styleLbl>
+  <dgm:styleLbl name="bgShp">
+    <dgm:scene3d>
+      <a:camera prst="orthographicFront"/>
+      <a:lightRig rig="threePt" dir="t"/>
+    </dgm:scene3d>
+    <dgm:sp3d/>
+    <dgm:txPr/>
+    <dgm:style>
+      <a:lnRef idx="0">
+        <a:scrgbClr r="0" g="0" b="0"/>
+      </a:lnRef>
+      <a:fillRef idx="1">
+        <a:scrgbClr r="0" g="0" b="0"/>
+      </a:fillRef>
+      <a:effectRef idx="0">
+        <a:scrgbClr r="0" g="0" b="0"/>
+      </a:effectRef>
+      <a:fontRef idx="minor"/>
+    </dgm:style>
+  </dgm:styleLbl>
+  <dgm:styleLbl name="dkBgShp">
+    <dgm:scene3d>
+      <a:camera prst="orthographicFront"/>
+      <a:lightRig rig="threePt" dir="t"/>
+    </dgm:scene3d>
+    <dgm:sp3d/>
+    <dgm:txPr/>
+    <dgm:style>
+      <a:lnRef idx="0">
+        <a:scrgbClr r="0" g="0" b="0"/>
+      </a:lnRef>
+      <a:fillRef idx="1">
+        <a:scrgbClr r="0" g="0" b="0"/>
+      </a:fillRef>
+      <a:effectRef idx="0">
+        <a:scrgbClr r="0" g="0" b="0"/>
+      </a:effectRef>
+      <a:fontRef idx="minor"/>
+    </dgm:style>
+  </dgm:styleLbl>
+  <dgm:styleLbl name="trBgShp">
+    <dgm:scene3d>
+      <a:camera prst="orthographicFront"/>
+      <a:lightRig rig="threePt" dir="t"/>
+    </dgm:scene3d>
+    <dgm:sp3d/>
+    <dgm:txPr/>
+    <dgm:style>
+      <a:lnRef idx="0">
+        <a:scrgbClr r="0" g="0" b="0"/>
+      </a:lnRef>
+      <a:fillRef idx="1">
+        <a:scrgbClr r="0" g="0" b="0"/>
+      </a:fillRef>
+      <a:effectRef idx="0">
+        <a:scrgbClr r="0" g="0" b="0"/>
+      </a:effectRef>
+      <a:fontRef idx="minor"/>
+    </dgm:style>
+  </dgm:styleLbl>
+  <dgm:styleLbl name="fgShp">
+    <dgm:scene3d>
+      <a:camera prst="orthographicFront"/>
+      <a:lightRig rig="threePt" dir="t"/>
+    </dgm:scene3d>
+    <dgm:sp3d/>
+    <dgm:txPr/>
+    <dgm:style>
+      <a:lnRef idx="2">
+        <a:scrgbClr r="0" g="0" b="0"/>
+      </a:lnRef>
+      <a:fillRef idx="1">
+        <a:scrgbClr r="0" g="0" b="0"/>
+      </a:fillRef>
+      <a:effectRef idx="0">
+        <a:scrgbClr r="0" g="0" b="0"/>
+      </a:effectRef>
+      <a:fontRef idx="minor"/>
+    </dgm:style>
+  </dgm:styleLbl>
+  <dgm:styleLbl name="revTx">
+    <dgm:scene3d>
+      <a:camera prst="orthographicFront"/>
+      <a:lightRig rig="threePt" dir="t"/>
+    </dgm:scene3d>
+    <dgm:sp3d/>
+    <dgm:txPr/>
+    <dgm:style>
+      <a:lnRef idx="0">
+        <a:scrgbClr r="0" g="0" b="0"/>
+      </a:lnRef>
+      <a:fillRef idx="0">
+        <a:scrgbClr r="0" g="0" b="0"/>
+      </a:fillRef>
+      <a:effectRef idx="0">
+        <a:scrgbClr r="0" g="0" b="0"/>
+      </a:effectRef>
+      <a:fontRef idx="minor"/>
+    </dgm:style>
+  </dgm:styleLbl>
+</dgm:styleDef>
+</file>
+
 <file path=ppt/handoutMasters/handoutMaster1.xml><?xml version="1.0" encoding="utf-8"?>
 <p:handoutMaster xmlns:a="http://schemas.openxmlformats.org/drawingml/2006/main" xmlns:r="http://schemas.openxmlformats.org/officeDocument/2006/relationships" xmlns:p="http://schemas.openxmlformats.org/presentationml/2006/main">
   <p:cSld>
@@ -214,7 +3697,7 @@
           <a:p>
             <a:fld id="{3AF106B3-F2DA-48D3-8BC9-D8AF4A5AEC52}" type="datetimeFigureOut">
               <a:rPr lang="en-US" smtClean="0"/>
-              <a:t>3/10/2025</a:t>
+              <a:t>3/11/2025</a:t>
             </a:fld>
             <a:endParaRPr lang="en-US"/>
           </a:p>
@@ -392,7 +3875,7 @@
           <a:p>
             <a:fld id="{F12EB5DA-1790-4C4A-B092-095C6475A200}" type="datetimeFigureOut">
               <a:rPr lang="en-US" smtClean="0"/>
-              <a:t>3/10/2025</a:t>
+              <a:t>3/11/2025</a:t>
             </a:fld>
             <a:endParaRPr lang="en-US"/>
           </a:p>
@@ -897,7 +4380,7 @@
           <a:p>
             <a:fld id="{ED291B17-9318-49DB-B28B-6E5994AE9581}" type="datetime1">
               <a:rPr lang="en-US" smtClean="0"/>
-              <a:t>3/10/2025</a:t>
+              <a:t>3/11/2025</a:t>
             </a:fld>
             <a:endParaRPr lang="en-US" dirty="0"/>
           </a:p>
@@ -1100,7 +4583,7 @@
           <a:p>
             <a:fld id="{2CED4963-E985-44C4-B8C4-FDD613B7C2F8}" type="datetime1">
               <a:rPr lang="en-US" smtClean="0"/>
-              <a:t>3/10/2025</a:t>
+              <a:t>3/11/2025</a:t>
             </a:fld>
             <a:endParaRPr lang="en-US" dirty="0"/>
           </a:p>
@@ -1461,7 +4944,7 @@
           <a:p>
             <a:fld id="{ED291B17-9318-49DB-B28B-6E5994AE9581}" type="datetime1">
               <a:rPr lang="en-US" smtClean="0"/>
-              <a:t>3/10/2025</a:t>
+              <a:t>3/11/2025</a:t>
             </a:fld>
             <a:endParaRPr lang="en-US" dirty="0"/>
           </a:p>
@@ -1657,7 +5140,7 @@
           <a:p>
             <a:fld id="{78DD82B9-B8EE-4375-B6FF-88FA6ABB15D9}" type="datetime1">
               <a:rPr lang="en-US" smtClean="0"/>
-              <a:t>3/10/2025</a:t>
+              <a:t>3/11/2025</a:t>
             </a:fld>
             <a:endParaRPr lang="en-US" dirty="0"/>
           </a:p>
@@ -1968,7 +5451,7 @@
           <a:p>
             <a:fld id="{B2497495-0637-405E-AE64-5CC7506D51F5}" type="datetime1">
               <a:rPr lang="en-US" smtClean="0"/>
-              <a:t>3/10/2025</a:t>
+              <a:t>3/11/2025</a:t>
             </a:fld>
             <a:endParaRPr lang="en-US" dirty="0"/>
           </a:p>
@@ -2218,7 +5701,7 @@
           <a:p>
             <a:fld id="{7BFFD690-9426-415D-8B65-26881E07B2D4}" type="datetime1">
               <a:rPr lang="en-US" smtClean="0"/>
-              <a:t>3/10/2025</a:t>
+              <a:t>3/11/2025</a:t>
             </a:fld>
             <a:endParaRPr lang="en-US" dirty="0"/>
           </a:p>
@@ -2637,7 +6120,7 @@
           <a:p>
             <a:fld id="{04C4989A-474C-40DE-95B9-011C28B71673}" type="datetime1">
               <a:rPr lang="en-US" smtClean="0"/>
-              <a:t>3/10/2025</a:t>
+              <a:t>3/11/2025</a:t>
             </a:fld>
             <a:endParaRPr lang="en-US" dirty="0"/>
           </a:p>
@@ -2759,7 +6242,7 @@
           <a:p>
             <a:fld id="{5DB4ED54-5B5E-4A04-93D3-5772E3CE3818}" type="datetime1">
               <a:rPr lang="en-US" smtClean="0"/>
-              <a:t>3/10/2025</a:t>
+              <a:t>3/11/2025</a:t>
             </a:fld>
             <a:endParaRPr lang="en-US" dirty="0"/>
           </a:p>
@@ -2854,7 +6337,7 @@
           <a:p>
             <a:fld id="{4EDE50D6-574B-40AF-946F-D52A04ADE379}" type="datetime1">
               <a:rPr lang="en-US" smtClean="0"/>
-              <a:t>3/10/2025</a:t>
+              <a:t>3/11/2025</a:t>
             </a:fld>
             <a:endParaRPr lang="en-US" dirty="0"/>
           </a:p>
@@ -3229,7 +6712,7 @@
           <a:p>
             <a:fld id="{D82884F1-FFEA-405F-9602-3DCA865EDA4E}" type="datetime1">
               <a:rPr lang="en-US" smtClean="0"/>
-              <a:t>3/10/2025</a:t>
+              <a:t>3/11/2025</a:t>
             </a:fld>
             <a:endParaRPr lang="en-US" dirty="0"/>
           </a:p>
@@ -3520,7 +7003,7 @@
           <a:p>
             <a:fld id="{7E18DB4A-8810-4A10-AD5C-D5E2C667F5B3}" type="datetime1">
               <a:rPr lang="en-US" smtClean="0"/>
-              <a:t>3/10/2025</a:t>
+              <a:t>3/11/2025</a:t>
             </a:fld>
             <a:endParaRPr lang="en-US" dirty="0"/>
           </a:p>
@@ -3733,7 +7216,7 @@
           <a:p>
             <a:fld id="{ED291B17-9318-49DB-B28B-6E5994AE9581}" type="datetime1">
               <a:rPr lang="en-US" smtClean="0"/>
-              <a:t>3/10/2025</a:t>
+              <a:t>3/11/2025</a:t>
             </a:fld>
             <a:endParaRPr lang="en-US" dirty="0"/>
           </a:p>
@@ -4772,6 +8255,2113 @@
 </p:sld>
 </file>
 
+<file path=ppt/slides/slide10.xml><?xml version="1.0" encoding="utf-8"?>
+<p:sld xmlns:a="http://schemas.openxmlformats.org/drawingml/2006/main" xmlns:r="http://schemas.openxmlformats.org/officeDocument/2006/relationships" xmlns:p="http://schemas.openxmlformats.org/presentationml/2006/main">
+  <p:cSld>
+    <p:spTree>
+      <p:nvGrpSpPr>
+        <p:cNvPr id="1" name=""/>
+        <p:cNvGrpSpPr/>
+        <p:nvPr/>
+      </p:nvGrpSpPr>
+      <p:grpSpPr>
+        <a:xfrm>
+          <a:off x="0" y="0"/>
+          <a:ext cx="0" cy="0"/>
+          <a:chOff x="0" y="0"/>
+          <a:chExt cx="0" cy="0"/>
+        </a:xfrm>
+      </p:grpSpPr>
+      <p:sp>
+        <p:nvSpPr>
+          <p:cNvPr id="2" name="Title 1">
+            <a:extLst>
+              <a:ext uri="{FF2B5EF4-FFF2-40B4-BE49-F238E27FC236}">
+                <a16:creationId xmlns:a16="http://schemas.microsoft.com/office/drawing/2014/main" id="{618F44BB-ADCE-FB0B-8594-C3431B1D5C9B}"/>
+              </a:ext>
+            </a:extLst>
+          </p:cNvPr>
+          <p:cNvSpPr>
+            <a:spLocks noGrp="1"/>
+          </p:cNvSpPr>
+          <p:nvPr>
+            <p:ph type="title"/>
+          </p:nvPr>
+        </p:nvSpPr>
+        <p:spPr>
+          <a:xfrm>
+            <a:off x="581192" y="702156"/>
+            <a:ext cx="11029616" cy="589172"/>
+          </a:xfrm>
+        </p:spPr>
+        <p:txBody>
+          <a:bodyPr/>
+          <a:lstStyle/>
+          <a:p>
+            <a:r>
+              <a:rPr lang="en-US" altLang="zh-CN" dirty="0"/>
+              <a:t>NORMALIZE TIMESTAMP</a:t>
+            </a:r>
+            <a:endParaRPr lang="zh-CN" altLang="en-US" dirty="0"/>
+          </a:p>
+        </p:txBody>
+      </p:sp>
+      <p:sp>
+        <p:nvSpPr>
+          <p:cNvPr id="4" name="Rectangle 1">
+            <a:extLst>
+              <a:ext uri="{FF2B5EF4-FFF2-40B4-BE49-F238E27FC236}">
+                <a16:creationId xmlns:a16="http://schemas.microsoft.com/office/drawing/2014/main" id="{899001A0-3278-4AC8-CE68-9FC6EE2D86E7}"/>
+              </a:ext>
+            </a:extLst>
+          </p:cNvPr>
+          <p:cNvSpPr>
+            <a:spLocks noGrp="1" noChangeArrowheads="1"/>
+          </p:cNvSpPr>
+          <p:nvPr>
+            <p:ph idx="1"/>
+          </p:nvPr>
+        </p:nvSpPr>
+        <p:spPr bwMode="auto">
+          <a:xfrm>
+            <a:off x="706835" y="1500220"/>
+            <a:ext cx="9270487" cy="778675"/>
+          </a:xfrm>
+          <a:prstGeom prst="rect">
+            <a:avLst/>
+          </a:prstGeom>
+          <a:noFill/>
+          <a:ln>
+            <a:noFill/>
+          </a:ln>
+          <a:effectLst/>
+          <a:extLst>
+            <a:ext uri="{909E8E84-426E-40DD-AFC4-6F175D3DCCD1}">
+              <a14:hiddenFill xmlns:a14="http://schemas.microsoft.com/office/drawing/2010/main">
+                <a:solidFill>
+                  <a:schemeClr val="accent1"/>
+                </a:solidFill>
+              </a14:hiddenFill>
+            </a:ext>
+            <a:ext uri="{91240B29-F687-4F45-9708-019B960494DF}">
+              <a14:hiddenLine xmlns:a14="http://schemas.microsoft.com/office/drawing/2010/main" w="9525">
+                <a:solidFill>
+                  <a:schemeClr val="tx1"/>
+                </a:solidFill>
+                <a:miter lim="800000"/>
+                <a:headEnd/>
+                <a:tailEnd/>
+              </a14:hiddenLine>
+            </a:ext>
+            <a:ext uri="{AF507438-7753-43E0-B8FC-AC1667EBCBE1}">
+              <a14:hiddenEffects xmlns:a14="http://schemas.microsoft.com/office/drawing/2010/main">
+                <a:effectLst>
+                  <a:outerShdw dist="35921" dir="2700000" algn="ctr" rotWithShape="0">
+                    <a:schemeClr val="bg2"/>
+                  </a:outerShdw>
+                </a:effectLst>
+              </a14:hiddenEffects>
+            </a:ext>
+          </a:extLst>
+        </p:spPr>
+        <p:txBody>
+          <a:bodyPr vert="horz" wrap="none" lIns="91440" tIns="45720" rIns="91440" bIns="45720" numCol="1" anchor="ctr" anchorCtr="0" compatLnSpc="1">
+            <a:prstTxWarp prst="textNoShape">
+              <a:avLst/>
+            </a:prstTxWarp>
+            <a:spAutoFit/>
+          </a:bodyPr>
+          <a:lstStyle/>
+          <a:p>
+            <a:pPr marR="0" lvl="0" fontAlgn="base">
+              <a:buFont typeface="Arial" panose="020B0604020202020204" pitchFamily="34" charset="0"/>
+              <a:buChar char="•"/>
+              <a:tabLst/>
+            </a:pPr>
+            <a:r>
+              <a:rPr lang="zh-CN" altLang="zh-CN" dirty="0"/>
+              <a:t>The query normalizes timestamps to the nearest lower 15-minute interval, </a:t>
+            </a:r>
+            <a:endParaRPr lang="en-US" altLang="zh-CN" dirty="0"/>
+          </a:p>
+          <a:p>
+            <a:pPr marR="0" lvl="0" fontAlgn="base">
+              <a:buFont typeface="Arial" panose="020B0604020202020204" pitchFamily="34" charset="0"/>
+              <a:buChar char="•"/>
+              <a:tabLst/>
+            </a:pPr>
+            <a:r>
+              <a:rPr lang="en-US" altLang="zh-CN" dirty="0"/>
+              <a:t>E</a:t>
+            </a:r>
+            <a:r>
+              <a:rPr lang="zh-CN" altLang="zh-CN" dirty="0"/>
+              <a:t>nsuring all timestamps fit within standard tracking periods (e.g., 00:00, 00:15, 00:30, 00:45). </a:t>
+            </a:r>
+          </a:p>
+        </p:txBody>
+      </p:sp>
+      <p:sp>
+        <p:nvSpPr>
+          <p:cNvPr id="6" name="TextBox 5">
+            <a:extLst>
+              <a:ext uri="{FF2B5EF4-FFF2-40B4-BE49-F238E27FC236}">
+                <a16:creationId xmlns:a16="http://schemas.microsoft.com/office/drawing/2014/main" id="{62F1B914-ABF1-EE7E-2C9A-2E626BCBCB72}"/>
+              </a:ext>
+            </a:extLst>
+          </p:cNvPr>
+          <p:cNvSpPr txBox="1"/>
+          <p:nvPr/>
+        </p:nvSpPr>
+        <p:spPr>
+          <a:xfrm>
+            <a:off x="1230833" y="2487787"/>
+            <a:ext cx="9199841" cy="2945422"/>
+          </a:xfrm>
+          <a:prstGeom prst="rect">
+            <a:avLst/>
+          </a:prstGeom>
+          <a:noFill/>
+        </p:spPr>
+        <p:txBody>
+          <a:bodyPr wrap="square" rtlCol="0">
+            <a:spAutoFit/>
+          </a:bodyPr>
+          <a:lstStyle/>
+          <a:p>
+            <a:pPr marL="630000" lvl="1" indent="-306000" fontAlgn="base">
+              <a:spcBef>
+                <a:spcPct val="20000"/>
+              </a:spcBef>
+              <a:spcAft>
+                <a:spcPts val="600"/>
+              </a:spcAft>
+              <a:buClr>
+                <a:schemeClr val="accent1"/>
+              </a:buClr>
+              <a:buSzPct val="92000"/>
+              <a:buFont typeface="Arial" panose="020B0604020202020204" pitchFamily="34" charset="0"/>
+              <a:buChar char="•"/>
+            </a:pPr>
+            <a:r>
+              <a:rPr lang="en-US" altLang="zh-CN" sz="1600" dirty="0">
+                <a:solidFill>
+                  <a:schemeClr val="tx1">
+                    <a:lumMod val="75000"/>
+                    <a:lumOff val="25000"/>
+                  </a:schemeClr>
+                </a:solidFill>
+              </a:rPr>
+              <a:t>Example Calculation</a:t>
+            </a:r>
+          </a:p>
+          <a:p>
+            <a:pPr marL="1124100" lvl="2" indent="-342900" fontAlgn="base">
+              <a:spcBef>
+                <a:spcPct val="20000"/>
+              </a:spcBef>
+              <a:spcAft>
+                <a:spcPts val="600"/>
+              </a:spcAft>
+              <a:buClr>
+                <a:schemeClr val="accent1"/>
+              </a:buClr>
+              <a:buSzPct val="92000"/>
+              <a:buFont typeface="+mj-lt"/>
+              <a:buAutoNum type="arabicPeriod"/>
+            </a:pPr>
+            <a:r>
+              <a:rPr lang="en-US" altLang="zh-CN" sz="1600" dirty="0">
+                <a:solidFill>
+                  <a:schemeClr val="tx1">
+                    <a:lumMod val="75000"/>
+                    <a:lumOff val="25000"/>
+                  </a:schemeClr>
+                </a:solidFill>
+              </a:rPr>
+              <a:t>Input Timestamp: 2009-07-18 04:31:00-04</a:t>
+            </a:r>
+          </a:p>
+          <a:p>
+            <a:pPr marL="1124100" lvl="2" indent="-342900" fontAlgn="base">
+              <a:spcBef>
+                <a:spcPct val="20000"/>
+              </a:spcBef>
+              <a:spcAft>
+                <a:spcPts val="600"/>
+              </a:spcAft>
+              <a:buClr>
+                <a:schemeClr val="accent1"/>
+              </a:buClr>
+              <a:buSzPct val="92000"/>
+              <a:buFont typeface="+mj-lt"/>
+              <a:buAutoNum type="arabicPeriod"/>
+            </a:pPr>
+            <a:r>
+              <a:rPr lang="en-US" altLang="zh-CN" sz="1600" dirty="0">
+                <a:solidFill>
+                  <a:schemeClr val="tx1">
+                    <a:lumMod val="75000"/>
+                    <a:lumOff val="25000"/>
+                  </a:schemeClr>
+                </a:solidFill>
+              </a:rPr>
+              <a:t>DATE_PART('minute', time) = 31</a:t>
+            </a:r>
+          </a:p>
+          <a:p>
+            <a:pPr marL="1124100" lvl="2" indent="-342900" fontAlgn="base">
+              <a:spcBef>
+                <a:spcPct val="20000"/>
+              </a:spcBef>
+              <a:spcAft>
+                <a:spcPts val="600"/>
+              </a:spcAft>
+              <a:buClr>
+                <a:schemeClr val="accent1"/>
+              </a:buClr>
+              <a:buSzPct val="92000"/>
+              <a:buFont typeface="+mj-lt"/>
+              <a:buAutoNum type="arabicPeriod"/>
+            </a:pPr>
+            <a:r>
+              <a:rPr lang="en-US" altLang="zh-CN" sz="1600" dirty="0">
+                <a:solidFill>
+                  <a:schemeClr val="tx1">
+                    <a:lumMod val="75000"/>
+                    <a:lumOff val="25000"/>
+                  </a:schemeClr>
+                </a:solidFill>
+              </a:rPr>
+              <a:t>mod(31, 15) = 1</a:t>
+            </a:r>
+          </a:p>
+          <a:p>
+            <a:pPr marL="1124100" lvl="2" indent="-342900" fontAlgn="base">
+              <a:spcBef>
+                <a:spcPct val="20000"/>
+              </a:spcBef>
+              <a:spcAft>
+                <a:spcPts val="600"/>
+              </a:spcAft>
+              <a:buClr>
+                <a:schemeClr val="accent1"/>
+              </a:buClr>
+              <a:buSzPct val="92000"/>
+              <a:buFont typeface="+mj-lt"/>
+              <a:buAutoNum type="arabicPeriod"/>
+            </a:pPr>
+            <a:r>
+              <a:rPr lang="en-US" altLang="zh-CN" sz="1600" dirty="0">
+                <a:solidFill>
+                  <a:schemeClr val="tx1">
+                    <a:lumMod val="75000"/>
+                    <a:lumOff val="25000"/>
+                  </a:schemeClr>
+                </a:solidFill>
+              </a:rPr>
+              <a:t>CAST('1 minutes' AS interval) = interval '1 minute'</a:t>
+            </a:r>
+          </a:p>
+          <a:p>
+            <a:pPr marL="1124100" lvl="2" indent="-342900" fontAlgn="base">
+              <a:spcBef>
+                <a:spcPct val="20000"/>
+              </a:spcBef>
+              <a:spcAft>
+                <a:spcPts val="600"/>
+              </a:spcAft>
+              <a:buClr>
+                <a:schemeClr val="accent1"/>
+              </a:buClr>
+              <a:buSzPct val="92000"/>
+              <a:buFont typeface="+mj-lt"/>
+              <a:buAutoNum type="arabicPeriod"/>
+            </a:pPr>
+            <a:r>
+              <a:rPr lang="en-US" altLang="zh-CN" sz="1600" dirty="0">
+                <a:solidFill>
+                  <a:schemeClr val="tx1">
+                    <a:lumMod val="75000"/>
+                    <a:lumOff val="25000"/>
+                  </a:schemeClr>
+                </a:solidFill>
+              </a:rPr>
+              <a:t>DATE_TRUNC('minute', time) - interval '1 minute'</a:t>
+            </a:r>
+          </a:p>
+          <a:p>
+            <a:pPr marL="1124100" lvl="2" indent="-342900" fontAlgn="base">
+              <a:spcBef>
+                <a:spcPct val="20000"/>
+              </a:spcBef>
+              <a:spcAft>
+                <a:spcPts val="600"/>
+              </a:spcAft>
+              <a:buClr>
+                <a:schemeClr val="accent1"/>
+              </a:buClr>
+              <a:buSzPct val="92000"/>
+              <a:buFont typeface="+mj-lt"/>
+              <a:buAutoNum type="arabicPeriod"/>
+            </a:pPr>
+            <a:r>
+              <a:rPr lang="en-US" altLang="zh-CN" sz="1600" dirty="0">
+                <a:solidFill>
+                  <a:schemeClr val="tx1">
+                    <a:lumMod val="75000"/>
+                    <a:lumOff val="25000"/>
+                  </a:schemeClr>
+                </a:solidFill>
+              </a:rPr>
+              <a:t>2009-07-18 04:31:00 → 2009-07-18 04:30:00</a:t>
+            </a:r>
+          </a:p>
+          <a:p>
+            <a:pPr marL="1124100" lvl="2" indent="-342900" fontAlgn="base">
+              <a:spcBef>
+                <a:spcPct val="20000"/>
+              </a:spcBef>
+              <a:spcAft>
+                <a:spcPts val="600"/>
+              </a:spcAft>
+              <a:buClr>
+                <a:schemeClr val="accent1"/>
+              </a:buClr>
+              <a:buSzPct val="92000"/>
+              <a:buFont typeface="+mj-lt"/>
+              <a:buAutoNum type="arabicPeriod"/>
+            </a:pPr>
+            <a:r>
+              <a:rPr lang="en-US" altLang="zh-CN" sz="1600" dirty="0">
+                <a:solidFill>
+                  <a:schemeClr val="tx1">
+                    <a:lumMod val="75000"/>
+                    <a:lumOff val="25000"/>
+                  </a:schemeClr>
+                </a:solidFill>
+              </a:rPr>
+              <a:t>04:31:00 - 1 minute = 04:30:00</a:t>
+            </a:r>
+            <a:endParaRPr lang="zh-CN" altLang="en-US" sz="1600" dirty="0">
+              <a:solidFill>
+                <a:schemeClr val="tx1">
+                  <a:lumMod val="75000"/>
+                  <a:lumOff val="25000"/>
+                </a:schemeClr>
+              </a:solidFill>
+            </a:endParaRPr>
+          </a:p>
+        </p:txBody>
+      </p:sp>
+    </p:spTree>
+    <p:extLst>
+      <p:ext uri="{BB962C8B-B14F-4D97-AF65-F5344CB8AC3E}">
+        <p14:creationId xmlns:p14="http://schemas.microsoft.com/office/powerpoint/2010/main" val="3985612837"/>
+      </p:ext>
+    </p:extLst>
+  </p:cSld>
+  <p:clrMapOvr>
+    <a:masterClrMapping/>
+  </p:clrMapOvr>
+</p:sld>
+</file>
+
+<file path=ppt/slides/slide11.xml><?xml version="1.0" encoding="utf-8"?>
+<p:sld xmlns:a="http://schemas.openxmlformats.org/drawingml/2006/main" xmlns:r="http://schemas.openxmlformats.org/officeDocument/2006/relationships" xmlns:p="http://schemas.openxmlformats.org/presentationml/2006/main">
+  <p:cSld>
+    <p:spTree>
+      <p:nvGrpSpPr>
+        <p:cNvPr id="1" name=""/>
+        <p:cNvGrpSpPr/>
+        <p:nvPr/>
+      </p:nvGrpSpPr>
+      <p:grpSpPr>
+        <a:xfrm>
+          <a:off x="0" y="0"/>
+          <a:ext cx="0" cy="0"/>
+          <a:chOff x="0" y="0"/>
+          <a:chExt cx="0" cy="0"/>
+        </a:xfrm>
+      </p:grpSpPr>
+      <p:sp>
+        <p:nvSpPr>
+          <p:cNvPr id="2" name="Title 1">
+            <a:extLst>
+              <a:ext uri="{FF2B5EF4-FFF2-40B4-BE49-F238E27FC236}">
+                <a16:creationId xmlns:a16="http://schemas.microsoft.com/office/drawing/2014/main" id="{87EA9E8E-1069-BE6D-BD66-AB388479F71C}"/>
+              </a:ext>
+            </a:extLst>
+          </p:cNvPr>
+          <p:cNvSpPr>
+            <a:spLocks noGrp="1"/>
+          </p:cNvSpPr>
+          <p:nvPr>
+            <p:ph type="title"/>
+          </p:nvPr>
+        </p:nvSpPr>
+        <p:spPr>
+          <a:xfrm>
+            <a:off x="581192" y="702156"/>
+            <a:ext cx="11029616" cy="568232"/>
+          </a:xfrm>
+        </p:spPr>
+        <p:txBody>
+          <a:bodyPr/>
+          <a:lstStyle/>
+          <a:p>
+            <a:r>
+              <a:rPr lang="en-US" altLang="zh-CN" dirty="0"/>
+              <a:t>Normalize time interval to 15-min interval </a:t>
+            </a:r>
+            <a:endParaRPr lang="zh-CN" altLang="en-US" dirty="0"/>
+          </a:p>
+        </p:txBody>
+      </p:sp>
+      <p:sp>
+        <p:nvSpPr>
+          <p:cNvPr id="3" name="Content Placeholder 2">
+            <a:extLst>
+              <a:ext uri="{FF2B5EF4-FFF2-40B4-BE49-F238E27FC236}">
+                <a16:creationId xmlns:a16="http://schemas.microsoft.com/office/drawing/2014/main" id="{F2D0ED27-7786-FC13-B8CF-7B3D532A9173}"/>
+              </a:ext>
+            </a:extLst>
+          </p:cNvPr>
+          <p:cNvSpPr>
+            <a:spLocks noGrp="1"/>
+          </p:cNvSpPr>
+          <p:nvPr>
+            <p:ph idx="1"/>
+          </p:nvPr>
+        </p:nvSpPr>
+        <p:spPr>
+          <a:xfrm>
+            <a:off x="581192" y="1538147"/>
+            <a:ext cx="11029615" cy="3634486"/>
+          </a:xfrm>
+        </p:spPr>
+        <p:txBody>
+          <a:bodyPr/>
+          <a:lstStyle/>
+          <a:p>
+            <a:pPr marL="0" indent="0">
+              <a:buNone/>
+            </a:pPr>
+            <a:r>
+              <a:rPr lang="en-US" altLang="zh-CN" dirty="0">
+                <a:solidFill>
+                  <a:srgbClr val="00B0F0"/>
+                </a:solidFill>
+              </a:rPr>
+              <a:t>SELECT </a:t>
+            </a:r>
+          </a:p>
+          <a:p>
+            <a:pPr marL="0" indent="0">
+              <a:buNone/>
+            </a:pPr>
+            <a:r>
+              <a:rPr lang="en-US" altLang="zh-CN" dirty="0">
+                <a:solidFill>
+                  <a:srgbClr val="00B0F0"/>
+                </a:solidFill>
+              </a:rPr>
+              <a:t>    DATE_TRUNC('minute', time) - </a:t>
+            </a:r>
+          </a:p>
+          <a:p>
+            <a:pPr marL="0" indent="0">
+              <a:buNone/>
+            </a:pPr>
+            <a:r>
+              <a:rPr lang="en-US" altLang="zh-CN" dirty="0">
+                <a:solidFill>
+                  <a:srgbClr val="00B0F0"/>
+                </a:solidFill>
+              </a:rPr>
+              <a:t>    </a:t>
+            </a:r>
+          </a:p>
+          <a:p>
+            <a:pPr marL="0" indent="0">
+              <a:buNone/>
+            </a:pPr>
+            <a:r>
+              <a:rPr lang="en-US" altLang="zh-CN" dirty="0">
+                <a:solidFill>
+                  <a:srgbClr val="00B0F0"/>
+                </a:solidFill>
+              </a:rPr>
+              <a:t>    AS </a:t>
+            </a:r>
+            <a:r>
+              <a:rPr lang="en-US" altLang="zh-CN" dirty="0" err="1">
+                <a:solidFill>
+                  <a:srgbClr val="00B0F0"/>
+                </a:solidFill>
+              </a:rPr>
+              <a:t>track_period</a:t>
+            </a:r>
+            <a:endParaRPr lang="en-US" altLang="zh-CN" dirty="0">
+              <a:solidFill>
+                <a:srgbClr val="00B0F0"/>
+              </a:solidFill>
+            </a:endParaRPr>
+          </a:p>
+          <a:p>
+            <a:pPr marL="0" indent="0">
+              <a:buNone/>
+            </a:pPr>
+            <a:r>
+              <a:rPr lang="en-US" altLang="zh-CN" dirty="0">
+                <a:solidFill>
+                  <a:srgbClr val="00B0F0"/>
+                </a:solidFill>
+              </a:rPr>
+              <a:t>FROM ch11.aussie_track_points;</a:t>
+            </a:r>
+            <a:endParaRPr lang="zh-CN" altLang="en-US" dirty="0">
+              <a:solidFill>
+                <a:srgbClr val="00B0F0"/>
+              </a:solidFill>
+            </a:endParaRPr>
+          </a:p>
+        </p:txBody>
+      </p:sp>
+    </p:spTree>
+    <p:extLst>
+      <p:ext uri="{BB962C8B-B14F-4D97-AF65-F5344CB8AC3E}">
+        <p14:creationId xmlns:p14="http://schemas.microsoft.com/office/powerpoint/2010/main" val="2274113694"/>
+      </p:ext>
+    </p:extLst>
+  </p:cSld>
+  <p:clrMapOvr>
+    <a:masterClrMapping/>
+  </p:clrMapOvr>
+</p:sld>
+</file>
+
+<file path=ppt/slides/slide12.xml><?xml version="1.0" encoding="utf-8"?>
+<p:sld xmlns:a="http://schemas.openxmlformats.org/drawingml/2006/main" xmlns:r="http://schemas.openxmlformats.org/officeDocument/2006/relationships" xmlns:p="http://schemas.openxmlformats.org/presentationml/2006/main">
+  <p:cSld>
+    <p:spTree>
+      <p:nvGrpSpPr>
+        <p:cNvPr id="1" name=""/>
+        <p:cNvGrpSpPr/>
+        <p:nvPr/>
+      </p:nvGrpSpPr>
+      <p:grpSpPr>
+        <a:xfrm>
+          <a:off x="0" y="0"/>
+          <a:ext cx="0" cy="0"/>
+          <a:chOff x="0" y="0"/>
+          <a:chExt cx="0" cy="0"/>
+        </a:xfrm>
+      </p:grpSpPr>
+      <p:sp>
+        <p:nvSpPr>
+          <p:cNvPr id="2" name="Title 1">
+            <a:extLst>
+              <a:ext uri="{FF2B5EF4-FFF2-40B4-BE49-F238E27FC236}">
+                <a16:creationId xmlns:a16="http://schemas.microsoft.com/office/drawing/2014/main" id="{E7C4DA96-43A8-9125-49F6-6A7D66BE76EB}"/>
+              </a:ext>
+            </a:extLst>
+          </p:cNvPr>
+          <p:cNvSpPr>
+            <a:spLocks noGrp="1"/>
+          </p:cNvSpPr>
+          <p:nvPr>
+            <p:ph type="title"/>
+          </p:nvPr>
+        </p:nvSpPr>
+        <p:spPr>
+          <a:xfrm>
+            <a:off x="581192" y="702156"/>
+            <a:ext cx="11029616" cy="679914"/>
+          </a:xfrm>
+        </p:spPr>
+        <p:txBody>
+          <a:bodyPr/>
+          <a:lstStyle/>
+          <a:p>
+            <a:r>
+              <a:rPr lang="en-US" altLang="zh-CN" b="1" dirty="0"/>
+              <a:t>Step 2: Finding Start and End Times for Each Interval</a:t>
+            </a:r>
+            <a:endParaRPr lang="zh-CN" altLang="en-US" b="1" dirty="0"/>
+          </a:p>
+        </p:txBody>
+      </p:sp>
+      <p:sp>
+        <p:nvSpPr>
+          <p:cNvPr id="3" name="Content Placeholder 2">
+            <a:extLst>
+              <a:ext uri="{FF2B5EF4-FFF2-40B4-BE49-F238E27FC236}">
+                <a16:creationId xmlns:a16="http://schemas.microsoft.com/office/drawing/2014/main" id="{D264CF02-309A-3023-9F8A-E09D39481A9F}"/>
+              </a:ext>
+            </a:extLst>
+          </p:cNvPr>
+          <p:cNvSpPr>
+            <a:spLocks noGrp="1"/>
+          </p:cNvSpPr>
+          <p:nvPr>
+            <p:ph idx="1"/>
+          </p:nvPr>
+        </p:nvSpPr>
+        <p:spPr>
+          <a:xfrm>
+            <a:off x="727775" y="2891176"/>
+            <a:ext cx="11029615" cy="3634486"/>
+          </a:xfrm>
+        </p:spPr>
+        <p:txBody>
+          <a:bodyPr/>
+          <a:lstStyle/>
+          <a:p>
+            <a:pPr marL="0" indent="0">
+              <a:buNone/>
+            </a:pPr>
+            <a:r>
+              <a:rPr lang="en-US" altLang="zh-CN" dirty="0"/>
+              <a:t> </a:t>
+            </a:r>
+            <a:r>
+              <a:rPr lang="en-US" altLang="zh-CN" dirty="0">
+                <a:solidFill>
+                  <a:srgbClr val="00B0F0"/>
+                </a:solidFill>
+              </a:rPr>
+              <a:t>SELECT </a:t>
+            </a:r>
+          </a:p>
+          <a:p>
+            <a:pPr marL="0" indent="0">
+              <a:buNone/>
+            </a:pPr>
+            <a:r>
+              <a:rPr lang="en-US" altLang="zh-CN" dirty="0">
+                <a:solidFill>
+                  <a:srgbClr val="00B0F0"/>
+                </a:solidFill>
+              </a:rPr>
+              <a:t>    DATE_TRUNC('minute', time) - </a:t>
+            </a:r>
+          </a:p>
+          <a:p>
+            <a:pPr marL="0" indent="0">
+              <a:buNone/>
+            </a:pPr>
+            <a:r>
+              <a:rPr lang="en-US" altLang="zh-CN" dirty="0">
+                <a:solidFill>
+                  <a:srgbClr val="00B0F0"/>
+                </a:solidFill>
+              </a:rPr>
+              <a:t>        CAST(</a:t>
+            </a:r>
+          </a:p>
+          <a:p>
+            <a:pPr marL="0" indent="0">
+              <a:buNone/>
+            </a:pPr>
+            <a:r>
+              <a:rPr lang="en-US" altLang="zh-CN" dirty="0">
+                <a:solidFill>
+                  <a:srgbClr val="00B0F0"/>
+                </a:solidFill>
+              </a:rPr>
+              <a:t>            mod(CAST(DATE_PART('minute', time) AS integer), 15) || ' minutes' AS interval</a:t>
+            </a:r>
+          </a:p>
+          <a:p>
+            <a:pPr marL="0" indent="0">
+              <a:buNone/>
+            </a:pPr>
+            <a:r>
+              <a:rPr lang="en-US" altLang="zh-CN" dirty="0">
+                <a:solidFill>
+                  <a:srgbClr val="00B0F0"/>
+                </a:solidFill>
+              </a:rPr>
+              <a:t>        ) AS </a:t>
+            </a:r>
+            <a:r>
+              <a:rPr lang="en-US" altLang="zh-CN" dirty="0" err="1">
+                <a:solidFill>
+                  <a:srgbClr val="00B0F0"/>
+                </a:solidFill>
+              </a:rPr>
+              <a:t>track_period</a:t>
+            </a:r>
+            <a:r>
+              <a:rPr lang="en-US" altLang="zh-CN" dirty="0">
+                <a:solidFill>
+                  <a:srgbClr val="00B0F0"/>
+                </a:solidFill>
+              </a:rPr>
+              <a:t>,</a:t>
+            </a:r>
+          </a:p>
+          <a:p>
+            <a:pPr marL="0" indent="0">
+              <a:buNone/>
+            </a:pPr>
+            <a:endParaRPr lang="en-US" altLang="zh-CN" dirty="0">
+              <a:solidFill>
+                <a:srgbClr val="00B0F0"/>
+              </a:solidFill>
+            </a:endParaRPr>
+          </a:p>
+          <a:p>
+            <a:pPr marL="0" indent="0">
+              <a:buNone/>
+            </a:pPr>
+            <a:r>
+              <a:rPr lang="en-US" altLang="zh-CN" dirty="0">
+                <a:solidFill>
+                  <a:srgbClr val="00B0F0"/>
+                </a:solidFill>
+              </a:rPr>
+              <a:t>FROM ch11.aussie_track_points</a:t>
+            </a:r>
+          </a:p>
+          <a:p>
+            <a:pPr marL="0" indent="0">
+              <a:buNone/>
+            </a:pPr>
+            <a:r>
+              <a:rPr lang="en-US" altLang="zh-CN" dirty="0">
+                <a:solidFill>
+                  <a:srgbClr val="00B0F0"/>
+                </a:solidFill>
+              </a:rPr>
+              <a:t>GROUP BY </a:t>
+            </a:r>
+            <a:r>
+              <a:rPr lang="en-US" altLang="zh-CN" dirty="0" err="1">
+                <a:solidFill>
+                  <a:srgbClr val="00B0F0"/>
+                </a:solidFill>
+              </a:rPr>
+              <a:t>track_period</a:t>
+            </a:r>
+            <a:r>
+              <a:rPr lang="en-US" altLang="zh-CN" dirty="0">
+                <a:solidFill>
+                  <a:srgbClr val="00B0F0"/>
+                </a:solidFill>
+              </a:rPr>
+              <a:t>;</a:t>
+            </a:r>
+            <a:endParaRPr lang="zh-CN" altLang="en-US" dirty="0">
+              <a:solidFill>
+                <a:srgbClr val="00B0F0"/>
+              </a:solidFill>
+            </a:endParaRPr>
+          </a:p>
+        </p:txBody>
+      </p:sp>
+      <p:sp>
+        <p:nvSpPr>
+          <p:cNvPr id="4" name="TextBox 3">
+            <a:extLst>
+              <a:ext uri="{FF2B5EF4-FFF2-40B4-BE49-F238E27FC236}">
+                <a16:creationId xmlns:a16="http://schemas.microsoft.com/office/drawing/2014/main" id="{5C8D2F41-EA6F-0D8F-55C6-568CCA357A08}"/>
+              </a:ext>
+            </a:extLst>
+          </p:cNvPr>
+          <p:cNvSpPr txBox="1"/>
+          <p:nvPr/>
+        </p:nvSpPr>
+        <p:spPr>
+          <a:xfrm>
+            <a:off x="907420" y="1542614"/>
+            <a:ext cx="9730333" cy="1188018"/>
+          </a:xfrm>
+          <a:prstGeom prst="rect">
+            <a:avLst/>
+          </a:prstGeom>
+          <a:noFill/>
+        </p:spPr>
+        <p:txBody>
+          <a:bodyPr wrap="square" rtlCol="0">
+            <a:spAutoFit/>
+          </a:bodyPr>
+          <a:lstStyle/>
+          <a:p>
+            <a:pPr marL="306000" indent="-306000" fontAlgn="base">
+              <a:spcBef>
+                <a:spcPct val="20000"/>
+              </a:spcBef>
+              <a:spcAft>
+                <a:spcPts val="600"/>
+              </a:spcAft>
+              <a:buClr>
+                <a:schemeClr val="accent1"/>
+              </a:buClr>
+              <a:buSzPct val="92000"/>
+              <a:buFont typeface="Arial" panose="020B0604020202020204" pitchFamily="34" charset="0"/>
+              <a:buChar char="•"/>
+            </a:pPr>
+            <a:r>
+              <a:rPr lang="en-US" altLang="zh-CN" dirty="0">
+                <a:solidFill>
+                  <a:schemeClr val="tx1">
+                    <a:lumMod val="75000"/>
+                    <a:lumOff val="25000"/>
+                  </a:schemeClr>
+                </a:solidFill>
+              </a:rPr>
+              <a:t>To understand the duration of movement within each 15-minute interval.</a:t>
+            </a:r>
+          </a:p>
+          <a:p>
+            <a:pPr marL="800100" lvl="1" indent="-342900" fontAlgn="base">
+              <a:spcBef>
+                <a:spcPct val="20000"/>
+              </a:spcBef>
+              <a:spcAft>
+                <a:spcPts val="600"/>
+              </a:spcAft>
+              <a:buClr>
+                <a:schemeClr val="accent1"/>
+              </a:buClr>
+              <a:buSzPct val="92000"/>
+              <a:buFont typeface="+mj-lt"/>
+              <a:buAutoNum type="alphaLcParenR"/>
+            </a:pPr>
+            <a:r>
+              <a:rPr lang="en-US" altLang="zh-CN" dirty="0">
+                <a:solidFill>
+                  <a:schemeClr val="tx1">
+                    <a:lumMod val="75000"/>
+                    <a:lumOff val="25000"/>
+                  </a:schemeClr>
+                </a:solidFill>
+              </a:rPr>
+              <a:t>MIN(time): Earliest recorded timestamp in the interval.</a:t>
+            </a:r>
+          </a:p>
+          <a:p>
+            <a:pPr marL="800100" lvl="1" indent="-342900" fontAlgn="base">
+              <a:spcBef>
+                <a:spcPct val="20000"/>
+              </a:spcBef>
+              <a:spcAft>
+                <a:spcPts val="600"/>
+              </a:spcAft>
+              <a:buClr>
+                <a:schemeClr val="accent1"/>
+              </a:buClr>
+              <a:buSzPct val="92000"/>
+              <a:buFont typeface="+mj-lt"/>
+              <a:buAutoNum type="alphaLcParenR"/>
+            </a:pPr>
+            <a:r>
+              <a:rPr lang="en-US" altLang="zh-CN" dirty="0">
+                <a:solidFill>
+                  <a:schemeClr val="tx1">
+                    <a:lumMod val="75000"/>
+                    <a:lumOff val="25000"/>
+                  </a:schemeClr>
+                </a:solidFill>
+              </a:rPr>
+              <a:t>MAX(time): Latest recorded timestamp in the interval.</a:t>
+            </a:r>
+            <a:endParaRPr lang="zh-CN" altLang="en-US" dirty="0">
+              <a:solidFill>
+                <a:schemeClr val="tx1">
+                  <a:lumMod val="75000"/>
+                  <a:lumOff val="25000"/>
+                </a:schemeClr>
+              </a:solidFill>
+            </a:endParaRPr>
+          </a:p>
+        </p:txBody>
+      </p:sp>
+    </p:spTree>
+    <p:extLst>
+      <p:ext uri="{BB962C8B-B14F-4D97-AF65-F5344CB8AC3E}">
+        <p14:creationId xmlns:p14="http://schemas.microsoft.com/office/powerpoint/2010/main" val="3011306261"/>
+      </p:ext>
+    </p:extLst>
+  </p:cSld>
+  <p:clrMapOvr>
+    <a:masterClrMapping/>
+  </p:clrMapOvr>
+</p:sld>
+</file>
+
+<file path=ppt/slides/slide13.xml><?xml version="1.0" encoding="utf-8"?>
+<p:sld xmlns:a="http://schemas.openxmlformats.org/drawingml/2006/main" xmlns:r="http://schemas.openxmlformats.org/officeDocument/2006/relationships" xmlns:p="http://schemas.openxmlformats.org/presentationml/2006/main">
+  <p:cSld>
+    <p:spTree>
+      <p:nvGrpSpPr>
+        <p:cNvPr id="1" name=""/>
+        <p:cNvGrpSpPr/>
+        <p:nvPr/>
+      </p:nvGrpSpPr>
+      <p:grpSpPr>
+        <a:xfrm>
+          <a:off x="0" y="0"/>
+          <a:ext cx="0" cy="0"/>
+          <a:chOff x="0" y="0"/>
+          <a:chExt cx="0" cy="0"/>
+        </a:xfrm>
+      </p:grpSpPr>
+      <p:sp>
+        <p:nvSpPr>
+          <p:cNvPr id="2" name="Title 1">
+            <a:extLst>
+              <a:ext uri="{FF2B5EF4-FFF2-40B4-BE49-F238E27FC236}">
+                <a16:creationId xmlns:a16="http://schemas.microsoft.com/office/drawing/2014/main" id="{FBA3A205-9746-2644-F4AA-918909DDC04B}"/>
+              </a:ext>
+            </a:extLst>
+          </p:cNvPr>
+          <p:cNvSpPr>
+            <a:spLocks noGrp="1"/>
+          </p:cNvSpPr>
+          <p:nvPr>
+            <p:ph type="title"/>
+          </p:nvPr>
+        </p:nvSpPr>
+        <p:spPr>
+          <a:xfrm>
+            <a:off x="581192" y="702156"/>
+            <a:ext cx="11029616" cy="582192"/>
+          </a:xfrm>
+        </p:spPr>
+        <p:txBody>
+          <a:bodyPr/>
+          <a:lstStyle/>
+          <a:p>
+            <a:r>
+              <a:rPr lang="en-US" altLang="zh-CN" dirty="0"/>
+              <a:t>Step 3: Creating a </a:t>
+            </a:r>
+            <a:r>
+              <a:rPr lang="en-US" altLang="zh-CN" dirty="0" err="1"/>
+              <a:t>LineString</a:t>
+            </a:r>
+            <a:r>
+              <a:rPr lang="en-US" altLang="zh-CN" dirty="0"/>
+              <a:t> to Connect Points</a:t>
+            </a:r>
+            <a:endParaRPr lang="zh-CN" altLang="en-US" dirty="0"/>
+          </a:p>
+        </p:txBody>
+      </p:sp>
+      <p:sp>
+        <p:nvSpPr>
+          <p:cNvPr id="4" name="Rectangle 1">
+            <a:extLst>
+              <a:ext uri="{FF2B5EF4-FFF2-40B4-BE49-F238E27FC236}">
+                <a16:creationId xmlns:a16="http://schemas.microsoft.com/office/drawing/2014/main" id="{C66EF53B-DCF2-1256-C5C8-72CEC4D01290}"/>
+              </a:ext>
+            </a:extLst>
+          </p:cNvPr>
+          <p:cNvSpPr>
+            <a:spLocks noGrp="1" noChangeArrowheads="1"/>
+          </p:cNvSpPr>
+          <p:nvPr>
+            <p:ph idx="1"/>
+          </p:nvPr>
+        </p:nvSpPr>
+        <p:spPr bwMode="auto">
+          <a:xfrm>
+            <a:off x="1216387" y="1632842"/>
+            <a:ext cx="6746206" cy="778675"/>
+          </a:xfrm>
+          <a:prstGeom prst="rect">
+            <a:avLst/>
+          </a:prstGeom>
+          <a:noFill/>
+          <a:ln>
+            <a:noFill/>
+          </a:ln>
+          <a:effectLst/>
+          <a:extLst>
+            <a:ext uri="{909E8E84-426E-40DD-AFC4-6F175D3DCCD1}">
+              <a14:hiddenFill xmlns:a14="http://schemas.microsoft.com/office/drawing/2010/main">
+                <a:solidFill>
+                  <a:schemeClr val="accent1"/>
+                </a:solidFill>
+              </a14:hiddenFill>
+            </a:ext>
+            <a:ext uri="{91240B29-F687-4F45-9708-019B960494DF}">
+              <a14:hiddenLine xmlns:a14="http://schemas.microsoft.com/office/drawing/2010/main" w="9525">
+                <a:solidFill>
+                  <a:schemeClr val="tx1"/>
+                </a:solidFill>
+                <a:miter lim="800000"/>
+                <a:headEnd/>
+                <a:tailEnd/>
+              </a14:hiddenLine>
+            </a:ext>
+            <a:ext uri="{AF507438-7753-43E0-B8FC-AC1667EBCBE1}">
+              <a14:hiddenEffects xmlns:a14="http://schemas.microsoft.com/office/drawing/2010/main">
+                <a:effectLst>
+                  <a:outerShdw dist="35921" dir="2700000" algn="ctr" rotWithShape="0">
+                    <a:schemeClr val="bg2"/>
+                  </a:outerShdw>
+                </a:effectLst>
+              </a14:hiddenEffects>
+            </a:ext>
+          </a:extLst>
+        </p:spPr>
+        <p:txBody>
+          <a:bodyPr vert="horz" wrap="none" lIns="91440" tIns="45720" rIns="91440" bIns="45720" numCol="1" anchor="ctr" anchorCtr="0" compatLnSpc="1">
+            <a:prstTxWarp prst="textNoShape">
+              <a:avLst/>
+            </a:prstTxWarp>
+            <a:spAutoFit/>
+          </a:bodyPr>
+          <a:lstStyle/>
+          <a:p>
+            <a:pPr marR="0" lvl="0" fontAlgn="base">
+              <a:lnSpc>
+                <a:spcPct val="100000"/>
+              </a:lnSpc>
+              <a:buFont typeface="Arial" panose="020B0604020202020204" pitchFamily="34" charset="0"/>
+              <a:buChar char="•"/>
+              <a:tabLst/>
+            </a:pPr>
+            <a:r>
+              <a:rPr lang="zh-CN" altLang="zh-CN" dirty="0"/>
+              <a:t>We use ST_MakeLine() to connect points within the same interval. </a:t>
+            </a:r>
+          </a:p>
+          <a:p>
+            <a:pPr marR="0" lvl="0" fontAlgn="base">
+              <a:lnSpc>
+                <a:spcPct val="100000"/>
+              </a:lnSpc>
+              <a:buFont typeface="Arial" panose="020B0604020202020204" pitchFamily="34" charset="0"/>
+              <a:buChar char="•"/>
+              <a:tabLst/>
+            </a:pPr>
+            <a:r>
+              <a:rPr lang="zh-CN" altLang="zh-CN" dirty="0"/>
+              <a:t>The points are ordered by time to form a meaningful trajectory. </a:t>
+            </a:r>
+          </a:p>
+        </p:txBody>
+      </p:sp>
+      <p:sp>
+        <p:nvSpPr>
+          <p:cNvPr id="5" name="TextBox 4">
+            <a:extLst>
+              <a:ext uri="{FF2B5EF4-FFF2-40B4-BE49-F238E27FC236}">
+                <a16:creationId xmlns:a16="http://schemas.microsoft.com/office/drawing/2014/main" id="{6B1FC7AA-185E-61A7-B9D3-2A5879515DC5}"/>
+              </a:ext>
+            </a:extLst>
+          </p:cNvPr>
+          <p:cNvSpPr txBox="1"/>
+          <p:nvPr/>
+        </p:nvSpPr>
+        <p:spPr>
+          <a:xfrm>
+            <a:off x="1390891" y="2760011"/>
+            <a:ext cx="8388304" cy="3416320"/>
+          </a:xfrm>
+          <a:prstGeom prst="rect">
+            <a:avLst/>
+          </a:prstGeom>
+          <a:noFill/>
+        </p:spPr>
+        <p:txBody>
+          <a:bodyPr wrap="square" rtlCol="0">
+            <a:spAutoFit/>
+          </a:bodyPr>
+          <a:lstStyle/>
+          <a:p>
+            <a:r>
+              <a:rPr lang="en-US" altLang="zh-CN" dirty="0"/>
+              <a:t> </a:t>
+            </a:r>
+            <a:r>
+              <a:rPr lang="en-US" altLang="zh-CN" dirty="0">
+                <a:solidFill>
+                  <a:srgbClr val="00B0F0"/>
+                </a:solidFill>
+              </a:rPr>
+              <a:t>SELECT </a:t>
+            </a:r>
+          </a:p>
+          <a:p>
+            <a:r>
+              <a:rPr lang="en-US" altLang="zh-CN" dirty="0">
+                <a:solidFill>
+                  <a:srgbClr val="00B0F0"/>
+                </a:solidFill>
+              </a:rPr>
+              <a:t>    DATE_TRUNC('minute', time) - </a:t>
+            </a:r>
+          </a:p>
+          <a:p>
+            <a:r>
+              <a:rPr lang="en-US" altLang="zh-CN" dirty="0">
+                <a:solidFill>
+                  <a:srgbClr val="00B0F0"/>
+                </a:solidFill>
+              </a:rPr>
+              <a:t>        CAST(</a:t>
+            </a:r>
+          </a:p>
+          <a:p>
+            <a:r>
+              <a:rPr lang="en-US" altLang="zh-CN" dirty="0">
+                <a:solidFill>
+                  <a:srgbClr val="00B0F0"/>
+                </a:solidFill>
+              </a:rPr>
+              <a:t>            mod(CAST(DATE_PART('minute', time) AS integer), 15) || ' minutes' AS interval</a:t>
+            </a:r>
+          </a:p>
+          <a:p>
+            <a:r>
+              <a:rPr lang="en-US" altLang="zh-CN" dirty="0">
+                <a:solidFill>
+                  <a:srgbClr val="00B0F0"/>
+                </a:solidFill>
+              </a:rPr>
+              <a:t>        ) AS </a:t>
+            </a:r>
+            <a:r>
+              <a:rPr lang="en-US" altLang="zh-CN" dirty="0" err="1">
+                <a:solidFill>
+                  <a:srgbClr val="00B0F0"/>
+                </a:solidFill>
+              </a:rPr>
+              <a:t>track_period</a:t>
+            </a:r>
+            <a:r>
+              <a:rPr lang="en-US" altLang="zh-CN" dirty="0">
+                <a:solidFill>
+                  <a:srgbClr val="00B0F0"/>
+                </a:solidFill>
+              </a:rPr>
+              <a:t>,</a:t>
+            </a:r>
+          </a:p>
+          <a:p>
+            <a:r>
+              <a:rPr lang="en-US" altLang="zh-CN" dirty="0">
+                <a:solidFill>
+                  <a:srgbClr val="00B0F0"/>
+                </a:solidFill>
+              </a:rPr>
+              <a:t>    MIN(time) AS </a:t>
+            </a:r>
+            <a:r>
+              <a:rPr lang="en-US" altLang="zh-CN" dirty="0" err="1">
+                <a:solidFill>
+                  <a:srgbClr val="00B0F0"/>
+                </a:solidFill>
+              </a:rPr>
+              <a:t>t_start</a:t>
+            </a:r>
+            <a:r>
+              <a:rPr lang="en-US" altLang="zh-CN" dirty="0">
+                <a:solidFill>
+                  <a:srgbClr val="00B0F0"/>
+                </a:solidFill>
+              </a:rPr>
+              <a:t>, </a:t>
+            </a:r>
+          </a:p>
+          <a:p>
+            <a:r>
+              <a:rPr lang="en-US" altLang="zh-CN" dirty="0">
+                <a:solidFill>
+                  <a:srgbClr val="00B0F0"/>
+                </a:solidFill>
+              </a:rPr>
+              <a:t>    MAX(time) AS </a:t>
+            </a:r>
+            <a:r>
+              <a:rPr lang="en-US" altLang="zh-CN" dirty="0" err="1">
+                <a:solidFill>
+                  <a:srgbClr val="00B0F0"/>
+                </a:solidFill>
+              </a:rPr>
+              <a:t>t_end</a:t>
+            </a:r>
+            <a:r>
+              <a:rPr lang="en-US" altLang="zh-CN" dirty="0">
+                <a:solidFill>
+                  <a:srgbClr val="00B0F0"/>
+                </a:solidFill>
+              </a:rPr>
+              <a:t>,</a:t>
+            </a:r>
+          </a:p>
+          <a:p>
+            <a:r>
+              <a:rPr lang="en-US" altLang="zh-CN" dirty="0">
+                <a:solidFill>
+                  <a:srgbClr val="00B0F0"/>
+                </a:solidFill>
+              </a:rPr>
+              <a:t>--- make line </a:t>
+            </a:r>
+          </a:p>
+          <a:p>
+            <a:pPr marL="285750" indent="-285750">
+              <a:buFont typeface="Wingdings" panose="05000000000000000000" pitchFamily="2" charset="2"/>
+              <a:buChar char="n"/>
+            </a:pPr>
+            <a:endParaRPr lang="en-US" altLang="zh-CN" dirty="0">
+              <a:solidFill>
+                <a:srgbClr val="00B0F0"/>
+              </a:solidFill>
+            </a:endParaRPr>
+          </a:p>
+          <a:p>
+            <a:r>
+              <a:rPr lang="en-US" altLang="zh-CN" dirty="0">
+                <a:solidFill>
+                  <a:srgbClr val="00B0F0"/>
+                </a:solidFill>
+              </a:rPr>
+              <a:t>--- </a:t>
+            </a:r>
+          </a:p>
+          <a:p>
+            <a:r>
+              <a:rPr lang="en-US" altLang="zh-CN" dirty="0">
+                <a:solidFill>
+                  <a:srgbClr val="00B0F0"/>
+                </a:solidFill>
+              </a:rPr>
+              <a:t>FROM ch11.aussie_track_points</a:t>
+            </a:r>
+          </a:p>
+          <a:p>
+            <a:r>
+              <a:rPr lang="en-US" altLang="zh-CN" dirty="0">
+                <a:solidFill>
+                  <a:srgbClr val="00B0F0"/>
+                </a:solidFill>
+              </a:rPr>
+              <a:t>GROUP BY </a:t>
+            </a:r>
+            <a:r>
+              <a:rPr lang="en-US" altLang="zh-CN" dirty="0" err="1">
+                <a:solidFill>
+                  <a:srgbClr val="00B0F0"/>
+                </a:solidFill>
+              </a:rPr>
+              <a:t>track_period</a:t>
+            </a:r>
+            <a:r>
+              <a:rPr lang="en-US" altLang="zh-CN" dirty="0">
+                <a:solidFill>
+                  <a:srgbClr val="00B0F0"/>
+                </a:solidFill>
+              </a:rPr>
+              <a:t>;</a:t>
+            </a:r>
+            <a:endParaRPr lang="zh-CN" altLang="en-US" dirty="0">
+              <a:solidFill>
+                <a:srgbClr val="00B0F0"/>
+              </a:solidFill>
+            </a:endParaRPr>
+          </a:p>
+        </p:txBody>
+      </p:sp>
+    </p:spTree>
+    <p:extLst>
+      <p:ext uri="{BB962C8B-B14F-4D97-AF65-F5344CB8AC3E}">
+        <p14:creationId xmlns:p14="http://schemas.microsoft.com/office/powerpoint/2010/main" val="1728268174"/>
+      </p:ext>
+    </p:extLst>
+  </p:cSld>
+  <p:clrMapOvr>
+    <a:masterClrMapping/>
+  </p:clrMapOvr>
+</p:sld>
+</file>
+
+<file path=ppt/slides/slide14.xml><?xml version="1.0" encoding="utf-8"?>
+<p:sld xmlns:a="http://schemas.openxmlformats.org/drawingml/2006/main" xmlns:r="http://schemas.openxmlformats.org/officeDocument/2006/relationships" xmlns:p="http://schemas.openxmlformats.org/presentationml/2006/main">
+  <p:cSld>
+    <p:spTree>
+      <p:nvGrpSpPr>
+        <p:cNvPr id="1" name=""/>
+        <p:cNvGrpSpPr/>
+        <p:nvPr/>
+      </p:nvGrpSpPr>
+      <p:grpSpPr>
+        <a:xfrm>
+          <a:off x="0" y="0"/>
+          <a:ext cx="0" cy="0"/>
+          <a:chOff x="0" y="0"/>
+          <a:chExt cx="0" cy="0"/>
+        </a:xfrm>
+      </p:grpSpPr>
+      <p:sp>
+        <p:nvSpPr>
+          <p:cNvPr id="2" name="Title 1">
+            <a:extLst>
+              <a:ext uri="{FF2B5EF4-FFF2-40B4-BE49-F238E27FC236}">
+                <a16:creationId xmlns:a16="http://schemas.microsoft.com/office/drawing/2014/main" id="{156AA30D-8271-DB0D-F40D-408938EE7DD1}"/>
+              </a:ext>
+            </a:extLst>
+          </p:cNvPr>
+          <p:cNvSpPr>
+            <a:spLocks noGrp="1"/>
+          </p:cNvSpPr>
+          <p:nvPr>
+            <p:ph type="title"/>
+          </p:nvPr>
+        </p:nvSpPr>
+        <p:spPr>
+          <a:xfrm>
+            <a:off x="581192" y="702156"/>
+            <a:ext cx="11029616" cy="672934"/>
+          </a:xfrm>
+        </p:spPr>
+        <p:txBody>
+          <a:bodyPr/>
+          <a:lstStyle/>
+          <a:p>
+            <a:r>
+              <a:rPr lang="en-US" altLang="zh-CN" dirty="0"/>
+              <a:t>Create a new table to store the data</a:t>
+            </a:r>
+            <a:endParaRPr lang="zh-CN" altLang="en-US" dirty="0"/>
+          </a:p>
+        </p:txBody>
+      </p:sp>
+      <p:sp>
+        <p:nvSpPr>
+          <p:cNvPr id="3" name="Content Placeholder 2">
+            <a:extLst>
+              <a:ext uri="{FF2B5EF4-FFF2-40B4-BE49-F238E27FC236}">
+                <a16:creationId xmlns:a16="http://schemas.microsoft.com/office/drawing/2014/main" id="{50C6B032-30F9-638D-F20C-3F87C4F7631A}"/>
+              </a:ext>
+            </a:extLst>
+          </p:cNvPr>
+          <p:cNvSpPr>
+            <a:spLocks noGrp="1"/>
+          </p:cNvSpPr>
+          <p:nvPr>
+            <p:ph idx="1"/>
+          </p:nvPr>
+        </p:nvSpPr>
+        <p:spPr>
+          <a:xfrm>
+            <a:off x="4036368" y="1660618"/>
+            <a:ext cx="2734382" cy="1410649"/>
+          </a:xfrm>
+        </p:spPr>
+        <p:txBody>
+          <a:bodyPr/>
+          <a:lstStyle/>
+          <a:p>
+            <a:pPr marL="0" indent="0">
+              <a:buNone/>
+            </a:pPr>
+            <a:r>
+              <a:rPr lang="en-US" altLang="zh-CN" dirty="0">
+                <a:solidFill>
+                  <a:srgbClr val="00B0F0"/>
+                </a:solidFill>
+              </a:rPr>
+              <a:t>INTO </a:t>
+            </a:r>
+          </a:p>
+          <a:p>
+            <a:pPr marL="0" indent="0">
+              <a:buNone/>
+            </a:pPr>
+            <a:r>
+              <a:rPr lang="en-US" altLang="zh-CN" dirty="0">
+                <a:solidFill>
+                  <a:srgbClr val="00B0F0"/>
+                </a:solidFill>
+              </a:rPr>
+              <a:t>FROM</a:t>
+            </a:r>
+            <a:endParaRPr lang="zh-CN" altLang="en-US" dirty="0">
+              <a:solidFill>
+                <a:srgbClr val="00B0F0"/>
+              </a:solidFill>
+            </a:endParaRPr>
+          </a:p>
+        </p:txBody>
+      </p:sp>
+    </p:spTree>
+    <p:extLst>
+      <p:ext uri="{BB962C8B-B14F-4D97-AF65-F5344CB8AC3E}">
+        <p14:creationId xmlns:p14="http://schemas.microsoft.com/office/powerpoint/2010/main" val="2236335439"/>
+      </p:ext>
+    </p:extLst>
+  </p:cSld>
+  <p:clrMapOvr>
+    <a:masterClrMapping/>
+  </p:clrMapOvr>
+</p:sld>
+</file>
+
+<file path=ppt/slides/slide15.xml><?xml version="1.0" encoding="utf-8"?>
+<p:sld xmlns:a="http://schemas.openxmlformats.org/drawingml/2006/main" xmlns:r="http://schemas.openxmlformats.org/officeDocument/2006/relationships" xmlns:p="http://schemas.openxmlformats.org/presentationml/2006/main">
+  <p:cSld>
+    <p:spTree>
+      <p:nvGrpSpPr>
+        <p:cNvPr id="1" name=""/>
+        <p:cNvGrpSpPr/>
+        <p:nvPr/>
+      </p:nvGrpSpPr>
+      <p:grpSpPr>
+        <a:xfrm>
+          <a:off x="0" y="0"/>
+          <a:ext cx="0" cy="0"/>
+          <a:chOff x="0" y="0"/>
+          <a:chExt cx="0" cy="0"/>
+        </a:xfrm>
+      </p:grpSpPr>
+      <p:sp>
+        <p:nvSpPr>
+          <p:cNvPr id="2" name="Title 1">
+            <a:extLst>
+              <a:ext uri="{FF2B5EF4-FFF2-40B4-BE49-F238E27FC236}">
+                <a16:creationId xmlns:a16="http://schemas.microsoft.com/office/drawing/2014/main" id="{E0B91F8B-0DC0-6449-C8CD-247E9E611A9C}"/>
+              </a:ext>
+            </a:extLst>
+          </p:cNvPr>
+          <p:cNvSpPr>
+            <a:spLocks noGrp="1"/>
+          </p:cNvSpPr>
+          <p:nvPr>
+            <p:ph type="title"/>
+          </p:nvPr>
+        </p:nvSpPr>
+        <p:spPr>
+          <a:xfrm>
+            <a:off x="581192" y="702156"/>
+            <a:ext cx="11029616" cy="582192"/>
+          </a:xfrm>
+        </p:spPr>
+        <p:txBody>
+          <a:bodyPr/>
+          <a:lstStyle/>
+          <a:p>
+            <a:r>
+              <a:rPr lang="en-US" altLang="zh-CN" dirty="0"/>
+              <a:t>DATA ANALYSIS</a:t>
+            </a:r>
+            <a:endParaRPr lang="zh-CN" altLang="en-US" dirty="0"/>
+          </a:p>
+        </p:txBody>
+      </p:sp>
+      <p:sp>
+        <p:nvSpPr>
+          <p:cNvPr id="4" name="Rectangle 1">
+            <a:extLst>
+              <a:ext uri="{FF2B5EF4-FFF2-40B4-BE49-F238E27FC236}">
+                <a16:creationId xmlns:a16="http://schemas.microsoft.com/office/drawing/2014/main" id="{B97DB754-0E26-6C9A-C838-1E1B472EFF1B}"/>
+              </a:ext>
+            </a:extLst>
+          </p:cNvPr>
+          <p:cNvSpPr>
+            <a:spLocks noGrp="1" noChangeArrowheads="1"/>
+          </p:cNvSpPr>
+          <p:nvPr>
+            <p:ph idx="1"/>
+          </p:nvPr>
+        </p:nvSpPr>
+        <p:spPr bwMode="auto">
+          <a:xfrm>
+            <a:off x="1474651" y="1528140"/>
+            <a:ext cx="5202835" cy="778675"/>
+          </a:xfrm>
+          <a:prstGeom prst="rect">
+            <a:avLst/>
+          </a:prstGeom>
+          <a:noFill/>
+          <a:ln>
+            <a:noFill/>
+          </a:ln>
+          <a:effectLst/>
+          <a:extLst>
+            <a:ext uri="{909E8E84-426E-40DD-AFC4-6F175D3DCCD1}">
+              <a14:hiddenFill xmlns:a14="http://schemas.microsoft.com/office/drawing/2010/main">
+                <a:solidFill>
+                  <a:schemeClr val="accent1"/>
+                </a:solidFill>
+              </a14:hiddenFill>
+            </a:ext>
+            <a:ext uri="{91240B29-F687-4F45-9708-019B960494DF}">
+              <a14:hiddenLine xmlns:a14="http://schemas.microsoft.com/office/drawing/2010/main" w="9525">
+                <a:solidFill>
+                  <a:schemeClr val="tx1"/>
+                </a:solidFill>
+                <a:miter lim="800000"/>
+                <a:headEnd/>
+                <a:tailEnd/>
+              </a14:hiddenLine>
+            </a:ext>
+            <a:ext uri="{AF507438-7753-43E0-B8FC-AC1667EBCBE1}">
+              <a14:hiddenEffects xmlns:a14="http://schemas.microsoft.com/office/drawing/2010/main">
+                <a:effectLst>
+                  <a:outerShdw dist="35921" dir="2700000" algn="ctr" rotWithShape="0">
+                    <a:schemeClr val="bg2"/>
+                  </a:outerShdw>
+                </a:effectLst>
+              </a14:hiddenEffects>
+            </a:ext>
+          </a:extLst>
+        </p:spPr>
+        <p:txBody>
+          <a:bodyPr vert="horz" wrap="none" lIns="91440" tIns="45720" rIns="91440" bIns="45720" numCol="1" anchor="ctr" anchorCtr="0" compatLnSpc="1">
+            <a:prstTxWarp prst="textNoShape">
+              <a:avLst/>
+            </a:prstTxWarp>
+            <a:spAutoFit/>
+          </a:bodyPr>
+          <a:lstStyle/>
+          <a:p>
+            <a:pPr fontAlgn="base">
+              <a:buFont typeface="Arial" panose="020B0604020202020204" pitchFamily="34" charset="0"/>
+              <a:buChar char="•"/>
+            </a:pPr>
+            <a:r>
+              <a:rPr lang="zh-CN" altLang="zh-CN" dirty="0"/>
+              <a:t>Convert stored data into readable values. </a:t>
+            </a:r>
+          </a:p>
+          <a:p>
+            <a:pPr fontAlgn="base">
+              <a:buFont typeface="Arial" panose="020B0604020202020204" pitchFamily="34" charset="0"/>
+              <a:buChar char="•"/>
+            </a:pPr>
+            <a:r>
+              <a:rPr lang="zh-CN" altLang="zh-CN" dirty="0"/>
+              <a:t>Calculate distance traveled and number of points. </a:t>
+            </a:r>
+          </a:p>
+        </p:txBody>
+      </p:sp>
+      <p:sp>
+        <p:nvSpPr>
+          <p:cNvPr id="5" name="TextBox 4">
+            <a:extLst>
+              <a:ext uri="{FF2B5EF4-FFF2-40B4-BE49-F238E27FC236}">
+                <a16:creationId xmlns:a16="http://schemas.microsoft.com/office/drawing/2014/main" id="{A5E7967D-318F-A075-5C52-C36A7142EB0D}"/>
+              </a:ext>
+            </a:extLst>
+          </p:cNvPr>
+          <p:cNvSpPr txBox="1"/>
+          <p:nvPr/>
+        </p:nvSpPr>
+        <p:spPr>
+          <a:xfrm>
+            <a:off x="1558413" y="2550607"/>
+            <a:ext cx="8285441" cy="3693319"/>
+          </a:xfrm>
+          <a:prstGeom prst="rect">
+            <a:avLst/>
+          </a:prstGeom>
+          <a:noFill/>
+        </p:spPr>
+        <p:txBody>
+          <a:bodyPr wrap="square" rtlCol="0">
+            <a:spAutoFit/>
+          </a:bodyPr>
+          <a:lstStyle/>
+          <a:p>
+            <a:r>
+              <a:rPr lang="en-US" altLang="zh-CN" dirty="0">
+                <a:solidFill>
+                  <a:srgbClr val="00B0F0"/>
+                </a:solidFill>
+              </a:rPr>
+              <a:t>SELECT </a:t>
+            </a:r>
+          </a:p>
+          <a:p>
+            <a:r>
+              <a:rPr lang="en-US" altLang="zh-CN" dirty="0">
+                <a:solidFill>
+                  <a:srgbClr val="00B0F0"/>
+                </a:solidFill>
+              </a:rPr>
+              <a:t>    CAST(</a:t>
+            </a:r>
+            <a:r>
+              <a:rPr lang="en-US" altLang="zh-CN" dirty="0" err="1">
+                <a:solidFill>
+                  <a:srgbClr val="00B0F0"/>
+                </a:solidFill>
+              </a:rPr>
+              <a:t>track_period</a:t>
+            </a:r>
+            <a:r>
+              <a:rPr lang="en-US" altLang="zh-CN" dirty="0">
+                <a:solidFill>
+                  <a:srgbClr val="00B0F0"/>
+                </a:solidFill>
+              </a:rPr>
+              <a:t> AS),</a:t>
+            </a:r>
+          </a:p>
+          <a:p>
+            <a:r>
+              <a:rPr lang="en-US" altLang="zh-CN" dirty="0">
+                <a:solidFill>
+                  <a:srgbClr val="00B0F0"/>
+                </a:solidFill>
+              </a:rPr>
+              <a:t>    CAST(</a:t>
+            </a:r>
+            <a:r>
+              <a:rPr lang="en-US" altLang="zh-CN" dirty="0" err="1">
+                <a:solidFill>
+                  <a:srgbClr val="00B0F0"/>
+                </a:solidFill>
+              </a:rPr>
+              <a:t>t_start</a:t>
+            </a:r>
+            <a:r>
+              <a:rPr lang="en-US" altLang="zh-CN" dirty="0">
+                <a:solidFill>
+                  <a:srgbClr val="00B0F0"/>
+                </a:solidFill>
+              </a:rPr>
+              <a:t> AS) AS </a:t>
+            </a:r>
+            <a:r>
+              <a:rPr lang="en-US" altLang="zh-CN" dirty="0" err="1">
+                <a:solidFill>
+                  <a:srgbClr val="00B0F0"/>
+                </a:solidFill>
+              </a:rPr>
+              <a:t>t_start</a:t>
+            </a:r>
+            <a:r>
+              <a:rPr lang="en-US" altLang="zh-CN" dirty="0">
+                <a:solidFill>
+                  <a:srgbClr val="00B0F0"/>
+                </a:solidFill>
+              </a:rPr>
+              <a:t>,    </a:t>
+            </a:r>
+          </a:p>
+          <a:p>
+            <a:r>
+              <a:rPr lang="en-US" altLang="zh-CN" dirty="0">
+                <a:solidFill>
+                  <a:srgbClr val="00B0F0"/>
+                </a:solidFill>
+              </a:rPr>
+              <a:t>    CAST(</a:t>
+            </a:r>
+            <a:r>
+              <a:rPr lang="en-US" altLang="zh-CN" dirty="0" err="1">
+                <a:solidFill>
+                  <a:srgbClr val="00B0F0"/>
+                </a:solidFill>
+              </a:rPr>
+              <a:t>t_end</a:t>
+            </a:r>
+            <a:r>
+              <a:rPr lang="en-US" altLang="zh-CN" dirty="0">
+                <a:solidFill>
+                  <a:srgbClr val="00B0F0"/>
+                </a:solidFill>
+              </a:rPr>
+              <a:t> AS) AS </a:t>
+            </a:r>
+            <a:r>
+              <a:rPr lang="en-US" altLang="zh-CN" dirty="0" err="1">
+                <a:solidFill>
+                  <a:srgbClr val="00B0F0"/>
+                </a:solidFill>
+              </a:rPr>
+              <a:t>t_end</a:t>
+            </a:r>
+            <a:r>
+              <a:rPr lang="en-US" altLang="zh-CN" dirty="0">
+                <a:solidFill>
+                  <a:srgbClr val="00B0F0"/>
+                </a:solidFill>
+              </a:rPr>
+              <a:t>, </a:t>
+            </a:r>
+          </a:p>
+          <a:p>
+            <a:r>
+              <a:rPr lang="en-US" altLang="zh-CN" dirty="0">
+                <a:solidFill>
+                  <a:srgbClr val="00B0F0"/>
+                </a:solidFill>
+              </a:rPr>
+              <a:t>-- How many points for each time interval</a:t>
+            </a:r>
+          </a:p>
+          <a:p>
+            <a:endParaRPr lang="en-US" altLang="zh-CN" dirty="0">
+              <a:solidFill>
+                <a:srgbClr val="00B0F0"/>
+              </a:solidFill>
+            </a:endParaRPr>
+          </a:p>
+          <a:p>
+            <a:r>
+              <a:rPr lang="en-US" altLang="zh-CN" dirty="0">
+                <a:solidFill>
+                  <a:srgbClr val="00B0F0"/>
+                </a:solidFill>
+              </a:rPr>
+              <a:t>-- </a:t>
+            </a:r>
+          </a:p>
+          <a:p>
+            <a:r>
+              <a:rPr lang="en-US" altLang="zh-CN" dirty="0">
+                <a:solidFill>
+                  <a:srgbClr val="00B0F0"/>
+                </a:solidFill>
+              </a:rPr>
+              <a:t>-- Length of the distance</a:t>
+            </a:r>
+          </a:p>
+          <a:p>
+            <a:r>
+              <a:rPr lang="en-US" altLang="zh-CN" dirty="0">
+                <a:solidFill>
+                  <a:srgbClr val="00B0F0"/>
+                </a:solidFill>
+              </a:rPr>
+              <a:t>-- </a:t>
+            </a:r>
+          </a:p>
+          <a:p>
+            <a:r>
+              <a:rPr lang="en-US" altLang="zh-CN" dirty="0">
+                <a:solidFill>
+                  <a:srgbClr val="00B0F0"/>
+                </a:solidFill>
+              </a:rPr>
+              <a:t>-- Time duration </a:t>
+            </a:r>
+          </a:p>
+          <a:p>
+            <a:r>
+              <a:rPr lang="en-US" altLang="zh-CN" dirty="0">
+                <a:solidFill>
+                  <a:srgbClr val="00B0F0"/>
+                </a:solidFill>
+              </a:rPr>
+              <a:t>--       </a:t>
+            </a:r>
+          </a:p>
+          <a:p>
+            <a:r>
+              <a:rPr lang="en-US" altLang="zh-CN" dirty="0">
+                <a:solidFill>
+                  <a:srgbClr val="00B0F0"/>
+                </a:solidFill>
+              </a:rPr>
+              <a:t>FROM ch11.aussie_run;</a:t>
+            </a:r>
+          </a:p>
+          <a:p>
+            <a:endParaRPr lang="zh-CN" altLang="en-US" dirty="0">
+              <a:solidFill>
+                <a:srgbClr val="00B0F0"/>
+              </a:solidFill>
+            </a:endParaRPr>
+          </a:p>
+        </p:txBody>
+      </p:sp>
+    </p:spTree>
+    <p:extLst>
+      <p:ext uri="{BB962C8B-B14F-4D97-AF65-F5344CB8AC3E}">
+        <p14:creationId xmlns:p14="http://schemas.microsoft.com/office/powerpoint/2010/main" val="4082178416"/>
+      </p:ext>
+    </p:extLst>
+  </p:cSld>
+  <p:clrMapOvr>
+    <a:masterClrMapping/>
+  </p:clrMapOvr>
+</p:sld>
+</file>
+
+<file path=ppt/slides/slide16.xml><?xml version="1.0" encoding="utf-8"?>
+<p:sld xmlns:a="http://schemas.openxmlformats.org/drawingml/2006/main" xmlns:r="http://schemas.openxmlformats.org/officeDocument/2006/relationships" xmlns:p="http://schemas.openxmlformats.org/presentationml/2006/main">
+  <p:cSld>
+    <p:spTree>
+      <p:nvGrpSpPr>
+        <p:cNvPr id="1" name=""/>
+        <p:cNvGrpSpPr/>
+        <p:nvPr/>
+      </p:nvGrpSpPr>
+      <p:grpSpPr>
+        <a:xfrm>
+          <a:off x="0" y="0"/>
+          <a:ext cx="0" cy="0"/>
+          <a:chOff x="0" y="0"/>
+          <a:chExt cx="0" cy="0"/>
+        </a:xfrm>
+      </p:grpSpPr>
+      <p:sp>
+        <p:nvSpPr>
+          <p:cNvPr id="2" name="Title 1">
+            <a:extLst>
+              <a:ext uri="{FF2B5EF4-FFF2-40B4-BE49-F238E27FC236}">
+                <a16:creationId xmlns:a16="http://schemas.microsoft.com/office/drawing/2014/main" id="{5A971183-1622-8E0F-2243-DDF37A2C4C75}"/>
+              </a:ext>
+            </a:extLst>
+          </p:cNvPr>
+          <p:cNvSpPr>
+            <a:spLocks noGrp="1"/>
+          </p:cNvSpPr>
+          <p:nvPr>
+            <p:ph type="title"/>
+          </p:nvPr>
+        </p:nvSpPr>
+        <p:spPr>
+          <a:xfrm>
+            <a:off x="581192" y="702156"/>
+            <a:ext cx="11029616" cy="596152"/>
+          </a:xfrm>
+        </p:spPr>
+        <p:txBody>
+          <a:bodyPr/>
+          <a:lstStyle/>
+          <a:p>
+            <a:r>
+              <a:rPr lang="zh-CN" altLang="zh-CN" dirty="0"/>
+              <a:t>Final Summary: What Have We Learned?</a:t>
+            </a:r>
+            <a:endParaRPr lang="zh-CN" altLang="en-US" dirty="0"/>
+          </a:p>
+        </p:txBody>
+      </p:sp>
+      <p:sp>
+        <p:nvSpPr>
+          <p:cNvPr id="4" name="Rectangle 1">
+            <a:extLst>
+              <a:ext uri="{FF2B5EF4-FFF2-40B4-BE49-F238E27FC236}">
+                <a16:creationId xmlns:a16="http://schemas.microsoft.com/office/drawing/2014/main" id="{7B795AA6-281C-612F-6A75-5A7D05CBD420}"/>
+              </a:ext>
+            </a:extLst>
+          </p:cNvPr>
+          <p:cNvSpPr>
+            <a:spLocks noGrp="1" noChangeArrowheads="1"/>
+          </p:cNvSpPr>
+          <p:nvPr>
+            <p:ph idx="1"/>
+          </p:nvPr>
+        </p:nvSpPr>
+        <p:spPr bwMode="auto">
+          <a:xfrm>
+            <a:off x="2389051" y="1697537"/>
+            <a:ext cx="5864682" cy="4558171"/>
+          </a:xfrm>
+          <a:prstGeom prst="rect">
+            <a:avLst/>
+          </a:prstGeom>
+          <a:noFill/>
+          <a:ln>
+            <a:noFill/>
+          </a:ln>
+          <a:effectLst/>
+          <a:extLst>
+            <a:ext uri="{909E8E84-426E-40DD-AFC4-6F175D3DCCD1}">
+              <a14:hiddenFill xmlns:a14="http://schemas.microsoft.com/office/drawing/2010/main">
+                <a:solidFill>
+                  <a:schemeClr val="accent1"/>
+                </a:solidFill>
+              </a14:hiddenFill>
+            </a:ext>
+            <a:ext uri="{91240B29-F687-4F45-9708-019B960494DF}">
+              <a14:hiddenLine xmlns:a14="http://schemas.microsoft.com/office/drawing/2010/main" w="9525">
+                <a:solidFill>
+                  <a:schemeClr val="tx1"/>
+                </a:solidFill>
+                <a:miter lim="800000"/>
+                <a:headEnd/>
+                <a:tailEnd/>
+              </a14:hiddenLine>
+            </a:ext>
+            <a:ext uri="{AF507438-7753-43E0-B8FC-AC1667EBCBE1}">
+              <a14:hiddenEffects xmlns:a14="http://schemas.microsoft.com/office/drawing/2010/main">
+                <a:effectLst>
+                  <a:outerShdw dist="35921" dir="2700000" algn="ctr" rotWithShape="0">
+                    <a:schemeClr val="bg2"/>
+                  </a:outerShdw>
+                </a:effectLst>
+              </a14:hiddenEffects>
+            </a:ext>
+          </a:extLst>
+        </p:spPr>
+        <p:txBody>
+          <a:bodyPr vert="horz" wrap="none" lIns="91440" tIns="45720" rIns="91440" bIns="45720" numCol="1" anchor="ctr" anchorCtr="0" compatLnSpc="1">
+            <a:prstTxWarp prst="textNoShape">
+              <a:avLst/>
+            </a:prstTxWarp>
+            <a:spAutoFit/>
+          </a:bodyPr>
+          <a:lstStyle/>
+          <a:p>
+            <a:pPr marR="0" lvl="0" fontAlgn="base">
+              <a:buFont typeface="Arial" panose="020B0604020202020204" pitchFamily="34" charset="0"/>
+              <a:buChar char="•"/>
+              <a:tabLst/>
+            </a:pPr>
+            <a:r>
+              <a:rPr lang="zh-CN" altLang="zh-CN" dirty="0"/>
+              <a:t>Key Steps:</a:t>
+            </a:r>
+          </a:p>
+          <a:p>
+            <a:pPr marL="666900" lvl="1" indent="-342900" fontAlgn="base">
+              <a:buFont typeface="+mj-lt"/>
+              <a:buAutoNum type="alphaLcParenR"/>
+            </a:pPr>
+            <a:r>
+              <a:rPr lang="zh-CN" altLang="zh-CN" dirty="0"/>
+              <a:t>Group timestamps into 15-minute intervals. </a:t>
+            </a:r>
+          </a:p>
+          <a:p>
+            <a:pPr marL="666900" lvl="1" indent="-342900" fontAlgn="base">
+              <a:buFont typeface="+mj-lt"/>
+              <a:buAutoNum type="alphaLcParenR"/>
+            </a:pPr>
+            <a:r>
+              <a:rPr lang="zh-CN" altLang="zh-CN" dirty="0"/>
+              <a:t>Find start and end times for each interval. </a:t>
+            </a:r>
+          </a:p>
+          <a:p>
+            <a:pPr marL="666900" lvl="1" indent="-342900" fontAlgn="base">
+              <a:buFont typeface="+mj-lt"/>
+              <a:buAutoNum type="alphaLcParenR"/>
+            </a:pPr>
+            <a:r>
+              <a:rPr lang="zh-CN" altLang="zh-CN" dirty="0"/>
+              <a:t>Create a path using ST_MakeLine(). </a:t>
+            </a:r>
+          </a:p>
+          <a:p>
+            <a:pPr marL="666900" lvl="1" indent="-342900" fontAlgn="base">
+              <a:buFont typeface="+mj-lt"/>
+              <a:buAutoNum type="alphaLcParenR"/>
+            </a:pPr>
+            <a:r>
+              <a:rPr lang="zh-CN" altLang="zh-CN" dirty="0"/>
+              <a:t>Filter out intervals with insufficient data. </a:t>
+            </a:r>
+          </a:p>
+          <a:p>
+            <a:pPr marL="666900" lvl="1" indent="-342900" fontAlgn="base">
+              <a:buFont typeface="+mj-lt"/>
+              <a:buAutoNum type="alphaLcParenR"/>
+            </a:pPr>
+            <a:r>
+              <a:rPr lang="zh-CN" altLang="zh-CN" dirty="0"/>
+              <a:t>Store results into a table. </a:t>
+            </a:r>
+          </a:p>
+          <a:p>
+            <a:pPr marL="666900" lvl="1" indent="-342900" fontAlgn="base">
+              <a:buFont typeface="+mj-lt"/>
+              <a:buAutoNum type="alphaLcParenR"/>
+            </a:pPr>
+            <a:r>
+              <a:rPr lang="zh-CN" altLang="zh-CN" dirty="0"/>
+              <a:t>Extract movement statistics (distance, duration). </a:t>
+            </a:r>
+          </a:p>
+          <a:p>
+            <a:pPr marR="0" lvl="0" fontAlgn="base">
+              <a:buFont typeface="Arial" panose="020B0604020202020204" pitchFamily="34" charset="0"/>
+              <a:buChar char="•"/>
+              <a:tabLst/>
+            </a:pPr>
+            <a:r>
+              <a:rPr lang="zh-CN" altLang="zh-CN" dirty="0"/>
+              <a:t>Applications in GIS:</a:t>
+            </a:r>
+          </a:p>
+          <a:p>
+            <a:pPr marL="666900" lvl="1" indent="-342900" fontAlgn="base">
+              <a:buFont typeface="+mj-lt"/>
+              <a:buAutoNum type="alphaLcParenR"/>
+            </a:pPr>
+            <a:r>
+              <a:rPr lang="zh-CN" altLang="zh-CN" dirty="0"/>
+              <a:t>GPS tracking (e.g., analyzing car, ship, or animal movement). </a:t>
+            </a:r>
+          </a:p>
+          <a:p>
+            <a:pPr marL="666900" lvl="1" indent="-342900" fontAlgn="base">
+              <a:buFont typeface="+mj-lt"/>
+              <a:buAutoNum type="alphaLcParenR"/>
+            </a:pPr>
+            <a:r>
+              <a:rPr lang="zh-CN" altLang="zh-CN" dirty="0"/>
+              <a:t>Human mobility studies. </a:t>
+            </a:r>
+          </a:p>
+          <a:p>
+            <a:pPr marL="666900" lvl="1" indent="-342900" fontAlgn="base">
+              <a:buFont typeface="+mj-lt"/>
+              <a:buAutoNum type="alphaLcParenR"/>
+            </a:pPr>
+            <a:r>
+              <a:rPr lang="zh-CN" altLang="zh-CN" dirty="0"/>
+              <a:t>Urban transportation analysis.</a:t>
+            </a:r>
+          </a:p>
+          <a:p>
+            <a:pPr marL="0" marR="0" lvl="0" indent="0" algn="l" defTabSz="914400" rtl="0" eaLnBrk="0" fontAlgn="base" latinLnBrk="0" hangingPunct="0">
+              <a:lnSpc>
+                <a:spcPct val="100000"/>
+              </a:lnSpc>
+              <a:spcBef>
+                <a:spcPct val="0"/>
+              </a:spcBef>
+              <a:spcAft>
+                <a:spcPct val="0"/>
+              </a:spcAft>
+              <a:buClrTx/>
+              <a:buSzTx/>
+              <a:buFontTx/>
+              <a:buNone/>
+              <a:tabLst/>
+            </a:pPr>
+            <a:endParaRPr kumimoji="0" lang="zh-CN" altLang="zh-CN" sz="1800" b="0" i="0" u="none" strike="noStrike" cap="none" normalizeH="0" baseline="0" dirty="0">
+              <a:ln>
+                <a:noFill/>
+              </a:ln>
+              <a:solidFill>
+                <a:schemeClr val="tx1"/>
+              </a:solidFill>
+              <a:effectLst/>
+              <a:latin typeface="Arial" panose="020B0604020202020204" pitchFamily="34" charset="0"/>
+            </a:endParaRPr>
+          </a:p>
+        </p:txBody>
+      </p:sp>
+    </p:spTree>
+    <p:extLst>
+      <p:ext uri="{BB962C8B-B14F-4D97-AF65-F5344CB8AC3E}">
+        <p14:creationId xmlns:p14="http://schemas.microsoft.com/office/powerpoint/2010/main" val="1124793870"/>
+      </p:ext>
+    </p:extLst>
+  </p:cSld>
+  <p:clrMapOvr>
+    <a:masterClrMapping/>
+  </p:clrMapOvr>
+</p:sld>
+</file>
+
 <file path=ppt/slides/slide2.xml><?xml version="1.0" encoding="utf-8"?>
 <p:sld xmlns:a="http://schemas.openxmlformats.org/drawingml/2006/main" xmlns:r="http://schemas.openxmlformats.org/officeDocument/2006/relationships" xmlns:p="http://schemas.openxmlformats.org/presentationml/2006/main">
   <p:cSld>
@@ -5954,6 +11544,1637 @@
       <p:bldP spid="2" grpId="0"/>
     </p:bldLst>
   </p:timing>
+</p:sld>
+</file>
+
+<file path=ppt/slides/slide4.xml><?xml version="1.0" encoding="utf-8"?>
+<p:sld xmlns:a="http://schemas.openxmlformats.org/drawingml/2006/main" xmlns:r="http://schemas.openxmlformats.org/officeDocument/2006/relationships" xmlns:p="http://schemas.openxmlformats.org/presentationml/2006/main">
+  <p:cSld>
+    <p:spTree>
+      <p:nvGrpSpPr>
+        <p:cNvPr id="1" name=""/>
+        <p:cNvGrpSpPr/>
+        <p:nvPr/>
+      </p:nvGrpSpPr>
+      <p:grpSpPr>
+        <a:xfrm>
+          <a:off x="0" y="0"/>
+          <a:ext cx="0" cy="0"/>
+          <a:chOff x="0" y="0"/>
+          <a:chExt cx="0" cy="0"/>
+        </a:xfrm>
+      </p:grpSpPr>
+      <p:sp>
+        <p:nvSpPr>
+          <p:cNvPr id="2" name="Title 1">
+            <a:extLst>
+              <a:ext uri="{FF2B5EF4-FFF2-40B4-BE49-F238E27FC236}">
+                <a16:creationId xmlns:a16="http://schemas.microsoft.com/office/drawing/2014/main" id="{27BFA0A7-C245-5056-D2C2-15479C0606E8}"/>
+              </a:ext>
+            </a:extLst>
+          </p:cNvPr>
+          <p:cNvSpPr>
+            <a:spLocks noGrp="1"/>
+          </p:cNvSpPr>
+          <p:nvPr>
+            <p:ph type="title"/>
+          </p:nvPr>
+        </p:nvSpPr>
+        <p:spPr>
+          <a:xfrm>
+            <a:off x="581191" y="589076"/>
+            <a:ext cx="11029616" cy="587148"/>
+          </a:xfrm>
+        </p:spPr>
+        <p:txBody>
+          <a:bodyPr/>
+          <a:lstStyle/>
+          <a:p>
+            <a:r>
+              <a:rPr lang="en-US" altLang="zh-CN" dirty="0"/>
+              <a:t>Data introduction</a:t>
+            </a:r>
+            <a:endParaRPr lang="zh-CN" altLang="en-US" dirty="0"/>
+          </a:p>
+        </p:txBody>
+      </p:sp>
+      <p:sp>
+        <p:nvSpPr>
+          <p:cNvPr id="3" name="Content Placeholder 2">
+            <a:extLst>
+              <a:ext uri="{FF2B5EF4-FFF2-40B4-BE49-F238E27FC236}">
+                <a16:creationId xmlns:a16="http://schemas.microsoft.com/office/drawing/2014/main" id="{5FFFF310-F51B-C214-226D-FC219848D684}"/>
+              </a:ext>
+            </a:extLst>
+          </p:cNvPr>
+          <p:cNvSpPr>
+            <a:spLocks noGrp="1"/>
+          </p:cNvSpPr>
+          <p:nvPr>
+            <p:ph idx="1"/>
+          </p:nvPr>
+        </p:nvSpPr>
+        <p:spPr>
+          <a:xfrm>
+            <a:off x="581191" y="1271016"/>
+            <a:ext cx="11029615" cy="587148"/>
+          </a:xfrm>
+        </p:spPr>
+        <p:txBody>
+          <a:bodyPr/>
+          <a:lstStyle/>
+          <a:p>
+            <a:r>
+              <a:rPr lang="en-US" altLang="zh-CN" dirty="0" err="1"/>
+              <a:t>aussie_track_points</a:t>
+            </a:r>
+            <a:endParaRPr lang="zh-CN" altLang="en-US" dirty="0"/>
+          </a:p>
+        </p:txBody>
+      </p:sp>
+      <p:sp>
+        <p:nvSpPr>
+          <p:cNvPr id="4" name="Content Placeholder 2">
+            <a:extLst>
+              <a:ext uri="{FF2B5EF4-FFF2-40B4-BE49-F238E27FC236}">
+                <a16:creationId xmlns:a16="http://schemas.microsoft.com/office/drawing/2014/main" id="{A5B0C8C4-54B9-FAE0-5FA8-726923A97A5C}"/>
+              </a:ext>
+            </a:extLst>
+          </p:cNvPr>
+          <p:cNvSpPr txBox="1">
+            <a:spLocks/>
+          </p:cNvSpPr>
+          <p:nvPr/>
+        </p:nvSpPr>
+        <p:spPr>
+          <a:xfrm>
+            <a:off x="581190" y="3810000"/>
+            <a:ext cx="11029615" cy="587148"/>
+          </a:xfrm>
+          <a:prstGeom prst="rect">
+            <a:avLst/>
+          </a:prstGeom>
+        </p:spPr>
+        <p:txBody>
+          <a:bodyPr vert="horz" lIns="91440" tIns="45720" rIns="91440" bIns="45720" rtlCol="0" anchor="ctr">
+            <a:normAutofit/>
+          </a:bodyPr>
+          <a:lstStyle>
+            <a:lvl1pPr marL="306000" indent="-306000" algn="l" defTabSz="457200" rtl="0" eaLnBrk="1" latinLnBrk="0" hangingPunct="1">
+              <a:lnSpc>
+                <a:spcPct val="100000"/>
+              </a:lnSpc>
+              <a:spcBef>
+                <a:spcPct val="20000"/>
+              </a:spcBef>
+              <a:spcAft>
+                <a:spcPts val="600"/>
+              </a:spcAft>
+              <a:buClr>
+                <a:schemeClr val="accent1"/>
+              </a:buClr>
+              <a:buSzPct val="92000"/>
+              <a:buFont typeface="Wingdings 2" panose="05020102010507070707" pitchFamily="18" charset="2"/>
+              <a:buChar char=""/>
+              <a:defRPr sz="1800" kern="1200">
+                <a:solidFill>
+                  <a:schemeClr val="tx1">
+                    <a:lumMod val="75000"/>
+                    <a:lumOff val="25000"/>
+                  </a:schemeClr>
+                </a:solidFill>
+                <a:latin typeface="+mn-lt"/>
+                <a:ea typeface="+mn-ea"/>
+                <a:cs typeface="+mn-cs"/>
+              </a:defRPr>
+            </a:lvl1pPr>
+            <a:lvl2pPr marL="630000" indent="-306000" algn="l" defTabSz="457200" rtl="0" eaLnBrk="1" latinLnBrk="0" hangingPunct="1">
+              <a:lnSpc>
+                <a:spcPct val="100000"/>
+              </a:lnSpc>
+              <a:spcBef>
+                <a:spcPct val="20000"/>
+              </a:spcBef>
+              <a:spcAft>
+                <a:spcPts val="600"/>
+              </a:spcAft>
+              <a:buClr>
+                <a:schemeClr val="accent1"/>
+              </a:buClr>
+              <a:buSzPct val="92000"/>
+              <a:buFont typeface="Wingdings 2" panose="05020102010507070707" pitchFamily="18" charset="2"/>
+              <a:buChar char=""/>
+              <a:defRPr sz="1600" kern="1200">
+                <a:solidFill>
+                  <a:schemeClr val="tx1">
+                    <a:lumMod val="75000"/>
+                    <a:lumOff val="25000"/>
+                  </a:schemeClr>
+                </a:solidFill>
+                <a:latin typeface="+mn-lt"/>
+                <a:ea typeface="+mn-ea"/>
+                <a:cs typeface="+mn-cs"/>
+              </a:defRPr>
+            </a:lvl2pPr>
+            <a:lvl3pPr marL="900000" indent="-270000" algn="l" defTabSz="457200" rtl="0" eaLnBrk="1" latinLnBrk="0" hangingPunct="1">
+              <a:lnSpc>
+                <a:spcPct val="100000"/>
+              </a:lnSpc>
+              <a:spcBef>
+                <a:spcPct val="20000"/>
+              </a:spcBef>
+              <a:spcAft>
+                <a:spcPts val="600"/>
+              </a:spcAft>
+              <a:buClr>
+                <a:schemeClr val="accent1"/>
+              </a:buClr>
+              <a:buSzPct val="92000"/>
+              <a:buFont typeface="Wingdings 2" panose="05020102010507070707" pitchFamily="18" charset="2"/>
+              <a:buChar char=""/>
+              <a:defRPr sz="1400" kern="1200">
+                <a:solidFill>
+                  <a:schemeClr val="tx1">
+                    <a:lumMod val="75000"/>
+                    <a:lumOff val="25000"/>
+                  </a:schemeClr>
+                </a:solidFill>
+                <a:latin typeface="+mn-lt"/>
+                <a:ea typeface="+mn-ea"/>
+                <a:cs typeface="+mn-cs"/>
+              </a:defRPr>
+            </a:lvl3pPr>
+            <a:lvl4pPr marL="1242000" indent="-234000" algn="l" defTabSz="457200" rtl="0" eaLnBrk="1" latinLnBrk="0" hangingPunct="1">
+              <a:lnSpc>
+                <a:spcPct val="100000"/>
+              </a:lnSpc>
+              <a:spcBef>
+                <a:spcPct val="20000"/>
+              </a:spcBef>
+              <a:spcAft>
+                <a:spcPts val="600"/>
+              </a:spcAft>
+              <a:buClr>
+                <a:schemeClr val="accent1"/>
+              </a:buClr>
+              <a:buSzPct val="92000"/>
+              <a:buFont typeface="Wingdings 2" panose="05020102010507070707" pitchFamily="18" charset="2"/>
+              <a:buChar char=""/>
+              <a:defRPr sz="1200" kern="1200">
+                <a:solidFill>
+                  <a:schemeClr val="tx1">
+                    <a:lumMod val="75000"/>
+                    <a:lumOff val="25000"/>
+                  </a:schemeClr>
+                </a:solidFill>
+                <a:latin typeface="+mn-lt"/>
+                <a:ea typeface="+mn-ea"/>
+                <a:cs typeface="+mn-cs"/>
+              </a:defRPr>
+            </a:lvl4pPr>
+            <a:lvl5pPr marL="1602000" indent="-234000" algn="l" defTabSz="457200" rtl="0" eaLnBrk="1" latinLnBrk="0" hangingPunct="1">
+              <a:lnSpc>
+                <a:spcPct val="100000"/>
+              </a:lnSpc>
+              <a:spcBef>
+                <a:spcPct val="20000"/>
+              </a:spcBef>
+              <a:spcAft>
+                <a:spcPts val="600"/>
+              </a:spcAft>
+              <a:buClr>
+                <a:schemeClr val="accent1"/>
+              </a:buClr>
+              <a:buSzPct val="92000"/>
+              <a:buFont typeface="Wingdings 2" panose="05020102010507070707" pitchFamily="18" charset="2"/>
+              <a:buChar char=""/>
+              <a:defRPr sz="1200" kern="1200">
+                <a:solidFill>
+                  <a:schemeClr val="tx1">
+                    <a:lumMod val="75000"/>
+                    <a:lumOff val="25000"/>
+                  </a:schemeClr>
+                </a:solidFill>
+                <a:latin typeface="+mn-lt"/>
+                <a:ea typeface="+mn-ea"/>
+                <a:cs typeface="+mn-cs"/>
+              </a:defRPr>
+            </a:lvl5pPr>
+            <a:lvl6pPr marL="1900000" indent="-228600" algn="l" defTabSz="457200" rtl="0" eaLnBrk="1" latinLnBrk="0" hangingPunct="1">
+              <a:spcBef>
+                <a:spcPct val="20000"/>
+              </a:spcBef>
+              <a:spcAft>
+                <a:spcPts val="600"/>
+              </a:spcAft>
+              <a:buClr>
+                <a:schemeClr val="accent2"/>
+              </a:buClr>
+              <a:buSzPct val="92000"/>
+              <a:buFont typeface="Wingdings 2" panose="05020102010507070707" pitchFamily="18" charset="2"/>
+              <a:buChar char=""/>
+              <a:defRPr sz="1200" kern="1200">
+                <a:solidFill>
+                  <a:schemeClr val="tx2"/>
+                </a:solidFill>
+                <a:latin typeface="+mn-lt"/>
+                <a:ea typeface="+mn-ea"/>
+                <a:cs typeface="+mn-cs"/>
+              </a:defRPr>
+            </a:lvl6pPr>
+            <a:lvl7pPr marL="2200000" indent="-228600" algn="l" defTabSz="457200" rtl="0" eaLnBrk="1" latinLnBrk="0" hangingPunct="1">
+              <a:spcBef>
+                <a:spcPct val="20000"/>
+              </a:spcBef>
+              <a:spcAft>
+                <a:spcPts val="600"/>
+              </a:spcAft>
+              <a:buClr>
+                <a:schemeClr val="accent2"/>
+              </a:buClr>
+              <a:buSzPct val="92000"/>
+              <a:buFont typeface="Wingdings 2" panose="05020102010507070707" pitchFamily="18" charset="2"/>
+              <a:buChar char=""/>
+              <a:defRPr sz="1200" kern="1200">
+                <a:solidFill>
+                  <a:schemeClr val="tx2"/>
+                </a:solidFill>
+                <a:latin typeface="+mn-lt"/>
+                <a:ea typeface="+mn-ea"/>
+                <a:cs typeface="+mn-cs"/>
+              </a:defRPr>
+            </a:lvl7pPr>
+            <a:lvl8pPr marL="2500000" indent="-228600" algn="l" defTabSz="457200" rtl="0" eaLnBrk="1" latinLnBrk="0" hangingPunct="1">
+              <a:spcBef>
+                <a:spcPct val="20000"/>
+              </a:spcBef>
+              <a:spcAft>
+                <a:spcPts val="600"/>
+              </a:spcAft>
+              <a:buClr>
+                <a:schemeClr val="accent2"/>
+              </a:buClr>
+              <a:buSzPct val="92000"/>
+              <a:buFont typeface="Wingdings 2" panose="05020102010507070707" pitchFamily="18" charset="2"/>
+              <a:buChar char=""/>
+              <a:defRPr sz="1200" kern="1200">
+                <a:solidFill>
+                  <a:schemeClr val="tx2"/>
+                </a:solidFill>
+                <a:latin typeface="+mn-lt"/>
+                <a:ea typeface="+mn-ea"/>
+                <a:cs typeface="+mn-cs"/>
+              </a:defRPr>
+            </a:lvl8pPr>
+            <a:lvl9pPr marL="2800000" indent="-228600" algn="l" defTabSz="457200" rtl="0" eaLnBrk="1" latinLnBrk="0" hangingPunct="1">
+              <a:spcBef>
+                <a:spcPct val="20000"/>
+              </a:spcBef>
+              <a:spcAft>
+                <a:spcPts val="600"/>
+              </a:spcAft>
+              <a:buClr>
+                <a:schemeClr val="accent2"/>
+              </a:buClr>
+              <a:buSzPct val="92000"/>
+              <a:buFont typeface="Wingdings 2" panose="05020102010507070707" pitchFamily="18" charset="2"/>
+              <a:buChar char=""/>
+              <a:defRPr sz="1200" kern="1200">
+                <a:solidFill>
+                  <a:schemeClr val="tx2"/>
+                </a:solidFill>
+                <a:latin typeface="+mn-lt"/>
+                <a:ea typeface="+mn-ea"/>
+                <a:cs typeface="+mn-cs"/>
+              </a:defRPr>
+            </a:lvl9pPr>
+          </a:lstStyle>
+          <a:p>
+            <a:r>
+              <a:rPr lang="en-US" altLang="zh-CN" dirty="0" err="1"/>
+              <a:t>aussie_track</a:t>
+            </a:r>
+            <a:endParaRPr lang="zh-CN" altLang="en-US" dirty="0"/>
+          </a:p>
+        </p:txBody>
+      </p:sp>
+      <p:pic>
+        <p:nvPicPr>
+          <p:cNvPr id="7" name="Picture 6">
+            <a:extLst>
+              <a:ext uri="{FF2B5EF4-FFF2-40B4-BE49-F238E27FC236}">
+                <a16:creationId xmlns:a16="http://schemas.microsoft.com/office/drawing/2014/main" id="{25CFFED8-06A6-2023-AC09-053F23F7EB69}"/>
+              </a:ext>
+            </a:extLst>
+          </p:cNvPr>
+          <p:cNvPicPr>
+            <a:picLocks noChangeAspect="1"/>
+          </p:cNvPicPr>
+          <p:nvPr/>
+        </p:nvPicPr>
+        <p:blipFill>
+          <a:blip r:embed="rId2"/>
+          <a:stretch>
+            <a:fillRect/>
+          </a:stretch>
+        </p:blipFill>
+        <p:spPr>
+          <a:xfrm>
+            <a:off x="3647313" y="1271016"/>
+            <a:ext cx="4106799" cy="2545123"/>
+          </a:xfrm>
+          <a:prstGeom prst="rect">
+            <a:avLst/>
+          </a:prstGeom>
+        </p:spPr>
+      </p:pic>
+      <p:pic>
+        <p:nvPicPr>
+          <p:cNvPr id="11" name="Picture 10">
+            <a:extLst>
+              <a:ext uri="{FF2B5EF4-FFF2-40B4-BE49-F238E27FC236}">
+                <a16:creationId xmlns:a16="http://schemas.microsoft.com/office/drawing/2014/main" id="{EDCD5C82-E9F5-4190-D57A-3DA710716C84}"/>
+              </a:ext>
+            </a:extLst>
+          </p:cNvPr>
+          <p:cNvPicPr>
+            <a:picLocks noChangeAspect="1"/>
+          </p:cNvPicPr>
+          <p:nvPr/>
+        </p:nvPicPr>
+        <p:blipFill>
+          <a:blip r:embed="rId3"/>
+          <a:stretch>
+            <a:fillRect/>
+          </a:stretch>
+        </p:blipFill>
+        <p:spPr>
+          <a:xfrm>
+            <a:off x="3647313" y="4283306"/>
+            <a:ext cx="4106799" cy="2391814"/>
+          </a:xfrm>
+          <a:prstGeom prst="rect">
+            <a:avLst/>
+          </a:prstGeom>
+        </p:spPr>
+      </p:pic>
+      <p:sp>
+        <p:nvSpPr>
+          <p:cNvPr id="6" name="TextBox 5">
+            <a:extLst>
+              <a:ext uri="{FF2B5EF4-FFF2-40B4-BE49-F238E27FC236}">
+                <a16:creationId xmlns:a16="http://schemas.microsoft.com/office/drawing/2014/main" id="{FC322342-8D2B-D7B2-5308-406550FCCC5E}"/>
+              </a:ext>
+            </a:extLst>
+          </p:cNvPr>
+          <p:cNvSpPr txBox="1"/>
+          <p:nvPr/>
+        </p:nvSpPr>
+        <p:spPr>
+          <a:xfrm>
+            <a:off x="7055189" y="6149833"/>
+            <a:ext cx="5055375" cy="600164"/>
+          </a:xfrm>
+          <a:prstGeom prst="rect">
+            <a:avLst/>
+          </a:prstGeom>
+          <a:noFill/>
+        </p:spPr>
+        <p:txBody>
+          <a:bodyPr wrap="square">
+            <a:spAutoFit/>
+          </a:bodyPr>
+          <a:lstStyle/>
+          <a:p>
+            <a:r>
+              <a:rPr lang="zh-CN" altLang="en-US" sz="1100" dirty="0"/>
+              <a:t>Aussie tracks is data GPS data loaded from OpenStreetMap</a:t>
+            </a:r>
+          </a:p>
+          <a:p>
+            <a:r>
+              <a:rPr lang="zh-CN" altLang="en-US" sz="1100" dirty="0"/>
+              <a:t>https://www.openstreetmap.org/user/Ash%20Kyd/traces/468761 (Bike Trip around Naragba, Queensland, Australia</a:t>
+            </a:r>
+          </a:p>
+        </p:txBody>
+      </p:sp>
+    </p:spTree>
+    <p:extLst>
+      <p:ext uri="{BB962C8B-B14F-4D97-AF65-F5344CB8AC3E}">
+        <p14:creationId xmlns:p14="http://schemas.microsoft.com/office/powerpoint/2010/main" val="2288371443"/>
+      </p:ext>
+    </p:extLst>
+  </p:cSld>
+  <p:clrMapOvr>
+    <a:masterClrMapping/>
+  </p:clrMapOvr>
+</p:sld>
+</file>
+
+<file path=ppt/slides/slide5.xml><?xml version="1.0" encoding="utf-8"?>
+<p:sld xmlns:a="http://schemas.openxmlformats.org/drawingml/2006/main" xmlns:r="http://schemas.openxmlformats.org/officeDocument/2006/relationships" xmlns:p="http://schemas.openxmlformats.org/presentationml/2006/main">
+  <p:cSld>
+    <p:spTree>
+      <p:nvGrpSpPr>
+        <p:cNvPr id="1" name=""/>
+        <p:cNvGrpSpPr/>
+        <p:nvPr/>
+      </p:nvGrpSpPr>
+      <p:grpSpPr>
+        <a:xfrm>
+          <a:off x="0" y="0"/>
+          <a:ext cx="0" cy="0"/>
+          <a:chOff x="0" y="0"/>
+          <a:chExt cx="0" cy="0"/>
+        </a:xfrm>
+      </p:grpSpPr>
+      <p:sp>
+        <p:nvSpPr>
+          <p:cNvPr id="2" name="Title 1">
+            <a:extLst>
+              <a:ext uri="{FF2B5EF4-FFF2-40B4-BE49-F238E27FC236}">
+                <a16:creationId xmlns:a16="http://schemas.microsoft.com/office/drawing/2014/main" id="{3E1B379E-C3FE-4E67-6391-E29EC687B2DB}"/>
+              </a:ext>
+            </a:extLst>
+          </p:cNvPr>
+          <p:cNvSpPr>
+            <a:spLocks noGrp="1"/>
+          </p:cNvSpPr>
+          <p:nvPr>
+            <p:ph type="title"/>
+          </p:nvPr>
+        </p:nvSpPr>
+        <p:spPr>
+          <a:xfrm>
+            <a:off x="581192" y="702156"/>
+            <a:ext cx="11029616" cy="582192"/>
+          </a:xfrm>
+        </p:spPr>
+        <p:txBody>
+          <a:bodyPr/>
+          <a:lstStyle/>
+          <a:p>
+            <a:r>
+              <a:rPr lang="en-US" altLang="zh-CN" dirty="0"/>
+              <a:t>Linear path from point observations</a:t>
+            </a:r>
+            <a:endParaRPr lang="zh-CN" altLang="en-US" dirty="0"/>
+          </a:p>
+        </p:txBody>
+      </p:sp>
+      <p:sp>
+        <p:nvSpPr>
+          <p:cNvPr id="3" name="Content Placeholder 2">
+            <a:extLst>
+              <a:ext uri="{FF2B5EF4-FFF2-40B4-BE49-F238E27FC236}">
+                <a16:creationId xmlns:a16="http://schemas.microsoft.com/office/drawing/2014/main" id="{C7B99CB0-931A-2E09-2BA2-B3F5F4EFDFD6}"/>
+              </a:ext>
+            </a:extLst>
+          </p:cNvPr>
+          <p:cNvSpPr>
+            <a:spLocks noGrp="1"/>
+          </p:cNvSpPr>
+          <p:nvPr>
+            <p:ph idx="1"/>
+          </p:nvPr>
+        </p:nvSpPr>
+        <p:spPr>
+          <a:xfrm>
+            <a:off x="644013" y="1628888"/>
+            <a:ext cx="11029615" cy="1547081"/>
+          </a:xfrm>
+        </p:spPr>
+        <p:txBody>
+          <a:bodyPr/>
+          <a:lstStyle/>
+          <a:p>
+            <a:pPr>
+              <a:buFont typeface="Arial" panose="020B0604020202020204" pitchFamily="34" charset="0"/>
+              <a:buChar char="•"/>
+            </a:pPr>
+            <a:r>
+              <a:rPr lang="en-US" altLang="zh-CN" dirty="0"/>
+              <a:t>Examples of applications: GPS tracking (e.g., vehicle movement, animal migration).</a:t>
+            </a:r>
+          </a:p>
+          <a:p>
+            <a:pPr>
+              <a:buFont typeface="Arial" panose="020B0604020202020204" pitchFamily="34" charset="0"/>
+              <a:buChar char="•"/>
+            </a:pPr>
+            <a:r>
+              <a:rPr lang="en-US" altLang="zh-CN" dirty="0"/>
+              <a:t>Route reconstruction from timestamped observations.</a:t>
+            </a:r>
+          </a:p>
+          <a:p>
+            <a:pPr>
+              <a:buFont typeface="Arial" panose="020B0604020202020204" pitchFamily="34" charset="0"/>
+              <a:buChar char="•"/>
+            </a:pPr>
+            <a:r>
+              <a:rPr lang="en-US" altLang="zh-CN" dirty="0"/>
+              <a:t>Mapping historical travel routes.</a:t>
+            </a:r>
+          </a:p>
+          <a:p>
+            <a:endParaRPr lang="zh-CN" altLang="en-US" dirty="0"/>
+          </a:p>
+        </p:txBody>
+      </p:sp>
+    </p:spTree>
+    <p:extLst>
+      <p:ext uri="{BB962C8B-B14F-4D97-AF65-F5344CB8AC3E}">
+        <p14:creationId xmlns:p14="http://schemas.microsoft.com/office/powerpoint/2010/main" val="2849350944"/>
+      </p:ext>
+    </p:extLst>
+  </p:cSld>
+  <p:clrMapOvr>
+    <a:masterClrMapping/>
+  </p:clrMapOvr>
+</p:sld>
+</file>
+
+<file path=ppt/slides/slide6.xml><?xml version="1.0" encoding="utf-8"?>
+<p:sld xmlns:a="http://schemas.openxmlformats.org/drawingml/2006/main" xmlns:r="http://schemas.openxmlformats.org/officeDocument/2006/relationships" xmlns:p="http://schemas.openxmlformats.org/presentationml/2006/main">
+  <p:cSld>
+    <p:spTree>
+      <p:nvGrpSpPr>
+        <p:cNvPr id="1" name=""/>
+        <p:cNvGrpSpPr/>
+        <p:nvPr/>
+      </p:nvGrpSpPr>
+      <p:grpSpPr>
+        <a:xfrm>
+          <a:off x="0" y="0"/>
+          <a:ext cx="0" cy="0"/>
+          <a:chOff x="0" y="0"/>
+          <a:chExt cx="0" cy="0"/>
+        </a:xfrm>
+      </p:grpSpPr>
+      <p:sp>
+        <p:nvSpPr>
+          <p:cNvPr id="2" name="Title 1">
+            <a:extLst>
+              <a:ext uri="{FF2B5EF4-FFF2-40B4-BE49-F238E27FC236}">
+                <a16:creationId xmlns:a16="http://schemas.microsoft.com/office/drawing/2014/main" id="{991D07FB-81F9-C524-A6DB-56F49A42A72A}"/>
+              </a:ext>
+            </a:extLst>
+          </p:cNvPr>
+          <p:cNvSpPr>
+            <a:spLocks noGrp="1"/>
+          </p:cNvSpPr>
+          <p:nvPr>
+            <p:ph type="title"/>
+          </p:nvPr>
+        </p:nvSpPr>
+        <p:spPr>
+          <a:xfrm>
+            <a:off x="581192" y="702156"/>
+            <a:ext cx="11029616" cy="603133"/>
+          </a:xfrm>
+        </p:spPr>
+        <p:txBody>
+          <a:bodyPr/>
+          <a:lstStyle/>
+          <a:p>
+            <a:r>
+              <a:rPr lang="en-US" altLang="zh-CN" dirty="0"/>
+              <a:t>workflow</a:t>
+            </a:r>
+            <a:endParaRPr lang="zh-CN" altLang="en-US" dirty="0"/>
+          </a:p>
+        </p:txBody>
+      </p:sp>
+      <p:graphicFrame>
+        <p:nvGraphicFramePr>
+          <p:cNvPr id="4" name="Content Placeholder 3">
+            <a:extLst>
+              <a:ext uri="{FF2B5EF4-FFF2-40B4-BE49-F238E27FC236}">
+                <a16:creationId xmlns:a16="http://schemas.microsoft.com/office/drawing/2014/main" id="{E16F010C-9266-F5ED-5BD3-326FD81F4FFF}"/>
+              </a:ext>
+            </a:extLst>
+          </p:cNvPr>
+          <p:cNvGraphicFramePr>
+            <a:graphicFrameLocks noGrp="1"/>
+          </p:cNvGraphicFramePr>
+          <p:nvPr>
+            <p:ph idx="1"/>
+            <p:extLst>
+              <p:ext uri="{D42A27DB-BD31-4B8C-83A1-F6EECF244321}">
+                <p14:modId xmlns:p14="http://schemas.microsoft.com/office/powerpoint/2010/main" val="2137231702"/>
+              </p:ext>
+            </p:extLst>
+          </p:nvPr>
+        </p:nvGraphicFramePr>
+        <p:xfrm>
+          <a:off x="657806" y="2432305"/>
+          <a:ext cx="11029950" cy="3633787"/>
+        </p:xfrm>
+        <a:graphic>
+          <a:graphicData uri="http://schemas.openxmlformats.org/drawingml/2006/diagram">
+            <dgm:relIds xmlns:dgm="http://schemas.openxmlformats.org/drawingml/2006/diagram" xmlns:r="http://schemas.openxmlformats.org/officeDocument/2006/relationships" r:dm="rId2" r:lo="rId3" r:qs="rId4" r:cs="rId5"/>
+          </a:graphicData>
+        </a:graphic>
+      </p:graphicFrame>
+    </p:spTree>
+    <p:extLst>
+      <p:ext uri="{BB962C8B-B14F-4D97-AF65-F5344CB8AC3E}">
+        <p14:creationId xmlns:p14="http://schemas.microsoft.com/office/powerpoint/2010/main" val="4251961881"/>
+      </p:ext>
+    </p:extLst>
+  </p:cSld>
+  <p:clrMapOvr>
+    <a:masterClrMapping/>
+  </p:clrMapOvr>
+</p:sld>
+</file>
+
+<file path=ppt/slides/slide7.xml><?xml version="1.0" encoding="utf-8"?>
+<p:sld xmlns:a="http://schemas.openxmlformats.org/drawingml/2006/main" xmlns:r="http://schemas.openxmlformats.org/officeDocument/2006/relationships" xmlns:p="http://schemas.openxmlformats.org/presentationml/2006/main">
+  <p:cSld>
+    <p:spTree>
+      <p:nvGrpSpPr>
+        <p:cNvPr id="1" name=""/>
+        <p:cNvGrpSpPr/>
+        <p:nvPr/>
+      </p:nvGrpSpPr>
+      <p:grpSpPr>
+        <a:xfrm>
+          <a:off x="0" y="0"/>
+          <a:ext cx="0" cy="0"/>
+          <a:chOff x="0" y="0"/>
+          <a:chExt cx="0" cy="0"/>
+        </a:xfrm>
+      </p:grpSpPr>
+      <p:sp>
+        <p:nvSpPr>
+          <p:cNvPr id="2" name="Title 1">
+            <a:extLst>
+              <a:ext uri="{FF2B5EF4-FFF2-40B4-BE49-F238E27FC236}">
+                <a16:creationId xmlns:a16="http://schemas.microsoft.com/office/drawing/2014/main" id="{0941E64E-9517-16B2-E9EA-0A1E7724B031}"/>
+              </a:ext>
+            </a:extLst>
+          </p:cNvPr>
+          <p:cNvSpPr>
+            <a:spLocks noGrp="1"/>
+          </p:cNvSpPr>
+          <p:nvPr>
+            <p:ph type="title"/>
+          </p:nvPr>
+        </p:nvSpPr>
+        <p:spPr>
+          <a:xfrm>
+            <a:off x="581192" y="702156"/>
+            <a:ext cx="11029616" cy="533331"/>
+          </a:xfrm>
+        </p:spPr>
+        <p:txBody>
+          <a:bodyPr/>
+          <a:lstStyle/>
+          <a:p>
+            <a:r>
+              <a:rPr lang="en-US" altLang="zh-CN" b="1" dirty="0"/>
+              <a:t>Step 1: grouping Time into 15-min intervals</a:t>
+            </a:r>
+            <a:endParaRPr lang="zh-CN" altLang="en-US" b="1" dirty="0"/>
+          </a:p>
+        </p:txBody>
+      </p:sp>
+      <p:sp>
+        <p:nvSpPr>
+          <p:cNvPr id="4" name="Rectangle 1">
+            <a:extLst>
+              <a:ext uri="{FF2B5EF4-FFF2-40B4-BE49-F238E27FC236}">
+                <a16:creationId xmlns:a16="http://schemas.microsoft.com/office/drawing/2014/main" id="{E9B21431-DA96-DE8E-9911-8EAAFF5818C7}"/>
+              </a:ext>
+            </a:extLst>
+          </p:cNvPr>
+          <p:cNvSpPr>
+            <a:spLocks noGrp="1" noChangeArrowheads="1"/>
+          </p:cNvSpPr>
+          <p:nvPr>
+            <p:ph idx="1"/>
+          </p:nvPr>
+        </p:nvSpPr>
+        <p:spPr bwMode="auto">
+          <a:xfrm>
+            <a:off x="832478" y="1556061"/>
+            <a:ext cx="7742312" cy="778675"/>
+          </a:xfrm>
+          <a:prstGeom prst="rect">
+            <a:avLst/>
+          </a:prstGeom>
+          <a:noFill/>
+          <a:ln>
+            <a:noFill/>
+          </a:ln>
+          <a:effectLst/>
+          <a:extLst>
+            <a:ext uri="{909E8E84-426E-40DD-AFC4-6F175D3DCCD1}">
+              <a14:hiddenFill xmlns:a14="http://schemas.microsoft.com/office/drawing/2010/main">
+                <a:solidFill>
+                  <a:schemeClr val="accent1"/>
+                </a:solidFill>
+              </a14:hiddenFill>
+            </a:ext>
+            <a:ext uri="{91240B29-F687-4F45-9708-019B960494DF}">
+              <a14:hiddenLine xmlns:a14="http://schemas.microsoft.com/office/drawing/2010/main" w="9525">
+                <a:solidFill>
+                  <a:schemeClr val="tx1"/>
+                </a:solidFill>
+                <a:miter lim="800000"/>
+                <a:headEnd/>
+                <a:tailEnd/>
+              </a14:hiddenLine>
+            </a:ext>
+            <a:ext uri="{AF507438-7753-43E0-B8FC-AC1667EBCBE1}">
+              <a14:hiddenEffects xmlns:a14="http://schemas.microsoft.com/office/drawing/2010/main">
+                <a:effectLst>
+                  <a:outerShdw dist="35921" dir="2700000" algn="ctr" rotWithShape="0">
+                    <a:schemeClr val="bg2"/>
+                  </a:outerShdw>
+                </a:effectLst>
+              </a14:hiddenEffects>
+            </a:ext>
+          </a:extLst>
+        </p:spPr>
+        <p:txBody>
+          <a:bodyPr vert="horz" wrap="none" lIns="91440" tIns="45720" rIns="91440" bIns="45720" numCol="1" anchor="ctr" anchorCtr="0" compatLnSpc="1">
+            <a:prstTxWarp prst="textNoShape">
+              <a:avLst/>
+            </a:prstTxWarp>
+            <a:spAutoFit/>
+          </a:bodyPr>
+          <a:lstStyle/>
+          <a:p>
+            <a:pPr marR="0" lvl="0" fontAlgn="base">
+              <a:buFont typeface="Arial" panose="020B0604020202020204" pitchFamily="34" charset="0"/>
+              <a:buChar char="•"/>
+              <a:tabLst/>
+            </a:pPr>
+            <a:r>
+              <a:rPr lang="zh-CN" altLang="zh-CN" dirty="0"/>
+              <a:t>GPS data is often recorded at irregular intervals. </a:t>
+            </a:r>
+          </a:p>
+          <a:p>
+            <a:pPr marR="0" lvl="0" fontAlgn="base">
+              <a:buFont typeface="Arial" panose="020B0604020202020204" pitchFamily="34" charset="0"/>
+              <a:buChar char="•"/>
+              <a:tabLst/>
+            </a:pPr>
+            <a:r>
+              <a:rPr lang="zh-CN" altLang="zh-CN" dirty="0"/>
+              <a:t>To analyze movement trends, we group timestamps into 15-minute intervals. </a:t>
+            </a:r>
+          </a:p>
+        </p:txBody>
+      </p:sp>
+      <p:sp>
+        <p:nvSpPr>
+          <p:cNvPr id="6" name="Rectangle 2">
+            <a:extLst>
+              <a:ext uri="{FF2B5EF4-FFF2-40B4-BE49-F238E27FC236}">
+                <a16:creationId xmlns:a16="http://schemas.microsoft.com/office/drawing/2014/main" id="{A1932DC9-1569-AD8C-98E9-45E1D85620B8}"/>
+              </a:ext>
+            </a:extLst>
+          </p:cNvPr>
+          <p:cNvSpPr>
+            <a:spLocks noChangeArrowheads="1"/>
+          </p:cNvSpPr>
+          <p:nvPr/>
+        </p:nvSpPr>
+        <p:spPr bwMode="auto">
+          <a:xfrm>
+            <a:off x="832478" y="2725850"/>
+            <a:ext cx="10951860" cy="1797415"/>
+          </a:xfrm>
+          <a:prstGeom prst="rect">
+            <a:avLst/>
+          </a:prstGeom>
+          <a:noFill/>
+          <a:ln>
+            <a:noFill/>
+          </a:ln>
+          <a:effectLst/>
+          <a:extLst>
+            <a:ext uri="{909E8E84-426E-40DD-AFC4-6F175D3DCCD1}">
+              <a14:hiddenFill xmlns:a14="http://schemas.microsoft.com/office/drawing/2010/main">
+                <a:solidFill>
+                  <a:schemeClr val="accent1"/>
+                </a:solidFill>
+              </a14:hiddenFill>
+            </a:ext>
+            <a:ext uri="{91240B29-F687-4F45-9708-019B960494DF}">
+              <a14:hiddenLine xmlns:a14="http://schemas.microsoft.com/office/drawing/2010/main" w="9525">
+                <a:solidFill>
+                  <a:schemeClr val="tx1"/>
+                </a:solidFill>
+                <a:miter lim="800000"/>
+                <a:headEnd/>
+                <a:tailEnd/>
+              </a14:hiddenLine>
+            </a:ext>
+            <a:ext uri="{AF507438-7753-43E0-B8FC-AC1667EBCBE1}">
+              <a14:hiddenEffects xmlns:a14="http://schemas.microsoft.com/office/drawing/2010/main">
+                <a:effectLst>
+                  <a:outerShdw dist="35921" dir="2700000" algn="ctr" rotWithShape="0">
+                    <a:schemeClr val="bg2"/>
+                  </a:outerShdw>
+                </a:effectLst>
+              </a14:hiddenEffects>
+            </a:ext>
+          </a:extLst>
+        </p:spPr>
+        <p:txBody>
+          <a:bodyPr vert="horz" wrap="square" lIns="91440" tIns="45720" rIns="91440" bIns="45720" numCol="1" anchor="ctr" anchorCtr="0" compatLnSpc="1">
+            <a:prstTxWarp prst="textNoShape">
+              <a:avLst/>
+            </a:prstTxWarp>
+            <a:spAutoFit/>
+          </a:bodyPr>
+          <a:lstStyle/>
+          <a:p>
+            <a:pPr marL="0" marR="0" lvl="0" indent="0" algn="l" defTabSz="914400" rtl="0" eaLnBrk="0" fontAlgn="base" latinLnBrk="0" hangingPunct="0">
+              <a:lnSpc>
+                <a:spcPct val="100000"/>
+              </a:lnSpc>
+              <a:spcBef>
+                <a:spcPct val="0"/>
+              </a:spcBef>
+              <a:spcAft>
+                <a:spcPct val="0"/>
+              </a:spcAft>
+              <a:buClrTx/>
+              <a:buSzTx/>
+              <a:buFontTx/>
+              <a:buNone/>
+              <a:tabLst/>
+            </a:pPr>
+            <a:r>
+              <a:rPr kumimoji="0" lang="en-US" altLang="zh-CN" sz="1800" b="0" i="0" u="none" strike="noStrike" cap="none" normalizeH="0" baseline="0" dirty="0">
+                <a:ln>
+                  <a:noFill/>
+                </a:ln>
+                <a:solidFill>
+                  <a:schemeClr val="tx1"/>
+                </a:solidFill>
+                <a:effectLst/>
+                <a:latin typeface="Arial" panose="020B0604020202020204" pitchFamily="34" charset="0"/>
+              </a:rPr>
+              <a:t>Function </a:t>
+            </a:r>
+          </a:p>
+          <a:p>
+            <a:pPr marL="306000" indent="-306000" fontAlgn="base">
+              <a:spcBef>
+                <a:spcPct val="20000"/>
+              </a:spcBef>
+              <a:spcAft>
+                <a:spcPts val="600"/>
+              </a:spcAft>
+              <a:buClr>
+                <a:schemeClr val="accent1"/>
+              </a:buClr>
+              <a:buSzPct val="92000"/>
+              <a:buFont typeface="Arial" panose="020B0604020202020204" pitchFamily="34" charset="0"/>
+              <a:buChar char="•"/>
+            </a:pPr>
+            <a:r>
+              <a:rPr lang="en-US" altLang="zh-CN" dirty="0" err="1">
+                <a:solidFill>
+                  <a:schemeClr val="tx1">
+                    <a:lumMod val="75000"/>
+                    <a:lumOff val="25000"/>
+                  </a:schemeClr>
+                </a:solidFill>
+                <a:hlinkClick r:id="rId2">
+                  <a:extLst>
+                    <a:ext uri="{A12FA001-AC4F-418D-AE19-62706E023703}">
+                      <ahyp:hlinkClr xmlns:ahyp="http://schemas.microsoft.com/office/drawing/2018/hyperlinkcolor" val="tx"/>
+                    </a:ext>
+                  </a:extLst>
+                </a:hlinkClick>
+              </a:rPr>
+              <a:t>date_trunc</a:t>
+            </a:r>
+            <a:r>
+              <a:rPr lang="en-US" altLang="zh-CN" dirty="0">
+                <a:solidFill>
+                  <a:schemeClr val="tx1">
+                    <a:lumMod val="75000"/>
+                    <a:lumOff val="25000"/>
+                  </a:schemeClr>
+                </a:solidFill>
+              </a:rPr>
+              <a:t>(field, source [, </a:t>
+            </a:r>
+            <a:r>
+              <a:rPr lang="en-US" altLang="zh-CN" dirty="0" err="1">
+                <a:solidFill>
+                  <a:schemeClr val="tx1">
+                    <a:lumMod val="75000"/>
+                    <a:lumOff val="25000"/>
+                  </a:schemeClr>
+                </a:solidFill>
+              </a:rPr>
+              <a:t>time_zone</a:t>
+            </a:r>
+            <a:r>
+              <a:rPr lang="en-US" altLang="zh-CN" dirty="0">
+                <a:solidFill>
+                  <a:schemeClr val="tx1">
+                    <a:lumMod val="75000"/>
+                    <a:lumOff val="25000"/>
+                  </a:schemeClr>
+                </a:solidFill>
+              </a:rPr>
+              <a:t> ])</a:t>
+            </a:r>
+          </a:p>
+          <a:p>
+            <a:pPr marL="0" marR="0" lvl="0" indent="0" algn="l" defTabSz="914400" rtl="0" eaLnBrk="0" fontAlgn="base" latinLnBrk="0" hangingPunct="0">
+              <a:lnSpc>
+                <a:spcPct val="100000"/>
+              </a:lnSpc>
+              <a:spcBef>
+                <a:spcPct val="0"/>
+              </a:spcBef>
+              <a:spcAft>
+                <a:spcPct val="0"/>
+              </a:spcAft>
+              <a:buClrTx/>
+              <a:buSzTx/>
+              <a:buFontTx/>
+              <a:buNone/>
+              <a:tabLst/>
+            </a:pPr>
+            <a:endParaRPr lang="en-US" altLang="zh-CN" dirty="0">
+              <a:latin typeface="Arial" panose="020B0604020202020204" pitchFamily="34" charset="0"/>
+            </a:endParaRPr>
+          </a:p>
+          <a:p>
+            <a:pPr marL="342900" indent="-342900" fontAlgn="base">
+              <a:spcBef>
+                <a:spcPct val="20000"/>
+              </a:spcBef>
+              <a:spcAft>
+                <a:spcPts val="600"/>
+              </a:spcAft>
+              <a:buClr>
+                <a:schemeClr val="accent1"/>
+              </a:buClr>
+              <a:buSzPct val="92000"/>
+              <a:buFont typeface="+mj-lt"/>
+              <a:buAutoNum type="arabicPeriod"/>
+            </a:pPr>
+            <a:r>
+              <a:rPr lang="en-US" altLang="zh-CN" dirty="0">
+                <a:solidFill>
+                  <a:schemeClr val="tx1">
+                    <a:lumMod val="75000"/>
+                    <a:lumOff val="25000"/>
+                  </a:schemeClr>
+                </a:solidFill>
+              </a:rPr>
+              <a:t>source is a value expression of type timestamp, timestamp with time zone, or interval. </a:t>
+            </a:r>
+          </a:p>
+          <a:p>
+            <a:pPr marL="306000" indent="-306000" fontAlgn="base">
+              <a:spcBef>
+                <a:spcPct val="20000"/>
+              </a:spcBef>
+              <a:spcAft>
+                <a:spcPts val="600"/>
+              </a:spcAft>
+              <a:buClr>
+                <a:schemeClr val="accent1"/>
+              </a:buClr>
+              <a:buSzPct val="92000"/>
+              <a:buFont typeface="Arial" panose="020B0604020202020204" pitchFamily="34" charset="0"/>
+              <a:buAutoNum type="arabicPeriod"/>
+            </a:pPr>
+            <a:r>
+              <a:rPr lang="en-US" altLang="zh-CN" dirty="0">
+                <a:solidFill>
+                  <a:schemeClr val="tx1">
+                    <a:lumMod val="75000"/>
+                    <a:lumOff val="25000"/>
+                  </a:schemeClr>
+                </a:solidFill>
+              </a:rPr>
+              <a:t>field selects to which precision to truncate the input value. </a:t>
+            </a:r>
+            <a:endParaRPr lang="zh-CN" altLang="zh-CN" dirty="0">
+              <a:solidFill>
+                <a:schemeClr val="tx1">
+                  <a:lumMod val="75000"/>
+                  <a:lumOff val="25000"/>
+                </a:schemeClr>
+              </a:solidFill>
+            </a:endParaRPr>
+          </a:p>
+        </p:txBody>
+      </p:sp>
+      <p:sp>
+        <p:nvSpPr>
+          <p:cNvPr id="8" name="TextBox 7">
+            <a:extLst>
+              <a:ext uri="{FF2B5EF4-FFF2-40B4-BE49-F238E27FC236}">
+                <a16:creationId xmlns:a16="http://schemas.microsoft.com/office/drawing/2014/main" id="{511821D3-B5C2-9E03-C7E5-A87E310153A0}"/>
+              </a:ext>
+            </a:extLst>
+          </p:cNvPr>
+          <p:cNvSpPr txBox="1"/>
+          <p:nvPr/>
+        </p:nvSpPr>
+        <p:spPr>
+          <a:xfrm>
+            <a:off x="914399" y="4729713"/>
+            <a:ext cx="8348262" cy="369332"/>
+          </a:xfrm>
+          <a:prstGeom prst="rect">
+            <a:avLst/>
+          </a:prstGeom>
+          <a:noFill/>
+        </p:spPr>
+        <p:txBody>
+          <a:bodyPr wrap="square" rtlCol="0">
+            <a:spAutoFit/>
+          </a:bodyPr>
+          <a:lstStyle/>
+          <a:p>
+            <a:r>
+              <a:rPr lang="en-US" altLang="zh-CN" dirty="0">
+                <a:solidFill>
+                  <a:srgbClr val="00B0F0"/>
+                </a:solidFill>
+              </a:rPr>
+              <a:t>SELECT </a:t>
+            </a:r>
+            <a:r>
+              <a:rPr lang="en-US" altLang="zh-CN" dirty="0" err="1">
+                <a:solidFill>
+                  <a:srgbClr val="00B0F0"/>
+                </a:solidFill>
+              </a:rPr>
+              <a:t>date_trunc</a:t>
+            </a:r>
+            <a:r>
+              <a:rPr lang="en-US" altLang="zh-CN" dirty="0">
+                <a:solidFill>
+                  <a:srgbClr val="00B0F0"/>
+                </a:solidFill>
+              </a:rPr>
+              <a:t>('minute', TIMESTAMP '2001-02-16 20:38:40');</a:t>
+            </a:r>
+            <a:endParaRPr lang="zh-CN" altLang="en-US" dirty="0">
+              <a:solidFill>
+                <a:srgbClr val="00B0F0"/>
+              </a:solidFill>
+            </a:endParaRPr>
+          </a:p>
+        </p:txBody>
+      </p:sp>
+    </p:spTree>
+    <p:extLst>
+      <p:ext uri="{BB962C8B-B14F-4D97-AF65-F5344CB8AC3E}">
+        <p14:creationId xmlns:p14="http://schemas.microsoft.com/office/powerpoint/2010/main" val="2723610199"/>
+      </p:ext>
+    </p:extLst>
+  </p:cSld>
+  <p:clrMapOvr>
+    <a:masterClrMapping/>
+  </p:clrMapOvr>
+</p:sld>
+</file>
+
+<file path=ppt/slides/slide8.xml><?xml version="1.0" encoding="utf-8"?>
+<p:sld xmlns:a="http://schemas.openxmlformats.org/drawingml/2006/main" xmlns:r="http://schemas.openxmlformats.org/officeDocument/2006/relationships" xmlns:p="http://schemas.openxmlformats.org/presentationml/2006/main">
+  <p:cSld>
+    <p:spTree>
+      <p:nvGrpSpPr>
+        <p:cNvPr id="1" name=""/>
+        <p:cNvGrpSpPr/>
+        <p:nvPr/>
+      </p:nvGrpSpPr>
+      <p:grpSpPr>
+        <a:xfrm>
+          <a:off x="0" y="0"/>
+          <a:ext cx="0" cy="0"/>
+          <a:chOff x="0" y="0"/>
+          <a:chExt cx="0" cy="0"/>
+        </a:xfrm>
+      </p:grpSpPr>
+      <p:sp>
+        <p:nvSpPr>
+          <p:cNvPr id="2" name="Title 1">
+            <a:extLst>
+              <a:ext uri="{FF2B5EF4-FFF2-40B4-BE49-F238E27FC236}">
+                <a16:creationId xmlns:a16="http://schemas.microsoft.com/office/drawing/2014/main" id="{2AB552DA-7EE8-BD28-885C-FD57EFD25946}"/>
+              </a:ext>
+            </a:extLst>
+          </p:cNvPr>
+          <p:cNvSpPr>
+            <a:spLocks noGrp="1"/>
+          </p:cNvSpPr>
+          <p:nvPr>
+            <p:ph type="title"/>
+          </p:nvPr>
+        </p:nvSpPr>
+        <p:spPr>
+          <a:xfrm>
+            <a:off x="581192" y="702156"/>
+            <a:ext cx="11029616" cy="638033"/>
+          </a:xfrm>
+        </p:spPr>
+        <p:txBody>
+          <a:bodyPr/>
+          <a:lstStyle/>
+          <a:p>
+            <a:r>
+              <a:rPr lang="en-US" altLang="zh-CN" dirty="0"/>
+              <a:t>Extract the minute from the timestamp</a:t>
+            </a:r>
+            <a:endParaRPr lang="zh-CN" altLang="en-US" dirty="0"/>
+          </a:p>
+        </p:txBody>
+      </p:sp>
+      <p:sp>
+        <p:nvSpPr>
+          <p:cNvPr id="4" name="Rectangle 1">
+            <a:extLst>
+              <a:ext uri="{FF2B5EF4-FFF2-40B4-BE49-F238E27FC236}">
+                <a16:creationId xmlns:a16="http://schemas.microsoft.com/office/drawing/2014/main" id="{0AC50A73-3B24-EA57-95B1-9EFCA8DCAF8C}"/>
+              </a:ext>
+            </a:extLst>
+          </p:cNvPr>
+          <p:cNvSpPr>
+            <a:spLocks noGrp="1" noChangeArrowheads="1"/>
+          </p:cNvSpPr>
+          <p:nvPr>
+            <p:ph idx="1"/>
+          </p:nvPr>
+        </p:nvSpPr>
+        <p:spPr bwMode="auto">
+          <a:xfrm>
+            <a:off x="706834" y="1539057"/>
+            <a:ext cx="8030403" cy="1114151"/>
+          </a:xfrm>
+          <a:prstGeom prst="rect">
+            <a:avLst/>
+          </a:prstGeom>
+          <a:noFill/>
+          <a:ln>
+            <a:noFill/>
+          </a:ln>
+          <a:effectLst/>
+          <a:extLst>
+            <a:ext uri="{909E8E84-426E-40DD-AFC4-6F175D3DCCD1}">
+              <a14:hiddenFill xmlns:a14="http://schemas.microsoft.com/office/drawing/2010/main">
+                <a:solidFill>
+                  <a:schemeClr val="accent1"/>
+                </a:solidFill>
+              </a14:hiddenFill>
+            </a:ext>
+            <a:ext uri="{91240B29-F687-4F45-9708-019B960494DF}">
+              <a14:hiddenLine xmlns:a14="http://schemas.microsoft.com/office/drawing/2010/main" w="9525">
+                <a:solidFill>
+                  <a:schemeClr val="tx1"/>
+                </a:solidFill>
+                <a:miter lim="800000"/>
+                <a:headEnd/>
+                <a:tailEnd/>
+              </a14:hiddenLine>
+            </a:ext>
+            <a:ext uri="{AF507438-7753-43E0-B8FC-AC1667EBCBE1}">
+              <a14:hiddenEffects xmlns:a14="http://schemas.microsoft.com/office/drawing/2010/main">
+                <a:effectLst>
+                  <a:outerShdw dist="35921" dir="2700000" algn="ctr" rotWithShape="0">
+                    <a:schemeClr val="bg2"/>
+                  </a:outerShdw>
+                </a:effectLst>
+              </a14:hiddenEffects>
+            </a:ext>
+          </a:extLst>
+        </p:spPr>
+        <p:txBody>
+          <a:bodyPr vert="horz" wrap="none" lIns="91440" tIns="45720" rIns="91440" bIns="45720" numCol="1" anchor="ctr" anchorCtr="0" compatLnSpc="1">
+            <a:prstTxWarp prst="textNoShape">
+              <a:avLst/>
+            </a:prstTxWarp>
+            <a:spAutoFit/>
+          </a:bodyPr>
+          <a:lstStyle/>
+          <a:p>
+            <a:pPr marR="0" lvl="0" fontAlgn="base">
+              <a:lnSpc>
+                <a:spcPct val="100000"/>
+              </a:lnSpc>
+              <a:buFont typeface="Arial" panose="020B0604020202020204" pitchFamily="34" charset="0"/>
+              <a:buChar char="•"/>
+              <a:tabLst/>
+            </a:pPr>
+            <a:r>
+              <a:rPr lang="zh-CN" altLang="zh-CN" dirty="0">
+                <a:hlinkClick r:id="rId2"/>
+              </a:rPr>
+              <a:t>DATE_PART</a:t>
+            </a:r>
+            <a:r>
+              <a:rPr lang="zh-CN" altLang="zh-CN" dirty="0"/>
+              <a:t>(‘</a:t>
+            </a:r>
+            <a:r>
+              <a:rPr lang="en-US" altLang="zh-CN" dirty="0"/>
+              <a:t>field</a:t>
+            </a:r>
+            <a:r>
+              <a:rPr lang="zh-CN" altLang="zh-CN" dirty="0"/>
+              <a:t>’, </a:t>
+            </a:r>
+            <a:r>
+              <a:rPr lang="en-US" altLang="zh-CN" dirty="0"/>
+              <a:t>source</a:t>
+            </a:r>
+            <a:r>
+              <a:rPr lang="zh-CN" altLang="zh-CN" dirty="0"/>
+              <a:t>):</a:t>
+            </a:r>
+            <a:endParaRPr lang="en-US" altLang="zh-CN" dirty="0"/>
+          </a:p>
+          <a:p>
+            <a:pPr lvl="1" fontAlgn="base">
+              <a:buFont typeface="Arial" panose="020B0604020202020204" pitchFamily="34" charset="0"/>
+              <a:buChar char="•"/>
+            </a:pPr>
+            <a:r>
+              <a:rPr lang="en-US" altLang="zh-CN" dirty="0">
+                <a:solidFill>
+                  <a:schemeClr val="tx1">
+                    <a:lumMod val="75000"/>
+                    <a:lumOff val="25000"/>
+                  </a:schemeClr>
+                </a:solidFill>
+              </a:rPr>
+              <a:t>field parameter needs to be a string value, not a name. </a:t>
+            </a:r>
+          </a:p>
+          <a:p>
+            <a:pPr lvl="1" fontAlgn="base">
+              <a:buFont typeface="Arial" panose="020B0604020202020204" pitchFamily="34" charset="0"/>
+              <a:buChar char="•"/>
+            </a:pPr>
+            <a:r>
+              <a:rPr lang="en-US" altLang="zh-CN" dirty="0">
+                <a:solidFill>
+                  <a:schemeClr val="tx1">
+                    <a:lumMod val="75000"/>
+                    <a:lumOff val="25000"/>
+                  </a:schemeClr>
+                </a:solidFill>
+              </a:rPr>
+              <a:t>source is a value expression of type timestamp, timestamp with time zone, or interval. </a:t>
+            </a:r>
+          </a:p>
+        </p:txBody>
+      </p:sp>
+      <p:sp>
+        <p:nvSpPr>
+          <p:cNvPr id="7" name="TextBox 6">
+            <a:extLst>
+              <a:ext uri="{FF2B5EF4-FFF2-40B4-BE49-F238E27FC236}">
+                <a16:creationId xmlns:a16="http://schemas.microsoft.com/office/drawing/2014/main" id="{E4537C8A-0F6A-7238-DA90-79070194E9E7}"/>
+              </a:ext>
+            </a:extLst>
+          </p:cNvPr>
+          <p:cNvSpPr txBox="1"/>
+          <p:nvPr/>
+        </p:nvSpPr>
+        <p:spPr>
+          <a:xfrm>
+            <a:off x="1069802" y="2938645"/>
+            <a:ext cx="9164941" cy="369332"/>
+          </a:xfrm>
+          <a:prstGeom prst="rect">
+            <a:avLst/>
+          </a:prstGeom>
+          <a:noFill/>
+        </p:spPr>
+        <p:txBody>
+          <a:bodyPr wrap="square" rtlCol="0">
+            <a:spAutoFit/>
+          </a:bodyPr>
+          <a:lstStyle/>
+          <a:p>
+            <a:r>
+              <a:rPr lang="en-US" altLang="zh-CN" dirty="0">
+                <a:solidFill>
+                  <a:srgbClr val="00B0F0"/>
+                </a:solidFill>
+              </a:rPr>
+              <a:t>SELECT DATE_PART('minute’,      '2009-07-18 04:31:00-04');</a:t>
+            </a:r>
+            <a:endParaRPr lang="zh-CN" altLang="en-US" dirty="0">
+              <a:solidFill>
+                <a:srgbClr val="00B0F0"/>
+              </a:solidFill>
+            </a:endParaRPr>
+          </a:p>
+        </p:txBody>
+      </p:sp>
+    </p:spTree>
+    <p:extLst>
+      <p:ext uri="{BB962C8B-B14F-4D97-AF65-F5344CB8AC3E}">
+        <p14:creationId xmlns:p14="http://schemas.microsoft.com/office/powerpoint/2010/main" val="2235685602"/>
+      </p:ext>
+    </p:extLst>
+  </p:cSld>
+  <p:clrMapOvr>
+    <a:masterClrMapping/>
+  </p:clrMapOvr>
+</p:sld>
+</file>
+
+<file path=ppt/slides/slide9.xml><?xml version="1.0" encoding="utf-8"?>
+<p:sld xmlns:a="http://schemas.openxmlformats.org/drawingml/2006/main" xmlns:r="http://schemas.openxmlformats.org/officeDocument/2006/relationships" xmlns:p="http://schemas.openxmlformats.org/presentationml/2006/main">
+  <p:cSld>
+    <p:spTree>
+      <p:nvGrpSpPr>
+        <p:cNvPr id="1" name=""/>
+        <p:cNvGrpSpPr/>
+        <p:nvPr/>
+      </p:nvGrpSpPr>
+      <p:grpSpPr>
+        <a:xfrm>
+          <a:off x="0" y="0"/>
+          <a:ext cx="0" cy="0"/>
+          <a:chOff x="0" y="0"/>
+          <a:chExt cx="0" cy="0"/>
+        </a:xfrm>
+      </p:grpSpPr>
+      <p:sp>
+        <p:nvSpPr>
+          <p:cNvPr id="2" name="Title 1">
+            <a:extLst>
+              <a:ext uri="{FF2B5EF4-FFF2-40B4-BE49-F238E27FC236}">
+                <a16:creationId xmlns:a16="http://schemas.microsoft.com/office/drawing/2014/main" id="{963BE7A0-9B01-120F-B780-B9D0EEF2F6CD}"/>
+              </a:ext>
+            </a:extLst>
+          </p:cNvPr>
+          <p:cNvSpPr>
+            <a:spLocks noGrp="1"/>
+          </p:cNvSpPr>
+          <p:nvPr>
+            <p:ph type="title"/>
+          </p:nvPr>
+        </p:nvSpPr>
+        <p:spPr>
+          <a:xfrm>
+            <a:off x="581192" y="702156"/>
+            <a:ext cx="11029616" cy="672934"/>
+          </a:xfrm>
+        </p:spPr>
+        <p:txBody>
+          <a:bodyPr/>
+          <a:lstStyle/>
+          <a:p>
+            <a:r>
+              <a:rPr lang="en-US" altLang="zh-CN" dirty="0"/>
+              <a:t>Mod</a:t>
+            </a:r>
+            <a:r>
+              <a:rPr lang="zh-CN" altLang="en-US" dirty="0"/>
+              <a:t> </a:t>
+            </a:r>
+            <a:r>
+              <a:rPr lang="en-US" altLang="zh-CN" dirty="0"/>
+              <a:t>function</a:t>
+            </a:r>
+            <a:r>
+              <a:rPr lang="zh-CN" altLang="en-US" dirty="0"/>
+              <a:t> </a:t>
+            </a:r>
+            <a:r>
+              <a:rPr lang="en-US" altLang="zh-CN" dirty="0"/>
+              <a:t>and</a:t>
+            </a:r>
+            <a:r>
+              <a:rPr lang="zh-CN" altLang="en-US" dirty="0"/>
+              <a:t> </a:t>
+            </a:r>
+            <a:r>
+              <a:rPr lang="en-US" altLang="zh-CN" dirty="0"/>
+              <a:t>cast</a:t>
+            </a:r>
+            <a:r>
+              <a:rPr lang="zh-CN" altLang="en-US" dirty="0"/>
+              <a:t> </a:t>
+            </a:r>
+            <a:r>
+              <a:rPr lang="en-US" altLang="zh-CN" dirty="0"/>
+              <a:t>function</a:t>
+            </a:r>
+            <a:endParaRPr lang="zh-CN" altLang="en-US" dirty="0"/>
+          </a:p>
+        </p:txBody>
+      </p:sp>
+      <p:sp>
+        <p:nvSpPr>
+          <p:cNvPr id="4" name="Rectangle 1">
+            <a:extLst>
+              <a:ext uri="{FF2B5EF4-FFF2-40B4-BE49-F238E27FC236}">
+                <a16:creationId xmlns:a16="http://schemas.microsoft.com/office/drawing/2014/main" id="{E588598A-5EF9-1D5C-C4E3-F53CA7658AD2}"/>
+              </a:ext>
+            </a:extLst>
+          </p:cNvPr>
+          <p:cNvSpPr>
+            <a:spLocks noGrp="1" noChangeArrowheads="1"/>
+          </p:cNvSpPr>
+          <p:nvPr>
+            <p:ph idx="1"/>
+          </p:nvPr>
+        </p:nvSpPr>
+        <p:spPr bwMode="auto">
+          <a:xfrm>
+            <a:off x="993019" y="1651957"/>
+            <a:ext cx="9609832" cy="2200602"/>
+          </a:xfrm>
+          <a:prstGeom prst="rect">
+            <a:avLst/>
+          </a:prstGeom>
+          <a:noFill/>
+          <a:ln>
+            <a:noFill/>
+          </a:ln>
+          <a:effectLst/>
+          <a:extLst>
+            <a:ext uri="{909E8E84-426E-40DD-AFC4-6F175D3DCCD1}">
+              <a14:hiddenFill xmlns:a14="http://schemas.microsoft.com/office/drawing/2010/main">
+                <a:solidFill>
+                  <a:schemeClr val="accent1"/>
+                </a:solidFill>
+              </a14:hiddenFill>
+            </a:ext>
+            <a:ext uri="{91240B29-F687-4F45-9708-019B960494DF}">
+              <a14:hiddenLine xmlns:a14="http://schemas.microsoft.com/office/drawing/2010/main" w="9525">
+                <a:solidFill>
+                  <a:schemeClr val="tx1"/>
+                </a:solidFill>
+                <a:miter lim="800000"/>
+                <a:headEnd/>
+                <a:tailEnd/>
+              </a14:hiddenLine>
+            </a:ext>
+            <a:ext uri="{AF507438-7753-43E0-B8FC-AC1667EBCBE1}">
+              <a14:hiddenEffects xmlns:a14="http://schemas.microsoft.com/office/drawing/2010/main">
+                <a:effectLst>
+                  <a:outerShdw dist="35921" dir="2700000" algn="ctr" rotWithShape="0">
+                    <a:schemeClr val="bg2"/>
+                  </a:outerShdw>
+                </a:effectLst>
+              </a14:hiddenEffects>
+            </a:ext>
+          </a:extLst>
+        </p:spPr>
+        <p:txBody>
+          <a:bodyPr vert="horz" wrap="square" lIns="91440" tIns="45720" rIns="91440" bIns="45720" numCol="1" anchor="ctr" anchorCtr="0" compatLnSpc="1">
+            <a:prstTxWarp prst="textNoShape">
+              <a:avLst/>
+            </a:prstTxWarp>
+            <a:spAutoFit/>
+          </a:bodyPr>
+          <a:lstStyle/>
+          <a:p>
+            <a:pPr fontAlgn="base">
+              <a:buFont typeface="Arial" panose="020B0604020202020204" pitchFamily="34" charset="0"/>
+              <a:buChar char="•"/>
+            </a:pPr>
+            <a:r>
+              <a:rPr lang="zh-CN" altLang="zh-CN" sz="1600" dirty="0"/>
+              <a:t>CAST(... AS interval): Converts the number into a time interval. </a:t>
+            </a:r>
+            <a:endParaRPr lang="en-US" altLang="zh-CN" sz="1600" dirty="0"/>
+          </a:p>
+          <a:p>
+            <a:pPr fontAlgn="base">
+              <a:buFont typeface="Arial" panose="020B0604020202020204" pitchFamily="34" charset="0"/>
+              <a:buChar char="•"/>
+            </a:pPr>
+            <a:endParaRPr lang="zh-CN" altLang="zh-CN" sz="1600" dirty="0"/>
+          </a:p>
+          <a:p>
+            <a:pPr marL="324000" lvl="1" indent="0" fontAlgn="base">
+              <a:buNone/>
+            </a:pPr>
+            <a:r>
+              <a:rPr lang="en-US" altLang="zh-CN" dirty="0">
+                <a:solidFill>
+                  <a:srgbClr val="00B0F0"/>
+                </a:solidFill>
+              </a:rPr>
+              <a:t>SELECT CAST(DATE_PART('minute', TIMESTAMP '2009-07-18 04:31:00-04') AS)</a:t>
+            </a:r>
+          </a:p>
+          <a:p>
+            <a:pPr fontAlgn="base">
+              <a:buFont typeface="Arial" panose="020B0604020202020204" pitchFamily="34" charset="0"/>
+              <a:buChar char="•"/>
+            </a:pPr>
+            <a:r>
+              <a:rPr lang="zh-CN" altLang="zh-CN" sz="1600" dirty="0"/>
+              <a:t>mod(..., 15): Finds how far the minute is from the last 15-minute mark.</a:t>
+            </a:r>
+            <a:endParaRPr lang="en-US" altLang="zh-CN" sz="1600" dirty="0"/>
+          </a:p>
+          <a:p>
+            <a:pPr fontAlgn="base">
+              <a:buFont typeface="Arial" panose="020B0604020202020204" pitchFamily="34" charset="0"/>
+              <a:buChar char="•"/>
+            </a:pPr>
+            <a:endParaRPr lang="en-US" altLang="zh-CN" sz="1600" dirty="0"/>
+          </a:p>
+          <a:p>
+            <a:pPr marL="324000" lvl="1" indent="0" fontAlgn="base">
+              <a:buNone/>
+            </a:pPr>
+            <a:r>
+              <a:rPr lang="zh-CN" altLang="zh-CN" sz="1400" dirty="0"/>
+              <a:t> </a:t>
+            </a:r>
+            <a:r>
+              <a:rPr lang="en-US" altLang="zh-CN" sz="1400" dirty="0"/>
+              <a:t> </a:t>
+            </a:r>
+            <a:r>
+              <a:rPr lang="en-US" altLang="zh-CN" sz="1400" dirty="0">
+                <a:solidFill>
+                  <a:srgbClr val="00B0F0"/>
+                </a:solidFill>
+              </a:rPr>
+              <a:t>SELECT mod(CAST(DATE_PART('minute', TIMESTAMP '2009-07-18 04:30:00-04') AS integer),);</a:t>
+            </a:r>
+            <a:endParaRPr lang="zh-CN" altLang="zh-CN" sz="1400" dirty="0">
+              <a:solidFill>
+                <a:srgbClr val="00B0F0"/>
+              </a:solidFill>
+            </a:endParaRPr>
+          </a:p>
+        </p:txBody>
+      </p:sp>
+    </p:spTree>
+    <p:extLst>
+      <p:ext uri="{BB962C8B-B14F-4D97-AF65-F5344CB8AC3E}">
+        <p14:creationId xmlns:p14="http://schemas.microsoft.com/office/powerpoint/2010/main" val="3030987634"/>
+      </p:ext>
+    </p:extLst>
+  </p:cSld>
+  <p:clrMapOvr>
+    <a:masterClrMapping/>
+  </p:clrMapOvr>
 </p:sld>
 </file>
 

--- a/docs/Lectures/Week09/Week09_GeometryProcessing_part2.pptx
+++ b/docs/Lectures/Week09/Week09_GeometryProcessing_part2.pptx
@@ -11920,7 +11920,7 @@
         </p:blipFill>
         <p:spPr>
           <a:xfrm>
-            <a:off x="3647313" y="1271016"/>
+            <a:off x="2994170" y="1384294"/>
             <a:ext cx="4106799" cy="2545123"/>
           </a:xfrm>
           <a:prstGeom prst="rect">
@@ -11950,7 +11950,7 @@
         </p:blipFill>
         <p:spPr>
           <a:xfrm>
-            <a:off x="3647313" y="4283306"/>
+            <a:off x="2287808" y="4358183"/>
             <a:ext cx="4106799" cy="2391814"/>
           </a:xfrm>
           <a:prstGeom prst="rect">
@@ -11999,6 +11999,36 @@
           </a:p>
         </p:txBody>
       </p:sp>
+      <p:pic>
+        <p:nvPicPr>
+          <p:cNvPr id="8" name="Picture 7">
+            <a:extLst>
+              <a:ext uri="{FF2B5EF4-FFF2-40B4-BE49-F238E27FC236}">
+                <a16:creationId xmlns:a16="http://schemas.microsoft.com/office/drawing/2014/main" id="{9ED3951B-CFE4-E288-FF3E-7691A88DDCD6}"/>
+              </a:ext>
+            </a:extLst>
+          </p:cNvPr>
+          <p:cNvPicPr>
+            <a:picLocks noChangeAspect="1"/>
+          </p:cNvPicPr>
+          <p:nvPr/>
+        </p:nvPicPr>
+        <p:blipFill>
+          <a:blip r:embed="rId4"/>
+          <a:stretch>
+            <a:fillRect/>
+          </a:stretch>
+        </p:blipFill>
+        <p:spPr>
+          <a:xfrm>
+            <a:off x="8066277" y="1176225"/>
+            <a:ext cx="3216161" cy="2961262"/>
+          </a:xfrm>
+          <a:prstGeom prst="rect">
+            <a:avLst/>
+          </a:prstGeom>
+        </p:spPr>
+      </p:pic>
     </p:spTree>
     <p:extLst>
       <p:ext uri="{BB962C8B-B14F-4D97-AF65-F5344CB8AC3E}">
@@ -12203,13 +12233,13 @@
             <p:ph idx="1"/>
             <p:extLst>
               <p:ext uri="{D42A27DB-BD31-4B8C-83A1-F6EECF244321}">
-                <p14:modId xmlns:p14="http://schemas.microsoft.com/office/powerpoint/2010/main" val="2137231702"/>
+                <p14:modId xmlns:p14="http://schemas.microsoft.com/office/powerpoint/2010/main" val="3324895754"/>
               </p:ext>
             </p:extLst>
           </p:nvPr>
         </p:nvGraphicFramePr>
         <p:xfrm>
-          <a:off x="657806" y="2432305"/>
+          <a:off x="581192" y="1416305"/>
           <a:ext cx="11029950" cy="3633787"/>
         </p:xfrm>
         <a:graphic>
@@ -12388,8 +12418,8 @@
         </p:nvSpPr>
         <p:spPr bwMode="auto">
           <a:xfrm>
-            <a:off x="832478" y="2725850"/>
-            <a:ext cx="10951860" cy="1797415"/>
+            <a:off x="832478" y="2521179"/>
+            <a:ext cx="10951860" cy="2206758"/>
           </a:xfrm>
           <a:prstGeom prst="rect">
             <a:avLst/>
@@ -12579,6 +12609,33 @@
                   </a:schemeClr>
                 </a:solidFill>
               </a:rPr>
+              <a:t>Truncates the time column to the field(e.g., minute), removing seconds.</a:t>
+            </a:r>
+          </a:p>
+          <a:p>
+            <a:pPr marL="342900" indent="-342900" fontAlgn="base">
+              <a:spcBef>
+                <a:spcPct val="20000"/>
+              </a:spcBef>
+              <a:spcAft>
+                <a:spcPts val="600"/>
+              </a:spcAft>
+              <a:buClr>
+                <a:schemeClr val="accent1"/>
+              </a:buClr>
+              <a:buSzPct val="92000"/>
+              <a:buFont typeface="+mj-lt"/>
+              <a:buAutoNum type="arabicPeriod"/>
+            </a:pPr>
+            <a:r>
+              <a:rPr lang="en-US" altLang="zh-CN" dirty="0">
+                <a:solidFill>
+                  <a:schemeClr val="tx1">
+                    <a:lumMod val="75000"/>
+                    <a:lumOff val="25000"/>
+                  </a:schemeClr>
+                </a:solidFill>
+              </a:rPr>
               <a:t>source is a value expression of type timestamp, timestamp with time zone, or interval. </a:t>
             </a:r>
           </a:p>
@@ -12633,7 +12690,7 @@
         </p:nvSpPr>
         <p:spPr>
           <a:xfrm>
-            <a:off x="914399" y="4729713"/>
+            <a:off x="832478" y="5199008"/>
             <a:ext cx="8348262" cy="369332"/>
           </a:xfrm>
           <a:prstGeom prst="rect">
@@ -12761,8 +12818,8 @@
         </p:nvSpPr>
         <p:spPr bwMode="auto">
           <a:xfrm>
-            <a:off x="706834" y="1539057"/>
-            <a:ext cx="8030403" cy="1114151"/>
+            <a:off x="1147101" y="1660470"/>
+            <a:ext cx="8030403" cy="1523494"/>
           </a:xfrm>
           <a:prstGeom prst="rect">
             <a:avLst/>
@@ -12852,6 +12909,16 @@
               <a:buChar char="•"/>
             </a:pPr>
             <a:r>
+              <a:rPr lang="en-US" altLang="zh-CN" dirty="0"/>
+              <a:t>Extracts the minute component from time</a:t>
+            </a:r>
+          </a:p>
+          <a:p>
+            <a:pPr lvl="1" fontAlgn="base">
+              <a:buFont typeface="Arial" panose="020B0604020202020204" pitchFamily="34" charset="0"/>
+              <a:buChar char="•"/>
+            </a:pPr>
+            <a:r>
               <a:rPr lang="en-US" altLang="zh-CN" dirty="0">
                 <a:solidFill>
                   <a:schemeClr val="tx1">
@@ -12896,7 +12963,7 @@
         </p:nvSpPr>
         <p:spPr>
           <a:xfrm>
-            <a:off x="1069802" y="2938645"/>
+            <a:off x="1108507" y="3674036"/>
             <a:ext cx="9164941" cy="369332"/>
           </a:xfrm>
           <a:prstGeom prst="rect">
@@ -13095,7 +13162,15 @@
             </a:pPr>
             <a:r>
               <a:rPr lang="zh-CN" altLang="zh-CN" sz="1600" dirty="0"/>
-              <a:t>CAST(... AS interval): Converts the number into a time interval. </a:t>
+              <a:t>CAST(... AS interval): Converts the number</a:t>
+            </a:r>
+            <a:r>
+              <a:rPr lang="en-US" altLang="zh-CN" sz="1600" dirty="0"/>
+              <a:t> or text</a:t>
+            </a:r>
+            <a:r>
+              <a:rPr lang="zh-CN" altLang="zh-CN" sz="1600" dirty="0"/>
+              <a:t> into a time interval. </a:t>
             </a:r>
             <a:endParaRPr lang="en-US" altLang="zh-CN" sz="1600" dirty="0"/>
           </a:p>
